--- a/SYP(MUH)/Traveladvisor.pptx
+++ b/SYP(MUH)/Traveladvisor.pptx
@@ -5,21 +5,14 @@
     <p:sldMasterId id="2147483720" r:id="rId1"/>
   </p:sldMasterIdLst>
   <p:notesMasterIdLst>
-    <p:notesMasterId r:id="rId14"/>
+    <p:notesMasterId r:id="rId7"/>
   </p:notesMasterIdLst>
   <p:sldIdLst>
     <p:sldId id="256" r:id="rId2"/>
     <p:sldId id="257" r:id="rId3"/>
-    <p:sldId id="258" r:id="rId4"/>
-    <p:sldId id="259" r:id="rId5"/>
-    <p:sldId id="260" r:id="rId6"/>
-    <p:sldId id="261" r:id="rId7"/>
-    <p:sldId id="263" r:id="rId8"/>
-    <p:sldId id="266" r:id="rId9"/>
-    <p:sldId id="267" r:id="rId10"/>
-    <p:sldId id="268" r:id="rId11"/>
-    <p:sldId id="269" r:id="rId12"/>
-    <p:sldId id="270" r:id="rId13"/>
+    <p:sldId id="268" r:id="rId4"/>
+    <p:sldId id="271" r:id="rId5"/>
+    <p:sldId id="270" r:id="rId6"/>
   </p:sldIdLst>
   <p:sldSz cx="12192000" cy="6858000"/>
   <p:notesSz cx="6858000" cy="9144000"/>
@@ -118,6 +111,11 @@
       </a:defRPr>
     </a:lvl9pPr>
   </p:defaultTextStyle>
+  <p:extLst>
+    <p:ext uri="{EFAFB233-063F-42B5-8137-9DF3F51BA10A}">
+      <p15:sldGuideLst xmlns:p15="http://schemas.microsoft.com/office/powerpoint/2012/main"/>
+    </p:ext>
+  </p:extLst>
 </p:presentation>
 </file>
 
@@ -3433,7 +3431,7 @@
           <a:p>
             <a:fld id="{324B1FFA-0A5D-4C37-85BC-44076BFBCCBC}" type="datetimeFigureOut">
               <a:rPr lang="de-AT" smtClean="0"/>
-              <a:t>11.11.2019</a:t>
+              <a:t>19.11.2019</a:t>
             </a:fld>
             <a:endParaRPr lang="de-AT"/>
           </a:p>
@@ -3946,7 +3944,7 @@
           <a:p>
             <a:fld id="{D245C096-E570-47AC-8D91-B11422B6D306}" type="datetime1">
               <a:rPr lang="de-AT" smtClean="0"/>
-              <a:t>11.11.2019</a:t>
+              <a:t>19.11.2019</a:t>
             </a:fld>
             <a:endParaRPr lang="de-AT"/>
           </a:p>
@@ -4212,7 +4210,7 @@
           <a:p>
             <a:fld id="{8DA53C68-7868-4401-8705-24E7F2827548}" type="datetime1">
               <a:rPr lang="de-AT" smtClean="0"/>
-              <a:t>11.11.2019</a:t>
+              <a:t>19.11.2019</a:t>
             </a:fld>
             <a:endParaRPr lang="de-AT"/>
           </a:p>
@@ -4451,7 +4449,7 @@
           <a:p>
             <a:fld id="{777754B4-4409-4666-ADBA-31C9F685C3EF}" type="datetime1">
               <a:rPr lang="de-AT" smtClean="0"/>
-              <a:t>11.11.2019</a:t>
+              <a:t>19.11.2019</a:t>
             </a:fld>
             <a:endParaRPr lang="de-AT"/>
           </a:p>
@@ -4695,7 +4693,7 @@
           <a:p>
             <a:fld id="{616912D4-BCE9-46F0-A810-91BE9C1F3404}" type="datetime1">
               <a:rPr lang="de-AT" smtClean="0"/>
-              <a:t>11.11.2019</a:t>
+              <a:t>19.11.2019</a:t>
             </a:fld>
             <a:endParaRPr lang="de-AT"/>
           </a:p>
@@ -5006,7 +5004,7 @@
           <a:p>
             <a:fld id="{4582D839-F145-4F0B-9DB2-66C0B235DB53}" type="datetime1">
               <a:rPr lang="de-AT" smtClean="0"/>
-              <a:t>11.11.2019</a:t>
+              <a:t>19.11.2019</a:t>
             </a:fld>
             <a:endParaRPr lang="de-AT"/>
           </a:p>
@@ -5312,7 +5310,7 @@
           <a:p>
             <a:fld id="{9192D67A-DF15-44E5-A6C5-10569E96F80C}" type="datetime1">
               <a:rPr lang="de-AT" smtClean="0"/>
-              <a:t>11.11.2019</a:t>
+              <a:t>19.11.2019</a:t>
             </a:fld>
             <a:endParaRPr lang="de-AT"/>
           </a:p>
@@ -5738,7 +5736,7 @@
           <a:p>
             <a:fld id="{DEE717F0-7848-4FC5-8884-4B1B8AF8D301}" type="datetime1">
               <a:rPr lang="de-AT" smtClean="0"/>
-              <a:t>11.11.2019</a:t>
+              <a:t>19.11.2019</a:t>
             </a:fld>
             <a:endParaRPr lang="de-AT"/>
           </a:p>
@@ -5904,7 +5902,7 @@
           <a:p>
             <a:fld id="{E134D0F4-B6D3-4871-AEE0-7E16909019A9}" type="datetime1">
               <a:rPr lang="de-AT" smtClean="0"/>
-              <a:t>11.11.2019</a:t>
+              <a:t>19.11.2019</a:t>
             </a:fld>
             <a:endParaRPr lang="de-AT"/>
           </a:p>
@@ -6003,7 +6001,7 @@
           <a:p>
             <a:fld id="{43DAC3BE-1FC9-4501-A583-48CB22BDBB54}" type="datetime1">
               <a:rPr lang="de-AT" smtClean="0"/>
-              <a:t>11.11.2019</a:t>
+              <a:t>19.11.2019</a:t>
             </a:fld>
             <a:endParaRPr lang="de-AT"/>
           </a:p>
@@ -6385,7 +6383,7 @@
           <a:p>
             <a:fld id="{F4549E1B-B963-47B5-BBB8-0A75B830FECF}" type="datetime1">
               <a:rPr lang="de-AT" smtClean="0"/>
-              <a:t>11.11.2019</a:t>
+              <a:t>19.11.2019</a:t>
             </a:fld>
             <a:endParaRPr lang="de-AT"/>
           </a:p>
@@ -6678,7 +6676,7 @@
           <a:p>
             <a:fld id="{A65C2C2B-DE4D-46E7-BF67-44643E15942B}" type="datetime1">
               <a:rPr lang="de-AT" smtClean="0"/>
-              <a:t>11.11.2019</a:t>
+              <a:t>19.11.2019</a:t>
             </a:fld>
             <a:endParaRPr lang="de-AT"/>
           </a:p>
@@ -6893,7 +6891,7 @@
           <a:p>
             <a:fld id="{DD649355-2F17-4049-9246-10EEAD5071C0}" type="datetime1">
               <a:rPr lang="de-AT" smtClean="0"/>
-              <a:t>11.11.2019</a:t>
+              <a:t>19.11.2019</a:t>
             </a:fld>
             <a:endParaRPr lang="de-AT"/>
           </a:p>
@@ -7835,7 +7833,168 @@
 </p:sld>
 </file>
 
-<file path=ppt/slides/slide10.xml><?xml version="1.0" encoding="utf-8"?>
+<file path=ppt/slides/slide2.xml><?xml version="1.0" encoding="utf-8"?>
+<p:sld xmlns:a="http://schemas.openxmlformats.org/drawingml/2006/main" xmlns:r="http://schemas.openxmlformats.org/officeDocument/2006/relationships" xmlns:p="http://schemas.openxmlformats.org/presentationml/2006/main">
+  <p:cSld>
+    <p:bg>
+      <p:bgPr>
+        <a:solidFill>
+          <a:schemeClr val="bg1"/>
+        </a:solidFill>
+        <a:effectLst/>
+      </p:bgPr>
+    </p:bg>
+    <p:spTree>
+      <p:nvGrpSpPr>
+        <p:cNvPr id="1" name=""/>
+        <p:cNvGrpSpPr/>
+        <p:nvPr/>
+      </p:nvGrpSpPr>
+      <p:grpSpPr>
+        <a:xfrm>
+          <a:off x="0" y="0"/>
+          <a:ext cx="0" cy="0"/>
+          <a:chOff x="0" y="0"/>
+          <a:chExt cx="0" cy="0"/>
+        </a:xfrm>
+      </p:grpSpPr>
+      <p:sp>
+        <p:nvSpPr>
+          <p:cNvPr id="2" name="Titel 1">
+            <a:extLst>
+              <a:ext uri="{FF2B5EF4-FFF2-40B4-BE49-F238E27FC236}">
+                <a16:creationId xmlns:a16="http://schemas.microsoft.com/office/drawing/2014/main" id="{1499E0A7-931D-4F31-B4FD-ADD638473602}"/>
+              </a:ext>
+            </a:extLst>
+          </p:cNvPr>
+          <p:cNvSpPr>
+            <a:spLocks noGrp="1"/>
+          </p:cNvSpPr>
+          <p:nvPr>
+            <p:ph type="title"/>
+          </p:nvPr>
+        </p:nvSpPr>
+        <p:spPr/>
+        <p:txBody>
+          <a:bodyPr>
+            <a:normAutofit/>
+          </a:bodyPr>
+          <a:lstStyle/>
+          <a:p>
+            <a:r>
+              <a:rPr lang="de-AT">
+                <a:solidFill>
+                  <a:srgbClr val="FFFEFF"/>
+                </a:solidFill>
+              </a:rPr>
+              <a:t>Idee</a:t>
+            </a:r>
+          </a:p>
+        </p:txBody>
+      </p:sp>
+      <p:graphicFrame>
+        <p:nvGraphicFramePr>
+          <p:cNvPr id="5" name="Inhaltsplatzhalter 2">
+            <a:extLst>
+              <a:ext uri="{FF2B5EF4-FFF2-40B4-BE49-F238E27FC236}">
+                <a16:creationId xmlns:a16="http://schemas.microsoft.com/office/drawing/2014/main" id="{957FA265-229C-4570-BA28-A8C3C7EEE174}"/>
+              </a:ext>
+            </a:extLst>
+          </p:cNvPr>
+          <p:cNvGraphicFramePr>
+            <a:graphicFrameLocks noGrp="1"/>
+          </p:cNvGraphicFramePr>
+          <p:nvPr>
+            <p:ph idx="1"/>
+            <p:extLst>
+              <p:ext uri="{D42A27DB-BD31-4B8C-83A1-F6EECF244321}">
+                <p14:modId xmlns:p14="http://schemas.microsoft.com/office/powerpoint/2010/main" val="337337134"/>
+              </p:ext>
+            </p:extLst>
+          </p:nvPr>
+        </p:nvGraphicFramePr>
+        <p:xfrm>
+          <a:off x="581025" y="2181225"/>
+          <a:ext cx="11029950" cy="3678238"/>
+        </p:xfrm>
+        <a:graphic>
+          <a:graphicData uri="http://schemas.openxmlformats.org/drawingml/2006/diagram">
+            <dgm:relIds xmlns:dgm="http://schemas.openxmlformats.org/drawingml/2006/diagram" xmlns:r="http://schemas.openxmlformats.org/officeDocument/2006/relationships" r:dm="rId2" r:lo="rId3" r:qs="rId4" r:cs="rId5"/>
+          </a:graphicData>
+        </a:graphic>
+      </p:graphicFrame>
+      <p:sp>
+        <p:nvSpPr>
+          <p:cNvPr id="4" name="Fußzeilenplatzhalter 3">
+            <a:extLst>
+              <a:ext uri="{FF2B5EF4-FFF2-40B4-BE49-F238E27FC236}">
+                <a16:creationId xmlns:a16="http://schemas.microsoft.com/office/drawing/2014/main" id="{050287E7-530F-4EC4-A598-D7553BCC6F8B}"/>
+              </a:ext>
+            </a:extLst>
+          </p:cNvPr>
+          <p:cNvSpPr>
+            <a:spLocks noGrp="1"/>
+          </p:cNvSpPr>
+          <p:nvPr>
+            <p:ph type="ftr" sz="quarter" idx="11"/>
+          </p:nvPr>
+        </p:nvSpPr>
+        <p:spPr/>
+        <p:txBody>
+          <a:bodyPr/>
+          <a:lstStyle/>
+          <a:p>
+            <a:r>
+              <a:rPr lang="de-DE"/>
+              <a:t>Gilgenreiner, Kleinegger, Sonnek | Gruppe 6 | 2019/20</a:t>
+            </a:r>
+            <a:endParaRPr lang="de-AT"/>
+          </a:p>
+        </p:txBody>
+      </p:sp>
+      <p:sp>
+        <p:nvSpPr>
+          <p:cNvPr id="6" name="Foliennummernplatzhalter 5">
+            <a:extLst>
+              <a:ext uri="{FF2B5EF4-FFF2-40B4-BE49-F238E27FC236}">
+                <a16:creationId xmlns:a16="http://schemas.microsoft.com/office/drawing/2014/main" id="{BAC2100C-7AF3-4631-A194-BD38B10082D0}"/>
+              </a:ext>
+            </a:extLst>
+          </p:cNvPr>
+          <p:cNvSpPr>
+            <a:spLocks noGrp="1"/>
+          </p:cNvSpPr>
+          <p:nvPr>
+            <p:ph type="sldNum" sz="quarter" idx="12"/>
+          </p:nvPr>
+        </p:nvSpPr>
+        <p:spPr/>
+        <p:txBody>
+          <a:bodyPr/>
+          <a:lstStyle/>
+          <a:p>
+            <a:fld id="{940FB58F-067A-413C-9BD8-45C981AB8339}" type="slidenum">
+              <a:rPr lang="de-AT" smtClean="0"/>
+              <a:t>2</a:t>
+            </a:fld>
+            <a:endParaRPr lang="de-AT"/>
+          </a:p>
+        </p:txBody>
+      </p:sp>
+    </p:spTree>
+    <p:extLst>
+      <p:ext uri="{BB962C8B-B14F-4D97-AF65-F5344CB8AC3E}">
+        <p14:creationId xmlns:p14="http://schemas.microsoft.com/office/powerpoint/2010/main" val="2972540833"/>
+      </p:ext>
+    </p:extLst>
+  </p:cSld>
+  <p:clrMapOvr>
+    <a:masterClrMapping/>
+  </p:clrMapOvr>
+</p:sld>
+</file>
+
+<file path=ppt/slides/slide3.xml><?xml version="1.0" encoding="utf-8"?>
 <p:sld xmlns:a="http://schemas.openxmlformats.org/drawingml/2006/main" xmlns:r="http://schemas.openxmlformats.org/officeDocument/2006/relationships" xmlns:p="http://schemas.openxmlformats.org/presentationml/2006/main">
   <p:cSld>
     <p:bg>
@@ -8313,7 +8472,7 @@
           <a:p>
             <a:fld id="{940FB58F-067A-413C-9BD8-45C981AB8339}" type="slidenum">
               <a:rPr lang="de-AT" smtClean="0"/>
-              <a:t>10</a:t>
+              <a:t>3</a:t>
             </a:fld>
             <a:endParaRPr lang="de-AT"/>
           </a:p>
@@ -8332,7 +8491,7 @@
 </p:sld>
 </file>
 
-<file path=ppt/slides/slide11.xml><?xml version="1.0" encoding="utf-8"?>
+<file path=ppt/slides/slide4.xml><?xml version="1.0" encoding="utf-8"?>
 <p:sld xmlns:a="http://schemas.openxmlformats.org/drawingml/2006/main" xmlns:r="http://schemas.openxmlformats.org/officeDocument/2006/relationships" xmlns:p="http://schemas.openxmlformats.org/presentationml/2006/main">
   <p:cSld>
     <p:bg>
@@ -8359,10 +8518,10 @@
       </p:grpSpPr>
       <p:sp useBgFill="1">
         <p:nvSpPr>
-          <p:cNvPr id="16" name="Rectangle 7">
+          <p:cNvPr id="28" name="Rectangle 27">
             <a:extLst>
               <a:ext uri="{FF2B5EF4-FFF2-40B4-BE49-F238E27FC236}">
-                <a16:creationId xmlns:a16="http://schemas.microsoft.com/office/drawing/2014/main" id="{B373F125-DEF3-41D6-9918-AB21A2ACC37A}"/>
+                <a16:creationId xmlns:a16="http://schemas.microsoft.com/office/drawing/2014/main" id="{F0EDA701-4C2B-4983-A61C-952E63C6B8DB}"/>
               </a:ext>
               <a:ext uri="{C183D7F6-B498-43B3-948B-1728B52AA6E4}">
                 <adec:decorative xmlns:adec="http://schemas.microsoft.com/office/drawing/2017/decorative" val="1"/>
@@ -8382,8 +8541,8 @@
         </p:nvSpPr>
         <p:spPr>
           <a:xfrm>
-            <a:off x="0" y="0"/>
-            <a:ext cx="12192000" cy="6858000"/>
+            <a:off x="0" y="601363"/>
+            <a:ext cx="12191999" cy="6256638"/>
           </a:xfrm>
           <a:prstGeom prst="rect">
             <a:avLst/>
@@ -8419,10 +8578,51 @@
       </p:sp>
       <p:sp>
         <p:nvSpPr>
-          <p:cNvPr id="17" name="Rectangle 9">
+          <p:cNvPr id="4" name="Fußzeilenplatzhalter 3">
             <a:extLst>
               <a:ext uri="{FF2B5EF4-FFF2-40B4-BE49-F238E27FC236}">
-                <a16:creationId xmlns:a16="http://schemas.microsoft.com/office/drawing/2014/main" id="{71E9F226-EB6E-48C9-ADDA-636DE4BF4EBE}"/>
+                <a16:creationId xmlns:a16="http://schemas.microsoft.com/office/drawing/2014/main" id="{C058B6E3-6040-4030-B379-E0748E25B186}"/>
+              </a:ext>
+            </a:extLst>
+          </p:cNvPr>
+          <p:cNvSpPr>
+            <a:spLocks noGrp="1"/>
+          </p:cNvSpPr>
+          <p:nvPr>
+            <p:ph type="ftr" sz="quarter" idx="11"/>
+          </p:nvPr>
+        </p:nvSpPr>
+        <p:spPr>
+          <a:xfrm>
+            <a:off x="581192" y="5951811"/>
+            <a:ext cx="6917210" cy="365125"/>
+          </a:xfrm>
+        </p:spPr>
+        <p:txBody>
+          <a:bodyPr>
+            <a:normAutofit/>
+          </a:bodyPr>
+          <a:lstStyle/>
+          <a:p>
+            <a:pPr>
+              <a:spcAft>
+                <a:spcPts val="600"/>
+              </a:spcAft>
+            </a:pPr>
+            <a:r>
+              <a:rPr lang="de-DE"/>
+              <a:t>Gilgenreiner, Kleinegger, Sonnek | Gruppe 6 | 2019/20</a:t>
+            </a:r>
+            <a:endParaRPr lang="de-AT"/>
+          </a:p>
+        </p:txBody>
+      </p:sp>
+      <p:sp>
+        <p:nvSpPr>
+          <p:cNvPr id="30" name="Rectangle 29">
+            <a:extLst>
+              <a:ext uri="{FF2B5EF4-FFF2-40B4-BE49-F238E27FC236}">
+                <a16:creationId xmlns:a16="http://schemas.microsoft.com/office/drawing/2014/main" id="{ABD094A0-0F03-4392-AAF0-F48FBDB63161}"/>
               </a:ext>
               <a:ext uri="{C183D7F6-B498-43B3-948B-1728B52AA6E4}">
                 <adec:decorative xmlns:adec="http://schemas.microsoft.com/office/drawing/2017/decorative" val="1"/>
@@ -8442,47 +8642,41 @@
         </p:nvSpPr>
         <p:spPr>
           <a:xfrm>
-            <a:off x="490581" y="485678"/>
-            <a:ext cx="4174743" cy="5888772"/>
+            <a:off x="8042147" y="723899"/>
+            <a:ext cx="3703320" cy="5666666"/>
           </a:xfrm>
           <a:prstGeom prst="rect">
             <a:avLst/>
           </a:prstGeom>
+          <a:solidFill>
+            <a:schemeClr val="accent1"/>
+          </a:solidFill>
           <a:ln>
             <a:noFill/>
           </a:ln>
+          <a:effectLst/>
         </p:spPr>
         <p:style>
-          <a:lnRef idx="2">
-            <a:schemeClr val="accent1">
-              <a:shade val="50000"/>
-            </a:schemeClr>
+          <a:lnRef idx="1">
+            <a:schemeClr val="accent1"/>
           </a:lnRef>
-          <a:fillRef idx="1">
+          <a:fillRef idx="3">
             <a:schemeClr val="accent1"/>
           </a:fillRef>
-          <a:effectRef idx="0">
+          <a:effectRef idx="2">
             <a:schemeClr val="accent1"/>
           </a:effectRef>
           <a:fontRef idx="minor">
             <a:schemeClr val="lt1"/>
           </a:fontRef>
         </p:style>
-        <p:txBody>
-          <a:bodyPr rtlCol="0" anchor="ctr"/>
-          <a:lstStyle/>
-          <a:p>
-            <a:pPr algn="ctr"/>
-            <a:endParaRPr lang="en-US"/>
-          </a:p>
-        </p:txBody>
       </p:sp>
       <p:sp>
         <p:nvSpPr>
           <p:cNvPr id="2" name="Titel 1">
             <a:extLst>
               <a:ext uri="{FF2B5EF4-FFF2-40B4-BE49-F238E27FC236}">
-                <a16:creationId xmlns:a16="http://schemas.microsoft.com/office/drawing/2014/main" id="{FBD81286-7D5C-4194-B3DA-040DBA4F6C77}"/>
+                <a16:creationId xmlns:a16="http://schemas.microsoft.com/office/drawing/2014/main" id="{D587EA6D-24F1-436D-B80B-9AD7E0E2561F}"/>
               </a:ext>
             </a:extLst>
           </p:cNvPr>
@@ -8495,8 +8689,8 @@
         </p:nvSpPr>
         <p:spPr>
           <a:xfrm>
-            <a:off x="959157" y="1113764"/>
-            <a:ext cx="3269749" cy="4624327"/>
+            <a:off x="8369643" y="1037967"/>
+            <a:ext cx="3054091" cy="4709131"/>
           </a:xfrm>
         </p:spPr>
         <p:txBody>
@@ -8506,94 +8700,22 @@
           <a:lstStyle/>
           <a:p>
             <a:r>
-              <a:rPr lang="de-AT" sz="3200">
+              <a:rPr lang="de-AT">
                 <a:solidFill>
-                  <a:srgbClr val="FFFFFF"/>
+                  <a:srgbClr val="FFFEFF"/>
                 </a:solidFill>
               </a:rPr>
-              <a:t>Nächste Ziele</a:t>
+              <a:t>USERSTORIES</a:t>
             </a:r>
           </a:p>
         </p:txBody>
       </p:sp>
       <p:sp>
         <p:nvSpPr>
-          <p:cNvPr id="3" name="Inhaltsplatzhalter 2">
+          <p:cNvPr id="5" name="Foliennummernplatzhalter 4">
             <a:extLst>
               <a:ext uri="{FF2B5EF4-FFF2-40B4-BE49-F238E27FC236}">
-                <a16:creationId xmlns:a16="http://schemas.microsoft.com/office/drawing/2014/main" id="{ADBAB776-A67F-4997-A28F-6812D6F34806}"/>
-              </a:ext>
-            </a:extLst>
-          </p:cNvPr>
-          <p:cNvSpPr>
-            <a:spLocks noGrp="1"/>
-          </p:cNvSpPr>
-          <p:nvPr>
-            <p:ph idx="1"/>
-          </p:nvPr>
-        </p:nvSpPr>
-        <p:spPr>
-          <a:xfrm>
-            <a:off x="5155905" y="1113764"/>
-            <a:ext cx="6108179" cy="4624327"/>
-          </a:xfrm>
-        </p:spPr>
-        <p:txBody>
-          <a:bodyPr anchor="ctr">
-            <a:normAutofit/>
-          </a:bodyPr>
-          <a:lstStyle/>
-          <a:p>
-            <a:r>
-              <a:rPr lang="de-AT" dirty="0"/>
-              <a:t>Alle angefangenen </a:t>
-            </a:r>
-            <a:r>
-              <a:rPr lang="de-AT" dirty="0" err="1"/>
-              <a:t>Userstories</a:t>
-            </a:r>
-            <a:r>
-              <a:rPr lang="de-AT" dirty="0"/>
-              <a:t> beenden</a:t>
-            </a:r>
-          </a:p>
-        </p:txBody>
-      </p:sp>
-      <p:sp>
-        <p:nvSpPr>
-          <p:cNvPr id="4" name="Fußzeilenplatzhalter 3">
-            <a:extLst>
-              <a:ext uri="{FF2B5EF4-FFF2-40B4-BE49-F238E27FC236}">
-                <a16:creationId xmlns:a16="http://schemas.microsoft.com/office/drawing/2014/main" id="{705B9309-0EC4-4DC4-8A4A-B82FB300EBEC}"/>
-              </a:ext>
-            </a:extLst>
-          </p:cNvPr>
-          <p:cNvSpPr>
-            <a:spLocks noGrp="1"/>
-          </p:cNvSpPr>
-          <p:nvPr>
-            <p:ph type="ftr" sz="quarter" idx="11"/>
-          </p:nvPr>
-        </p:nvSpPr>
-        <p:spPr/>
-        <p:txBody>
-          <a:bodyPr/>
-          <a:lstStyle/>
-          <a:p>
-            <a:r>
-              <a:rPr lang="de-DE"/>
-              <a:t>Gilgenreiner, Kleinegger, Sonnek | Gruppe 6 | 2019/20</a:t>
-            </a:r>
-            <a:endParaRPr lang="de-AT"/>
-          </a:p>
-        </p:txBody>
-      </p:sp>
-      <p:sp>
-        <p:nvSpPr>
-          <p:cNvPr id="6" name="Foliennummernplatzhalter 5">
-            <a:extLst>
-              <a:ext uri="{FF2B5EF4-FFF2-40B4-BE49-F238E27FC236}">
-                <a16:creationId xmlns:a16="http://schemas.microsoft.com/office/drawing/2014/main" id="{B67F226D-6B52-4542-A2E4-7C4F64EAD15F}"/>
+                <a16:creationId xmlns:a16="http://schemas.microsoft.com/office/drawing/2014/main" id="{EEEA2FA2-43DD-41B2-B99A-BDC67049325A}"/>
               </a:ext>
             </a:extLst>
           </p:cNvPr>
@@ -8604,23 +8726,1963 @@
             <p:ph type="sldNum" sz="quarter" idx="12"/>
           </p:nvPr>
         </p:nvSpPr>
-        <p:spPr/>
+        <p:spPr>
+          <a:xfrm>
+            <a:off x="10558300" y="5956137"/>
+            <a:ext cx="1052508" cy="365125"/>
+          </a:xfrm>
+        </p:spPr>
         <p:txBody>
-          <a:bodyPr/>
+          <a:bodyPr>
+            <a:normAutofit/>
+          </a:bodyPr>
           <a:lstStyle/>
           <a:p>
+            <a:pPr>
+              <a:spcAft>
+                <a:spcPts val="600"/>
+              </a:spcAft>
+            </a:pPr>
             <a:fld id="{940FB58F-067A-413C-9BD8-45C981AB8339}" type="slidenum">
-              <a:rPr lang="de-AT" smtClean="0"/>
-              <a:t>11</a:t>
+              <a:rPr lang="de-AT">
+                <a:solidFill>
+                  <a:schemeClr val="accent1">
+                    <a:lumMod val="75000"/>
+                    <a:lumOff val="25000"/>
+                  </a:schemeClr>
+                </a:solidFill>
+              </a:rPr>
+              <a:pPr>
+                <a:spcAft>
+                  <a:spcPts val="600"/>
+                </a:spcAft>
+              </a:pPr>
+              <a:t>4</a:t>
             </a:fld>
-            <a:endParaRPr lang="de-AT"/>
+            <a:endParaRPr lang="de-AT">
+              <a:solidFill>
+                <a:schemeClr val="accent1">
+                  <a:lumMod val="75000"/>
+                  <a:lumOff val="25000"/>
+                </a:schemeClr>
+              </a:solidFill>
+            </a:endParaRPr>
           </a:p>
         </p:txBody>
       </p:sp>
+      <p:graphicFrame>
+        <p:nvGraphicFramePr>
+          <p:cNvPr id="23" name="Inhaltsplatzhalter 22">
+            <a:extLst>
+              <a:ext uri="{FF2B5EF4-FFF2-40B4-BE49-F238E27FC236}">
+                <a16:creationId xmlns:a16="http://schemas.microsoft.com/office/drawing/2014/main" id="{79A55E55-9DE0-4973-BEEB-A4A45A352A6E}"/>
+              </a:ext>
+            </a:extLst>
+          </p:cNvPr>
+          <p:cNvGraphicFramePr>
+            <a:graphicFrameLocks noGrp="1"/>
+          </p:cNvGraphicFramePr>
+          <p:nvPr>
+            <p:ph idx="1"/>
+            <p:extLst>
+              <p:ext uri="{D42A27DB-BD31-4B8C-83A1-F6EECF244321}">
+                <p14:modId xmlns:p14="http://schemas.microsoft.com/office/powerpoint/2010/main" val="327900812"/>
+              </p:ext>
+            </p:extLst>
+          </p:nvPr>
+        </p:nvGraphicFramePr>
+        <p:xfrm>
+          <a:off x="714917" y="1037967"/>
+          <a:ext cx="6554604" cy="4839928"/>
+        </p:xfrm>
+        <a:graphic>
+          <a:graphicData uri="http://schemas.openxmlformats.org/drawingml/2006/table">
+            <a:tbl>
+              <a:tblPr/>
+              <a:tblGrid>
+                <a:gridCol w="1274347">
+                  <a:extLst>
+                    <a:ext uri="{9D8B030D-6E8A-4147-A177-3AD203B41FA5}">
+                      <a16:colId xmlns:a16="http://schemas.microsoft.com/office/drawing/2014/main" val="3922751474"/>
+                    </a:ext>
+                  </a:extLst>
+                </a:gridCol>
+                <a:gridCol w="3559213">
+                  <a:extLst>
+                    <a:ext uri="{9D8B030D-6E8A-4147-A177-3AD203B41FA5}">
+                      <a16:colId xmlns:a16="http://schemas.microsoft.com/office/drawing/2014/main" val="1984752970"/>
+                    </a:ext>
+                  </a:extLst>
+                </a:gridCol>
+                <a:gridCol w="1721044">
+                  <a:extLst>
+                    <a:ext uri="{9D8B030D-6E8A-4147-A177-3AD203B41FA5}">
+                      <a16:colId xmlns:a16="http://schemas.microsoft.com/office/drawing/2014/main" val="2000063039"/>
+                    </a:ext>
+                  </a:extLst>
+                </a:gridCol>
+              </a:tblGrid>
+              <a:tr h="381588">
+                <a:tc gridSpan="3">
+                  <a:txBody>
+                    <a:bodyPr/>
+                    <a:lstStyle/>
+                    <a:p>
+                      <a:pPr algn="ctr" fontAlgn="b">
+                        <a:spcBef>
+                          <a:spcPts val="0"/>
+                        </a:spcBef>
+                        <a:spcAft>
+                          <a:spcPts val="0"/>
+                        </a:spcAft>
+                      </a:pPr>
+                      <a:r>
+                        <a:rPr lang="de-AT" sz="1700" b="1" i="0" u="none" strike="noStrike">
+                          <a:solidFill>
+                            <a:srgbClr val="000000"/>
+                          </a:solidFill>
+                          <a:effectLst/>
+                          <a:latin typeface="Calibri" panose="020F0502020204030204" pitchFamily="34" charset="0"/>
+                        </a:rPr>
+                        <a:t>UserStories</a:t>
+                      </a:r>
+                      <a:endParaRPr lang="de-AT" sz="1700" b="0" i="0" u="none" strike="noStrike">
+                        <a:effectLst/>
+                        <a:latin typeface="Arial" panose="020B0604020202020204" pitchFamily="34" charset="0"/>
+                      </a:endParaRPr>
+                    </a:p>
+                  </a:txBody>
+                  <a:tcPr marL="86724" marR="86724" marT="43362" marB="43362">
+                    <a:lnL>
+                      <a:noFill/>
+                    </a:lnL>
+                    <a:lnR>
+                      <a:noFill/>
+                    </a:lnR>
+                    <a:lnT>
+                      <a:noFill/>
+                    </a:lnT>
+                    <a:lnB>
+                      <a:noFill/>
+                    </a:lnB>
+                  </a:tcPr>
+                </a:tc>
+                <a:tc hMerge="1">
+                  <a:txBody>
+                    <a:bodyPr/>
+                    <a:lstStyle/>
+                    <a:p>
+                      <a:endParaRPr lang="de-AT"/>
+                    </a:p>
+                  </a:txBody>
+                  <a:tcPr/>
+                </a:tc>
+                <a:tc hMerge="1">
+                  <a:txBody>
+                    <a:bodyPr/>
+                    <a:lstStyle/>
+                    <a:p>
+                      <a:endParaRPr lang="de-AT"/>
+                    </a:p>
+                  </a:txBody>
+                  <a:tcPr/>
+                </a:tc>
+                <a:extLst>
+                  <a:ext uri="{0D108BD9-81ED-4DB2-BD59-A6C34878D82A}">
+                    <a16:rowId xmlns:a16="http://schemas.microsoft.com/office/drawing/2014/main" val="3750697066"/>
+                  </a:ext>
+                </a:extLst>
+              </a:tr>
+              <a:tr h="280409">
+                <a:tc gridSpan="2">
+                  <a:txBody>
+                    <a:bodyPr/>
+                    <a:lstStyle/>
+                    <a:p>
+                      <a:pPr algn="l" fontAlgn="b">
+                        <a:spcBef>
+                          <a:spcPts val="0"/>
+                        </a:spcBef>
+                        <a:spcAft>
+                          <a:spcPts val="0"/>
+                        </a:spcAft>
+                      </a:pPr>
+                      <a:r>
+                        <a:rPr lang="de-AT" sz="1000" b="0" i="0" u="none" strike="noStrike">
+                          <a:solidFill>
+                            <a:srgbClr val="000000"/>
+                          </a:solidFill>
+                          <a:effectLst/>
+                          <a:latin typeface="Calibri" panose="020F0502020204030204" pitchFamily="34" charset="0"/>
+                        </a:rPr>
+                        <a:t>Locations anzeigen (Anbieter)</a:t>
+                      </a:r>
+                      <a:endParaRPr lang="de-AT" sz="1700" b="0" i="0" u="none" strike="noStrike">
+                        <a:effectLst/>
+                        <a:latin typeface="Arial" panose="020B0604020202020204" pitchFamily="34" charset="0"/>
+                      </a:endParaRPr>
+                    </a:p>
+                  </a:txBody>
+                  <a:tcPr marL="86724" marR="86724" marT="43362" marB="43362">
+                    <a:lnL>
+                      <a:noFill/>
+                    </a:lnL>
+                    <a:lnR>
+                      <a:noFill/>
+                    </a:lnR>
+                    <a:lnT>
+                      <a:noFill/>
+                    </a:lnT>
+                    <a:lnB>
+                      <a:noFill/>
+                    </a:lnB>
+                    <a:solidFill>
+                      <a:srgbClr val="A6E3B7"/>
+                    </a:solidFill>
+                  </a:tcPr>
+                </a:tc>
+                <a:tc hMerge="1">
+                  <a:txBody>
+                    <a:bodyPr/>
+                    <a:lstStyle/>
+                    <a:p>
+                      <a:endParaRPr lang="de-AT"/>
+                    </a:p>
+                  </a:txBody>
+                  <a:tcPr/>
+                </a:tc>
+                <a:tc>
+                  <a:txBody>
+                    <a:bodyPr/>
+                    <a:lstStyle/>
+                    <a:p>
+                      <a:pPr algn="ctr" fontAlgn="b">
+                        <a:spcBef>
+                          <a:spcPts val="0"/>
+                        </a:spcBef>
+                        <a:spcAft>
+                          <a:spcPts val="0"/>
+                        </a:spcAft>
+                      </a:pPr>
+                      <a:r>
+                        <a:rPr lang="de-AT" sz="1000" b="0" i="0" u="none" strike="noStrike">
+                          <a:solidFill>
+                            <a:srgbClr val="000000"/>
+                          </a:solidFill>
+                          <a:effectLst/>
+                          <a:latin typeface="Calibri" panose="020F0502020204030204" pitchFamily="34" charset="0"/>
+                        </a:rPr>
+                        <a:t>Kleinegger</a:t>
+                      </a:r>
+                      <a:endParaRPr lang="de-AT" sz="1700" b="0" i="0" u="none" strike="noStrike">
+                        <a:effectLst/>
+                        <a:latin typeface="Arial" panose="020B0604020202020204" pitchFamily="34" charset="0"/>
+                      </a:endParaRPr>
+                    </a:p>
+                  </a:txBody>
+                  <a:tcPr marL="7227" marR="7227" marT="7227" marB="0" anchor="b">
+                    <a:lnL>
+                      <a:noFill/>
+                    </a:lnL>
+                    <a:lnR>
+                      <a:noFill/>
+                    </a:lnR>
+                    <a:lnT>
+                      <a:noFill/>
+                    </a:lnT>
+                    <a:lnB>
+                      <a:noFill/>
+                    </a:lnB>
+                  </a:tcPr>
+                </a:tc>
+                <a:extLst>
+                  <a:ext uri="{0D108BD9-81ED-4DB2-BD59-A6C34878D82A}">
+                    <a16:rowId xmlns:a16="http://schemas.microsoft.com/office/drawing/2014/main" val="3787701054"/>
+                  </a:ext>
+                </a:extLst>
+              </a:tr>
+              <a:tr h="280409">
+                <a:tc gridSpan="2">
+                  <a:txBody>
+                    <a:bodyPr/>
+                    <a:lstStyle/>
+                    <a:p>
+                      <a:pPr algn="l" fontAlgn="b">
+                        <a:spcBef>
+                          <a:spcPts val="0"/>
+                        </a:spcBef>
+                        <a:spcAft>
+                          <a:spcPts val="0"/>
+                        </a:spcAft>
+                      </a:pPr>
+                      <a:r>
+                        <a:rPr lang="de-AT" sz="1000" b="0" i="0" u="none" strike="noStrike">
+                          <a:solidFill>
+                            <a:srgbClr val="000000"/>
+                          </a:solidFill>
+                          <a:effectLst/>
+                          <a:latin typeface="Calibri" panose="020F0502020204030204" pitchFamily="34" charset="0"/>
+                        </a:rPr>
+                        <a:t>Locations anzeigen (Benutzer)</a:t>
+                      </a:r>
+                      <a:endParaRPr lang="de-AT" sz="1700" b="0" i="0" u="none" strike="noStrike">
+                        <a:effectLst/>
+                        <a:latin typeface="Arial" panose="020B0604020202020204" pitchFamily="34" charset="0"/>
+                      </a:endParaRPr>
+                    </a:p>
+                  </a:txBody>
+                  <a:tcPr marL="86724" marR="86724" marT="43362" marB="43362">
+                    <a:lnL>
+                      <a:noFill/>
+                    </a:lnL>
+                    <a:lnR>
+                      <a:noFill/>
+                    </a:lnR>
+                    <a:lnT>
+                      <a:noFill/>
+                    </a:lnT>
+                    <a:lnB>
+                      <a:noFill/>
+                    </a:lnB>
+                    <a:solidFill>
+                      <a:srgbClr val="A6E3B7"/>
+                    </a:solidFill>
+                  </a:tcPr>
+                </a:tc>
+                <a:tc hMerge="1">
+                  <a:txBody>
+                    <a:bodyPr/>
+                    <a:lstStyle/>
+                    <a:p>
+                      <a:endParaRPr lang="de-AT"/>
+                    </a:p>
+                  </a:txBody>
+                  <a:tcPr/>
+                </a:tc>
+                <a:tc>
+                  <a:txBody>
+                    <a:bodyPr/>
+                    <a:lstStyle/>
+                    <a:p>
+                      <a:pPr algn="ctr" fontAlgn="b">
+                        <a:spcBef>
+                          <a:spcPts val="0"/>
+                        </a:spcBef>
+                        <a:spcAft>
+                          <a:spcPts val="0"/>
+                        </a:spcAft>
+                      </a:pPr>
+                      <a:r>
+                        <a:rPr lang="de-AT" sz="1000" b="0" i="0" u="none" strike="noStrike">
+                          <a:solidFill>
+                            <a:srgbClr val="000000"/>
+                          </a:solidFill>
+                          <a:effectLst/>
+                          <a:latin typeface="Calibri" panose="020F0502020204030204" pitchFamily="34" charset="0"/>
+                        </a:rPr>
+                        <a:t>Kleinegger</a:t>
+                      </a:r>
+                      <a:endParaRPr lang="de-AT" sz="1700" b="0" i="0" u="none" strike="noStrike">
+                        <a:effectLst/>
+                        <a:latin typeface="Arial" panose="020B0604020202020204" pitchFamily="34" charset="0"/>
+                      </a:endParaRPr>
+                    </a:p>
+                  </a:txBody>
+                  <a:tcPr marL="7227" marR="7227" marT="7227" marB="0" anchor="b">
+                    <a:lnL>
+                      <a:noFill/>
+                    </a:lnL>
+                    <a:lnR>
+                      <a:noFill/>
+                    </a:lnR>
+                    <a:lnT>
+                      <a:noFill/>
+                    </a:lnT>
+                    <a:lnB>
+                      <a:noFill/>
+                    </a:lnB>
+                  </a:tcPr>
+                </a:tc>
+                <a:extLst>
+                  <a:ext uri="{0D108BD9-81ED-4DB2-BD59-A6C34878D82A}">
+                    <a16:rowId xmlns:a16="http://schemas.microsoft.com/office/drawing/2014/main" val="2636361959"/>
+                  </a:ext>
+                </a:extLst>
+              </a:tr>
+              <a:tr h="280409">
+                <a:tc gridSpan="2">
+                  <a:txBody>
+                    <a:bodyPr/>
+                    <a:lstStyle/>
+                    <a:p>
+                      <a:pPr algn="l" fontAlgn="b">
+                        <a:spcBef>
+                          <a:spcPts val="0"/>
+                        </a:spcBef>
+                        <a:spcAft>
+                          <a:spcPts val="0"/>
+                        </a:spcAft>
+                      </a:pPr>
+                      <a:r>
+                        <a:rPr lang="de-AT" sz="1000" b="0" i="0" u="none" strike="noStrike">
+                          <a:solidFill>
+                            <a:srgbClr val="000000"/>
+                          </a:solidFill>
+                          <a:effectLst/>
+                          <a:latin typeface="Calibri" panose="020F0502020204030204" pitchFamily="34" charset="0"/>
+                        </a:rPr>
+                        <a:t>Location-Detail anzeigen (Anbieter)</a:t>
+                      </a:r>
+                      <a:endParaRPr lang="de-AT" sz="1700" b="0" i="0" u="none" strike="noStrike">
+                        <a:effectLst/>
+                        <a:latin typeface="Arial" panose="020B0604020202020204" pitchFamily="34" charset="0"/>
+                      </a:endParaRPr>
+                    </a:p>
+                  </a:txBody>
+                  <a:tcPr marL="86724" marR="86724" marT="43362" marB="43362">
+                    <a:lnL>
+                      <a:noFill/>
+                    </a:lnL>
+                    <a:lnR>
+                      <a:noFill/>
+                    </a:lnR>
+                    <a:lnT>
+                      <a:noFill/>
+                    </a:lnT>
+                    <a:lnB>
+                      <a:noFill/>
+                    </a:lnB>
+                    <a:solidFill>
+                      <a:srgbClr val="A6E3B7"/>
+                    </a:solidFill>
+                  </a:tcPr>
+                </a:tc>
+                <a:tc hMerge="1">
+                  <a:txBody>
+                    <a:bodyPr/>
+                    <a:lstStyle/>
+                    <a:p>
+                      <a:endParaRPr lang="de-AT"/>
+                    </a:p>
+                  </a:txBody>
+                  <a:tcPr/>
+                </a:tc>
+                <a:tc>
+                  <a:txBody>
+                    <a:bodyPr/>
+                    <a:lstStyle/>
+                    <a:p>
+                      <a:pPr algn="ctr" fontAlgn="b">
+                        <a:spcBef>
+                          <a:spcPts val="0"/>
+                        </a:spcBef>
+                        <a:spcAft>
+                          <a:spcPts val="0"/>
+                        </a:spcAft>
+                      </a:pPr>
+                      <a:r>
+                        <a:rPr lang="de-AT" sz="1000" b="0" i="0" u="none" strike="noStrike">
+                          <a:solidFill>
+                            <a:srgbClr val="000000"/>
+                          </a:solidFill>
+                          <a:effectLst/>
+                          <a:latin typeface="Calibri" panose="020F0502020204030204" pitchFamily="34" charset="0"/>
+                        </a:rPr>
+                        <a:t>Kleinegger</a:t>
+                      </a:r>
+                      <a:endParaRPr lang="de-AT" sz="1700" b="0" i="0" u="none" strike="noStrike">
+                        <a:effectLst/>
+                        <a:latin typeface="Arial" panose="020B0604020202020204" pitchFamily="34" charset="0"/>
+                      </a:endParaRPr>
+                    </a:p>
+                  </a:txBody>
+                  <a:tcPr marL="7227" marR="7227" marT="7227" marB="0" anchor="b">
+                    <a:lnL>
+                      <a:noFill/>
+                    </a:lnL>
+                    <a:lnR>
+                      <a:noFill/>
+                    </a:lnR>
+                    <a:lnT>
+                      <a:noFill/>
+                    </a:lnT>
+                    <a:lnB>
+                      <a:noFill/>
+                    </a:lnB>
+                  </a:tcPr>
+                </a:tc>
+                <a:extLst>
+                  <a:ext uri="{0D108BD9-81ED-4DB2-BD59-A6C34878D82A}">
+                    <a16:rowId xmlns:a16="http://schemas.microsoft.com/office/drawing/2014/main" val="3744124053"/>
+                  </a:ext>
+                </a:extLst>
+              </a:tr>
+              <a:tr h="280409">
+                <a:tc gridSpan="2">
+                  <a:txBody>
+                    <a:bodyPr/>
+                    <a:lstStyle/>
+                    <a:p>
+                      <a:pPr algn="l" fontAlgn="b">
+                        <a:spcBef>
+                          <a:spcPts val="0"/>
+                        </a:spcBef>
+                        <a:spcAft>
+                          <a:spcPts val="0"/>
+                        </a:spcAft>
+                      </a:pPr>
+                      <a:r>
+                        <a:rPr lang="de-AT" sz="1000" b="0" i="0" u="none" strike="noStrike">
+                          <a:solidFill>
+                            <a:srgbClr val="000000"/>
+                          </a:solidFill>
+                          <a:effectLst/>
+                          <a:latin typeface="Calibri" panose="020F0502020204030204" pitchFamily="34" charset="0"/>
+                        </a:rPr>
+                        <a:t>Location-Detail anzeigen (Benutzer)</a:t>
+                      </a:r>
+                      <a:endParaRPr lang="de-AT" sz="1700" b="0" i="0" u="none" strike="noStrike">
+                        <a:effectLst/>
+                        <a:latin typeface="Arial" panose="020B0604020202020204" pitchFamily="34" charset="0"/>
+                      </a:endParaRPr>
+                    </a:p>
+                  </a:txBody>
+                  <a:tcPr marL="86724" marR="86724" marT="43362" marB="43362">
+                    <a:lnL>
+                      <a:noFill/>
+                    </a:lnL>
+                    <a:lnR>
+                      <a:noFill/>
+                    </a:lnR>
+                    <a:lnT>
+                      <a:noFill/>
+                    </a:lnT>
+                    <a:lnB>
+                      <a:noFill/>
+                    </a:lnB>
+                    <a:solidFill>
+                      <a:srgbClr val="A6E3B7"/>
+                    </a:solidFill>
+                  </a:tcPr>
+                </a:tc>
+                <a:tc hMerge="1">
+                  <a:txBody>
+                    <a:bodyPr/>
+                    <a:lstStyle/>
+                    <a:p>
+                      <a:endParaRPr lang="de-AT"/>
+                    </a:p>
+                  </a:txBody>
+                  <a:tcPr/>
+                </a:tc>
+                <a:tc>
+                  <a:txBody>
+                    <a:bodyPr/>
+                    <a:lstStyle/>
+                    <a:p>
+                      <a:pPr algn="ctr" fontAlgn="b">
+                        <a:spcBef>
+                          <a:spcPts val="0"/>
+                        </a:spcBef>
+                        <a:spcAft>
+                          <a:spcPts val="0"/>
+                        </a:spcAft>
+                      </a:pPr>
+                      <a:r>
+                        <a:rPr lang="de-AT" sz="1000" b="0" i="0" u="none" strike="noStrike">
+                          <a:solidFill>
+                            <a:srgbClr val="000000"/>
+                          </a:solidFill>
+                          <a:effectLst/>
+                          <a:latin typeface="Calibri" panose="020F0502020204030204" pitchFamily="34" charset="0"/>
+                        </a:rPr>
+                        <a:t>Kleinegger</a:t>
+                      </a:r>
+                      <a:endParaRPr lang="de-AT" sz="1700" b="0" i="0" u="none" strike="noStrike">
+                        <a:effectLst/>
+                        <a:latin typeface="Arial" panose="020B0604020202020204" pitchFamily="34" charset="0"/>
+                      </a:endParaRPr>
+                    </a:p>
+                  </a:txBody>
+                  <a:tcPr marL="7227" marR="7227" marT="7227" marB="0" anchor="b">
+                    <a:lnL>
+                      <a:noFill/>
+                    </a:lnL>
+                    <a:lnR>
+                      <a:noFill/>
+                    </a:lnR>
+                    <a:lnT>
+                      <a:noFill/>
+                    </a:lnT>
+                    <a:lnB>
+                      <a:noFill/>
+                    </a:lnB>
+                  </a:tcPr>
+                </a:tc>
+                <a:extLst>
+                  <a:ext uri="{0D108BD9-81ED-4DB2-BD59-A6C34878D82A}">
+                    <a16:rowId xmlns:a16="http://schemas.microsoft.com/office/drawing/2014/main" val="368707390"/>
+                  </a:ext>
+                </a:extLst>
+              </a:tr>
+              <a:tr h="280409">
+                <a:tc gridSpan="2">
+                  <a:txBody>
+                    <a:bodyPr/>
+                    <a:lstStyle/>
+                    <a:p>
+                      <a:pPr algn="l" fontAlgn="b">
+                        <a:spcBef>
+                          <a:spcPts val="0"/>
+                        </a:spcBef>
+                        <a:spcAft>
+                          <a:spcPts val="0"/>
+                        </a:spcAft>
+                      </a:pPr>
+                      <a:r>
+                        <a:rPr lang="de-AT" sz="1000" b="0" i="0" u="none" strike="noStrike">
+                          <a:solidFill>
+                            <a:srgbClr val="000000"/>
+                          </a:solidFill>
+                          <a:effectLst/>
+                          <a:latin typeface="Calibri" panose="020F0502020204030204" pitchFamily="34" charset="0"/>
+                        </a:rPr>
+                        <a:t>Location erstellen</a:t>
+                      </a:r>
+                      <a:endParaRPr lang="de-AT" sz="1700" b="0" i="0" u="none" strike="noStrike">
+                        <a:effectLst/>
+                        <a:latin typeface="Arial" panose="020B0604020202020204" pitchFamily="34" charset="0"/>
+                      </a:endParaRPr>
+                    </a:p>
+                  </a:txBody>
+                  <a:tcPr marL="86724" marR="86724" marT="43362" marB="43362">
+                    <a:lnL>
+                      <a:noFill/>
+                    </a:lnL>
+                    <a:lnR>
+                      <a:noFill/>
+                    </a:lnR>
+                    <a:lnT>
+                      <a:noFill/>
+                    </a:lnT>
+                    <a:lnB>
+                      <a:noFill/>
+                    </a:lnB>
+                    <a:solidFill>
+                      <a:srgbClr val="A6E3B7"/>
+                    </a:solidFill>
+                  </a:tcPr>
+                </a:tc>
+                <a:tc hMerge="1">
+                  <a:txBody>
+                    <a:bodyPr/>
+                    <a:lstStyle/>
+                    <a:p>
+                      <a:endParaRPr lang="de-AT"/>
+                    </a:p>
+                  </a:txBody>
+                  <a:tcPr/>
+                </a:tc>
+                <a:tc>
+                  <a:txBody>
+                    <a:bodyPr/>
+                    <a:lstStyle/>
+                    <a:p>
+                      <a:pPr algn="ctr" fontAlgn="b">
+                        <a:spcBef>
+                          <a:spcPts val="0"/>
+                        </a:spcBef>
+                        <a:spcAft>
+                          <a:spcPts val="0"/>
+                        </a:spcAft>
+                      </a:pPr>
+                      <a:r>
+                        <a:rPr lang="de-AT" sz="1000" b="0" i="0" u="none" strike="noStrike">
+                          <a:solidFill>
+                            <a:srgbClr val="000000"/>
+                          </a:solidFill>
+                          <a:effectLst/>
+                          <a:latin typeface="Calibri" panose="020F0502020204030204" pitchFamily="34" charset="0"/>
+                        </a:rPr>
+                        <a:t>Kleinegger</a:t>
+                      </a:r>
+                      <a:endParaRPr lang="de-AT" sz="1700" b="0" i="0" u="none" strike="noStrike">
+                        <a:effectLst/>
+                        <a:latin typeface="Arial" panose="020B0604020202020204" pitchFamily="34" charset="0"/>
+                      </a:endParaRPr>
+                    </a:p>
+                  </a:txBody>
+                  <a:tcPr marL="7227" marR="7227" marT="7227" marB="0" anchor="b">
+                    <a:lnL>
+                      <a:noFill/>
+                    </a:lnL>
+                    <a:lnR>
+                      <a:noFill/>
+                    </a:lnR>
+                    <a:lnT>
+                      <a:noFill/>
+                    </a:lnT>
+                    <a:lnB>
+                      <a:noFill/>
+                    </a:lnB>
+                  </a:tcPr>
+                </a:tc>
+                <a:extLst>
+                  <a:ext uri="{0D108BD9-81ED-4DB2-BD59-A6C34878D82A}">
+                    <a16:rowId xmlns:a16="http://schemas.microsoft.com/office/drawing/2014/main" val="3870950166"/>
+                  </a:ext>
+                </a:extLst>
+              </a:tr>
+              <a:tr h="280409">
+                <a:tc gridSpan="2">
+                  <a:txBody>
+                    <a:bodyPr/>
+                    <a:lstStyle/>
+                    <a:p>
+                      <a:pPr algn="l" fontAlgn="b">
+                        <a:spcBef>
+                          <a:spcPts val="0"/>
+                        </a:spcBef>
+                        <a:spcAft>
+                          <a:spcPts val="0"/>
+                        </a:spcAft>
+                      </a:pPr>
+                      <a:r>
+                        <a:rPr lang="de-AT" sz="1000" b="0" i="0" u="none" strike="noStrike">
+                          <a:solidFill>
+                            <a:srgbClr val="000000"/>
+                          </a:solidFill>
+                          <a:effectLst/>
+                          <a:latin typeface="Calibri" panose="020F0502020204030204" pitchFamily="34" charset="0"/>
+                        </a:rPr>
+                        <a:t>Location bearbeiten</a:t>
+                      </a:r>
+                      <a:endParaRPr lang="de-AT" sz="1700" b="0" i="0" u="none" strike="noStrike">
+                        <a:effectLst/>
+                        <a:latin typeface="Arial" panose="020B0604020202020204" pitchFamily="34" charset="0"/>
+                      </a:endParaRPr>
+                    </a:p>
+                  </a:txBody>
+                  <a:tcPr marL="86724" marR="86724" marT="43362" marB="43362">
+                    <a:lnL>
+                      <a:noFill/>
+                    </a:lnL>
+                    <a:lnR>
+                      <a:noFill/>
+                    </a:lnR>
+                    <a:lnT>
+                      <a:noFill/>
+                    </a:lnT>
+                    <a:lnB>
+                      <a:noFill/>
+                    </a:lnB>
+                    <a:solidFill>
+                      <a:srgbClr val="A6E3B7"/>
+                    </a:solidFill>
+                  </a:tcPr>
+                </a:tc>
+                <a:tc hMerge="1">
+                  <a:txBody>
+                    <a:bodyPr/>
+                    <a:lstStyle/>
+                    <a:p>
+                      <a:endParaRPr lang="de-AT"/>
+                    </a:p>
+                  </a:txBody>
+                  <a:tcPr/>
+                </a:tc>
+                <a:tc>
+                  <a:txBody>
+                    <a:bodyPr/>
+                    <a:lstStyle/>
+                    <a:p>
+                      <a:pPr algn="ctr" fontAlgn="b">
+                        <a:spcBef>
+                          <a:spcPts val="0"/>
+                        </a:spcBef>
+                        <a:spcAft>
+                          <a:spcPts val="0"/>
+                        </a:spcAft>
+                      </a:pPr>
+                      <a:r>
+                        <a:rPr lang="de-AT" sz="1000" b="0" i="0" u="none" strike="noStrike">
+                          <a:solidFill>
+                            <a:srgbClr val="000000"/>
+                          </a:solidFill>
+                          <a:effectLst/>
+                          <a:latin typeface="Calibri" panose="020F0502020204030204" pitchFamily="34" charset="0"/>
+                        </a:rPr>
+                        <a:t>Kleinegger</a:t>
+                      </a:r>
+                      <a:endParaRPr lang="de-AT" sz="1700" b="0" i="0" u="none" strike="noStrike">
+                        <a:effectLst/>
+                        <a:latin typeface="Arial" panose="020B0604020202020204" pitchFamily="34" charset="0"/>
+                      </a:endParaRPr>
+                    </a:p>
+                  </a:txBody>
+                  <a:tcPr marL="7227" marR="7227" marT="7227" marB="0" anchor="b">
+                    <a:lnL>
+                      <a:noFill/>
+                    </a:lnL>
+                    <a:lnR>
+                      <a:noFill/>
+                    </a:lnR>
+                    <a:lnT>
+                      <a:noFill/>
+                    </a:lnT>
+                    <a:lnB>
+                      <a:noFill/>
+                    </a:lnB>
+                  </a:tcPr>
+                </a:tc>
+                <a:extLst>
+                  <a:ext uri="{0D108BD9-81ED-4DB2-BD59-A6C34878D82A}">
+                    <a16:rowId xmlns:a16="http://schemas.microsoft.com/office/drawing/2014/main" val="3346539019"/>
+                  </a:ext>
+                </a:extLst>
+              </a:tr>
+              <a:tr h="280409">
+                <a:tc gridSpan="2">
+                  <a:txBody>
+                    <a:bodyPr/>
+                    <a:lstStyle/>
+                    <a:p>
+                      <a:pPr algn="l" fontAlgn="b">
+                        <a:spcBef>
+                          <a:spcPts val="0"/>
+                        </a:spcBef>
+                        <a:spcAft>
+                          <a:spcPts val="0"/>
+                        </a:spcAft>
+                      </a:pPr>
+                      <a:r>
+                        <a:rPr lang="de-AT" sz="1000" b="0" i="0" u="none" strike="noStrike">
+                          <a:solidFill>
+                            <a:srgbClr val="000000"/>
+                          </a:solidFill>
+                          <a:effectLst/>
+                          <a:latin typeface="Calibri" panose="020F0502020204030204" pitchFamily="34" charset="0"/>
+                        </a:rPr>
+                        <a:t>Location löschen</a:t>
+                      </a:r>
+                      <a:endParaRPr lang="de-AT" sz="1700" b="0" i="0" u="none" strike="noStrike">
+                        <a:effectLst/>
+                        <a:latin typeface="Arial" panose="020B0604020202020204" pitchFamily="34" charset="0"/>
+                      </a:endParaRPr>
+                    </a:p>
+                  </a:txBody>
+                  <a:tcPr marL="86724" marR="86724" marT="43362" marB="43362">
+                    <a:lnL>
+                      <a:noFill/>
+                    </a:lnL>
+                    <a:lnR>
+                      <a:noFill/>
+                    </a:lnR>
+                    <a:lnT>
+                      <a:noFill/>
+                    </a:lnT>
+                    <a:lnB>
+                      <a:noFill/>
+                    </a:lnB>
+                    <a:solidFill>
+                      <a:srgbClr val="A6E3B7"/>
+                    </a:solidFill>
+                  </a:tcPr>
+                </a:tc>
+                <a:tc hMerge="1">
+                  <a:txBody>
+                    <a:bodyPr/>
+                    <a:lstStyle/>
+                    <a:p>
+                      <a:endParaRPr lang="de-AT"/>
+                    </a:p>
+                  </a:txBody>
+                  <a:tcPr/>
+                </a:tc>
+                <a:tc>
+                  <a:txBody>
+                    <a:bodyPr/>
+                    <a:lstStyle/>
+                    <a:p>
+                      <a:pPr algn="ctr" fontAlgn="b">
+                        <a:spcBef>
+                          <a:spcPts val="0"/>
+                        </a:spcBef>
+                        <a:spcAft>
+                          <a:spcPts val="0"/>
+                        </a:spcAft>
+                      </a:pPr>
+                      <a:r>
+                        <a:rPr lang="de-AT" sz="1000" b="0" i="0" u="none" strike="noStrike">
+                          <a:solidFill>
+                            <a:srgbClr val="000000"/>
+                          </a:solidFill>
+                          <a:effectLst/>
+                          <a:latin typeface="Calibri" panose="020F0502020204030204" pitchFamily="34" charset="0"/>
+                        </a:rPr>
+                        <a:t>Kleinegger</a:t>
+                      </a:r>
+                      <a:endParaRPr lang="de-AT" sz="1700" b="0" i="0" u="none" strike="noStrike">
+                        <a:effectLst/>
+                        <a:latin typeface="Arial" panose="020B0604020202020204" pitchFamily="34" charset="0"/>
+                      </a:endParaRPr>
+                    </a:p>
+                  </a:txBody>
+                  <a:tcPr marL="7227" marR="7227" marT="7227" marB="0" anchor="b">
+                    <a:lnL>
+                      <a:noFill/>
+                    </a:lnL>
+                    <a:lnR>
+                      <a:noFill/>
+                    </a:lnR>
+                    <a:lnT>
+                      <a:noFill/>
+                    </a:lnT>
+                    <a:lnB>
+                      <a:noFill/>
+                    </a:lnB>
+                  </a:tcPr>
+                </a:tc>
+                <a:extLst>
+                  <a:ext uri="{0D108BD9-81ED-4DB2-BD59-A6C34878D82A}">
+                    <a16:rowId xmlns:a16="http://schemas.microsoft.com/office/drawing/2014/main" val="1318915471"/>
+                  </a:ext>
+                </a:extLst>
+              </a:tr>
+              <a:tr h="280409">
+                <a:tc gridSpan="2">
+                  <a:txBody>
+                    <a:bodyPr/>
+                    <a:lstStyle/>
+                    <a:p>
+                      <a:pPr algn="l" fontAlgn="b">
+                        <a:spcBef>
+                          <a:spcPts val="0"/>
+                        </a:spcBef>
+                        <a:spcAft>
+                          <a:spcPts val="0"/>
+                        </a:spcAft>
+                      </a:pPr>
+                      <a:r>
+                        <a:rPr lang="de-AT" sz="1000" b="0" i="0" u="none" strike="noStrike">
+                          <a:solidFill>
+                            <a:srgbClr val="000000"/>
+                          </a:solidFill>
+                          <a:effectLst/>
+                          <a:latin typeface="Calibri" panose="020F0502020204030204" pitchFamily="34" charset="0"/>
+                        </a:rPr>
+                        <a:t>Prämien erstellen</a:t>
+                      </a:r>
+                      <a:endParaRPr lang="de-AT" sz="1700" b="0" i="0" u="none" strike="noStrike">
+                        <a:effectLst/>
+                        <a:latin typeface="Arial" panose="020B0604020202020204" pitchFamily="34" charset="0"/>
+                      </a:endParaRPr>
+                    </a:p>
+                  </a:txBody>
+                  <a:tcPr marL="86724" marR="86724" marT="43362" marB="43362">
+                    <a:lnL>
+                      <a:noFill/>
+                    </a:lnL>
+                    <a:lnR>
+                      <a:noFill/>
+                    </a:lnR>
+                    <a:lnT>
+                      <a:noFill/>
+                    </a:lnT>
+                    <a:lnB>
+                      <a:noFill/>
+                    </a:lnB>
+                    <a:solidFill>
+                      <a:srgbClr val="A6E3B7"/>
+                    </a:solidFill>
+                  </a:tcPr>
+                </a:tc>
+                <a:tc hMerge="1">
+                  <a:txBody>
+                    <a:bodyPr/>
+                    <a:lstStyle/>
+                    <a:p>
+                      <a:endParaRPr lang="de-AT"/>
+                    </a:p>
+                  </a:txBody>
+                  <a:tcPr/>
+                </a:tc>
+                <a:tc>
+                  <a:txBody>
+                    <a:bodyPr/>
+                    <a:lstStyle/>
+                    <a:p>
+                      <a:pPr algn="ctr" fontAlgn="b">
+                        <a:spcBef>
+                          <a:spcPts val="0"/>
+                        </a:spcBef>
+                        <a:spcAft>
+                          <a:spcPts val="0"/>
+                        </a:spcAft>
+                      </a:pPr>
+                      <a:r>
+                        <a:rPr lang="de-AT" sz="1000" b="0" i="0" u="none" strike="noStrike">
+                          <a:solidFill>
+                            <a:srgbClr val="000000"/>
+                          </a:solidFill>
+                          <a:effectLst/>
+                          <a:latin typeface="Calibri" panose="020F0502020204030204" pitchFamily="34" charset="0"/>
+                        </a:rPr>
+                        <a:t>Gilgenreiner</a:t>
+                      </a:r>
+                      <a:endParaRPr lang="de-AT" sz="1700" b="0" i="0" u="none" strike="noStrike">
+                        <a:effectLst/>
+                        <a:latin typeface="Arial" panose="020B0604020202020204" pitchFamily="34" charset="0"/>
+                      </a:endParaRPr>
+                    </a:p>
+                  </a:txBody>
+                  <a:tcPr marL="7227" marR="7227" marT="7227" marB="0" anchor="b">
+                    <a:lnL>
+                      <a:noFill/>
+                    </a:lnL>
+                    <a:lnR>
+                      <a:noFill/>
+                    </a:lnR>
+                    <a:lnT>
+                      <a:noFill/>
+                    </a:lnT>
+                    <a:lnB>
+                      <a:noFill/>
+                    </a:lnB>
+                  </a:tcPr>
+                </a:tc>
+                <a:extLst>
+                  <a:ext uri="{0D108BD9-81ED-4DB2-BD59-A6C34878D82A}">
+                    <a16:rowId xmlns:a16="http://schemas.microsoft.com/office/drawing/2014/main" val="3600754046"/>
+                  </a:ext>
+                </a:extLst>
+              </a:tr>
+              <a:tr h="280409">
+                <a:tc gridSpan="2">
+                  <a:txBody>
+                    <a:bodyPr/>
+                    <a:lstStyle/>
+                    <a:p>
+                      <a:pPr algn="l" fontAlgn="b">
+                        <a:spcBef>
+                          <a:spcPts val="0"/>
+                        </a:spcBef>
+                        <a:spcAft>
+                          <a:spcPts val="0"/>
+                        </a:spcAft>
+                      </a:pPr>
+                      <a:r>
+                        <a:rPr lang="de-AT" sz="1000" b="0" i="0" u="none" strike="noStrike">
+                          <a:solidFill>
+                            <a:srgbClr val="000000"/>
+                          </a:solidFill>
+                          <a:effectLst/>
+                          <a:latin typeface="Calibri" panose="020F0502020204030204" pitchFamily="34" charset="0"/>
+                        </a:rPr>
+                        <a:t>Prämien anzeigen (Anbieter)</a:t>
+                      </a:r>
+                      <a:endParaRPr lang="de-AT" sz="1700" b="0" i="0" u="none" strike="noStrike">
+                        <a:effectLst/>
+                        <a:latin typeface="Arial" panose="020B0604020202020204" pitchFamily="34" charset="0"/>
+                      </a:endParaRPr>
+                    </a:p>
+                  </a:txBody>
+                  <a:tcPr marL="86724" marR="86724" marT="43362" marB="43362">
+                    <a:lnL>
+                      <a:noFill/>
+                    </a:lnL>
+                    <a:lnR>
+                      <a:noFill/>
+                    </a:lnR>
+                    <a:lnT>
+                      <a:noFill/>
+                    </a:lnT>
+                    <a:lnB>
+                      <a:noFill/>
+                    </a:lnB>
+                    <a:solidFill>
+                      <a:srgbClr val="A6E3B7"/>
+                    </a:solidFill>
+                  </a:tcPr>
+                </a:tc>
+                <a:tc hMerge="1">
+                  <a:txBody>
+                    <a:bodyPr/>
+                    <a:lstStyle/>
+                    <a:p>
+                      <a:endParaRPr lang="de-AT"/>
+                    </a:p>
+                  </a:txBody>
+                  <a:tcPr/>
+                </a:tc>
+                <a:tc>
+                  <a:txBody>
+                    <a:bodyPr/>
+                    <a:lstStyle/>
+                    <a:p>
+                      <a:pPr algn="ctr" fontAlgn="b">
+                        <a:spcBef>
+                          <a:spcPts val="0"/>
+                        </a:spcBef>
+                        <a:spcAft>
+                          <a:spcPts val="0"/>
+                        </a:spcAft>
+                      </a:pPr>
+                      <a:r>
+                        <a:rPr lang="de-AT" sz="1000" b="0" i="0" u="none" strike="noStrike">
+                          <a:solidFill>
+                            <a:srgbClr val="000000"/>
+                          </a:solidFill>
+                          <a:effectLst/>
+                          <a:latin typeface="Calibri" panose="020F0502020204030204" pitchFamily="34" charset="0"/>
+                        </a:rPr>
+                        <a:t>Gilgenreiner</a:t>
+                      </a:r>
+                      <a:endParaRPr lang="de-AT" sz="1700" b="0" i="0" u="none" strike="noStrike">
+                        <a:effectLst/>
+                        <a:latin typeface="Arial" panose="020B0604020202020204" pitchFamily="34" charset="0"/>
+                      </a:endParaRPr>
+                    </a:p>
+                  </a:txBody>
+                  <a:tcPr marL="7227" marR="7227" marT="7227" marB="0" anchor="b">
+                    <a:lnL>
+                      <a:noFill/>
+                    </a:lnL>
+                    <a:lnR>
+                      <a:noFill/>
+                    </a:lnR>
+                    <a:lnT>
+                      <a:noFill/>
+                    </a:lnT>
+                    <a:lnB>
+                      <a:noFill/>
+                    </a:lnB>
+                  </a:tcPr>
+                </a:tc>
+                <a:extLst>
+                  <a:ext uri="{0D108BD9-81ED-4DB2-BD59-A6C34878D82A}">
+                    <a16:rowId xmlns:a16="http://schemas.microsoft.com/office/drawing/2014/main" val="1016369393"/>
+                  </a:ext>
+                </a:extLst>
+              </a:tr>
+              <a:tr h="280409">
+                <a:tc gridSpan="2">
+                  <a:txBody>
+                    <a:bodyPr/>
+                    <a:lstStyle/>
+                    <a:p>
+                      <a:pPr algn="l" fontAlgn="b">
+                        <a:spcBef>
+                          <a:spcPts val="0"/>
+                        </a:spcBef>
+                        <a:spcAft>
+                          <a:spcPts val="0"/>
+                        </a:spcAft>
+                      </a:pPr>
+                      <a:r>
+                        <a:rPr lang="de-AT" sz="1000" b="0" i="0" u="none" strike="noStrike">
+                          <a:solidFill>
+                            <a:srgbClr val="000000"/>
+                          </a:solidFill>
+                          <a:effectLst/>
+                          <a:latin typeface="Calibri" panose="020F0502020204030204" pitchFamily="34" charset="0"/>
+                        </a:rPr>
+                        <a:t>Prämien bearbeiten</a:t>
+                      </a:r>
+                      <a:endParaRPr lang="de-AT" sz="1700" b="0" i="0" u="none" strike="noStrike">
+                        <a:effectLst/>
+                        <a:latin typeface="Arial" panose="020B0604020202020204" pitchFamily="34" charset="0"/>
+                      </a:endParaRPr>
+                    </a:p>
+                  </a:txBody>
+                  <a:tcPr marL="86724" marR="86724" marT="43362" marB="43362">
+                    <a:lnL>
+                      <a:noFill/>
+                    </a:lnL>
+                    <a:lnR>
+                      <a:noFill/>
+                    </a:lnR>
+                    <a:lnT>
+                      <a:noFill/>
+                    </a:lnT>
+                    <a:lnB>
+                      <a:noFill/>
+                    </a:lnB>
+                    <a:solidFill>
+                      <a:srgbClr val="B3CEFB"/>
+                    </a:solidFill>
+                  </a:tcPr>
+                </a:tc>
+                <a:tc hMerge="1">
+                  <a:txBody>
+                    <a:bodyPr/>
+                    <a:lstStyle/>
+                    <a:p>
+                      <a:endParaRPr lang="de-AT"/>
+                    </a:p>
+                  </a:txBody>
+                  <a:tcPr/>
+                </a:tc>
+                <a:tc>
+                  <a:txBody>
+                    <a:bodyPr/>
+                    <a:lstStyle/>
+                    <a:p>
+                      <a:pPr algn="ctr" fontAlgn="b">
+                        <a:spcBef>
+                          <a:spcPts val="0"/>
+                        </a:spcBef>
+                        <a:spcAft>
+                          <a:spcPts val="0"/>
+                        </a:spcAft>
+                      </a:pPr>
+                      <a:r>
+                        <a:rPr lang="de-AT" sz="1000" b="0" i="0" u="none" strike="noStrike">
+                          <a:solidFill>
+                            <a:srgbClr val="000000"/>
+                          </a:solidFill>
+                          <a:effectLst/>
+                          <a:latin typeface="Calibri" panose="020F0502020204030204" pitchFamily="34" charset="0"/>
+                        </a:rPr>
+                        <a:t>Gilgenreiner</a:t>
+                      </a:r>
+                      <a:endParaRPr lang="de-AT" sz="1700" b="0" i="0" u="none" strike="noStrike">
+                        <a:effectLst/>
+                        <a:latin typeface="Arial" panose="020B0604020202020204" pitchFamily="34" charset="0"/>
+                      </a:endParaRPr>
+                    </a:p>
+                  </a:txBody>
+                  <a:tcPr marL="7227" marR="7227" marT="7227" marB="0" anchor="b">
+                    <a:lnL>
+                      <a:noFill/>
+                    </a:lnL>
+                    <a:lnR>
+                      <a:noFill/>
+                    </a:lnR>
+                    <a:lnT>
+                      <a:noFill/>
+                    </a:lnT>
+                    <a:lnB>
+                      <a:noFill/>
+                    </a:lnB>
+                  </a:tcPr>
+                </a:tc>
+                <a:extLst>
+                  <a:ext uri="{0D108BD9-81ED-4DB2-BD59-A6C34878D82A}">
+                    <a16:rowId xmlns:a16="http://schemas.microsoft.com/office/drawing/2014/main" val="4233704448"/>
+                  </a:ext>
+                </a:extLst>
+              </a:tr>
+              <a:tr h="280409">
+                <a:tc gridSpan="2">
+                  <a:txBody>
+                    <a:bodyPr/>
+                    <a:lstStyle/>
+                    <a:p>
+                      <a:pPr algn="l" fontAlgn="b">
+                        <a:spcBef>
+                          <a:spcPts val="0"/>
+                        </a:spcBef>
+                        <a:spcAft>
+                          <a:spcPts val="0"/>
+                        </a:spcAft>
+                      </a:pPr>
+                      <a:r>
+                        <a:rPr lang="de-AT" sz="1000" b="0" i="0" u="none" strike="noStrike">
+                          <a:solidFill>
+                            <a:srgbClr val="000000"/>
+                          </a:solidFill>
+                          <a:effectLst/>
+                          <a:latin typeface="Calibri" panose="020F0502020204030204" pitchFamily="34" charset="0"/>
+                        </a:rPr>
+                        <a:t>Prämien löschen</a:t>
+                      </a:r>
+                      <a:endParaRPr lang="de-AT" sz="1700" b="0" i="0" u="none" strike="noStrike">
+                        <a:effectLst/>
+                        <a:latin typeface="Arial" panose="020B0604020202020204" pitchFamily="34" charset="0"/>
+                      </a:endParaRPr>
+                    </a:p>
+                  </a:txBody>
+                  <a:tcPr marL="86724" marR="86724" marT="43362" marB="43362">
+                    <a:lnL>
+                      <a:noFill/>
+                    </a:lnL>
+                    <a:lnR>
+                      <a:noFill/>
+                    </a:lnR>
+                    <a:lnT>
+                      <a:noFill/>
+                    </a:lnT>
+                    <a:lnB>
+                      <a:noFill/>
+                    </a:lnB>
+                    <a:solidFill>
+                      <a:srgbClr val="B3CEFB"/>
+                    </a:solidFill>
+                  </a:tcPr>
+                </a:tc>
+                <a:tc hMerge="1">
+                  <a:txBody>
+                    <a:bodyPr/>
+                    <a:lstStyle/>
+                    <a:p>
+                      <a:endParaRPr lang="de-AT"/>
+                    </a:p>
+                  </a:txBody>
+                  <a:tcPr/>
+                </a:tc>
+                <a:tc>
+                  <a:txBody>
+                    <a:bodyPr/>
+                    <a:lstStyle/>
+                    <a:p>
+                      <a:pPr algn="ctr" fontAlgn="b">
+                        <a:spcBef>
+                          <a:spcPts val="0"/>
+                        </a:spcBef>
+                        <a:spcAft>
+                          <a:spcPts val="0"/>
+                        </a:spcAft>
+                      </a:pPr>
+                      <a:r>
+                        <a:rPr lang="de-AT" sz="1000" b="0" i="0" u="none" strike="noStrike">
+                          <a:solidFill>
+                            <a:srgbClr val="000000"/>
+                          </a:solidFill>
+                          <a:effectLst/>
+                          <a:latin typeface="Calibri" panose="020F0502020204030204" pitchFamily="34" charset="0"/>
+                        </a:rPr>
+                        <a:t>Gilgenreiner</a:t>
+                      </a:r>
+                      <a:endParaRPr lang="de-AT" sz="1700" b="0" i="0" u="none" strike="noStrike">
+                        <a:effectLst/>
+                        <a:latin typeface="Arial" panose="020B0604020202020204" pitchFamily="34" charset="0"/>
+                      </a:endParaRPr>
+                    </a:p>
+                  </a:txBody>
+                  <a:tcPr marL="7227" marR="7227" marT="7227" marB="0" anchor="b">
+                    <a:lnL>
+                      <a:noFill/>
+                    </a:lnL>
+                    <a:lnR>
+                      <a:noFill/>
+                    </a:lnR>
+                    <a:lnT>
+                      <a:noFill/>
+                    </a:lnT>
+                    <a:lnB>
+                      <a:noFill/>
+                    </a:lnB>
+                  </a:tcPr>
+                </a:tc>
+                <a:extLst>
+                  <a:ext uri="{0D108BD9-81ED-4DB2-BD59-A6C34878D82A}">
+                    <a16:rowId xmlns:a16="http://schemas.microsoft.com/office/drawing/2014/main" val="3359045241"/>
+                  </a:ext>
+                </a:extLst>
+              </a:tr>
+              <a:tr h="280409">
+                <a:tc gridSpan="2">
+                  <a:txBody>
+                    <a:bodyPr/>
+                    <a:lstStyle/>
+                    <a:p>
+                      <a:pPr algn="l" fontAlgn="b">
+                        <a:spcBef>
+                          <a:spcPts val="0"/>
+                        </a:spcBef>
+                        <a:spcAft>
+                          <a:spcPts val="0"/>
+                        </a:spcAft>
+                      </a:pPr>
+                      <a:r>
+                        <a:rPr lang="de-AT" sz="1000" b="0" i="0" u="none" strike="noStrike">
+                          <a:solidFill>
+                            <a:srgbClr val="000000"/>
+                          </a:solidFill>
+                          <a:effectLst/>
+                          <a:latin typeface="Calibri" panose="020F0502020204030204" pitchFamily="34" charset="0"/>
+                        </a:rPr>
+                        <a:t>Prämien aktivieren / löschen</a:t>
+                      </a:r>
+                      <a:endParaRPr lang="de-AT" sz="1700" b="0" i="0" u="none" strike="noStrike">
+                        <a:effectLst/>
+                        <a:latin typeface="Arial" panose="020B0604020202020204" pitchFamily="34" charset="0"/>
+                      </a:endParaRPr>
+                    </a:p>
+                  </a:txBody>
+                  <a:tcPr marL="86724" marR="86724" marT="43362" marB="43362">
+                    <a:lnL>
+                      <a:noFill/>
+                    </a:lnL>
+                    <a:lnR>
+                      <a:noFill/>
+                    </a:lnR>
+                    <a:lnT>
+                      <a:noFill/>
+                    </a:lnT>
+                    <a:lnB>
+                      <a:noFill/>
+                    </a:lnB>
+                    <a:solidFill>
+                      <a:srgbClr val="B3CEFB"/>
+                    </a:solidFill>
+                  </a:tcPr>
+                </a:tc>
+                <a:tc hMerge="1">
+                  <a:txBody>
+                    <a:bodyPr/>
+                    <a:lstStyle/>
+                    <a:p>
+                      <a:endParaRPr lang="de-AT"/>
+                    </a:p>
+                  </a:txBody>
+                  <a:tcPr/>
+                </a:tc>
+                <a:tc>
+                  <a:txBody>
+                    <a:bodyPr/>
+                    <a:lstStyle/>
+                    <a:p>
+                      <a:pPr algn="ctr" fontAlgn="b">
+                        <a:spcBef>
+                          <a:spcPts val="0"/>
+                        </a:spcBef>
+                        <a:spcAft>
+                          <a:spcPts val="0"/>
+                        </a:spcAft>
+                      </a:pPr>
+                      <a:r>
+                        <a:rPr lang="de-AT" sz="1000" b="0" i="0" u="none" strike="noStrike">
+                          <a:solidFill>
+                            <a:srgbClr val="000000"/>
+                          </a:solidFill>
+                          <a:effectLst/>
+                          <a:latin typeface="Calibri" panose="020F0502020204030204" pitchFamily="34" charset="0"/>
+                        </a:rPr>
+                        <a:t>Gilgenreiner</a:t>
+                      </a:r>
+                      <a:endParaRPr lang="de-AT" sz="1700" b="0" i="0" u="none" strike="noStrike">
+                        <a:effectLst/>
+                        <a:latin typeface="Arial" panose="020B0604020202020204" pitchFamily="34" charset="0"/>
+                      </a:endParaRPr>
+                    </a:p>
+                  </a:txBody>
+                  <a:tcPr marL="7227" marR="7227" marT="7227" marB="0" anchor="b">
+                    <a:lnL>
+                      <a:noFill/>
+                    </a:lnL>
+                    <a:lnR>
+                      <a:noFill/>
+                    </a:lnR>
+                    <a:lnT>
+                      <a:noFill/>
+                    </a:lnT>
+                    <a:lnB>
+                      <a:noFill/>
+                    </a:lnB>
+                  </a:tcPr>
+                </a:tc>
+                <a:extLst>
+                  <a:ext uri="{0D108BD9-81ED-4DB2-BD59-A6C34878D82A}">
+                    <a16:rowId xmlns:a16="http://schemas.microsoft.com/office/drawing/2014/main" val="3713775050"/>
+                  </a:ext>
+                </a:extLst>
+              </a:tr>
+              <a:tr h="280409">
+                <a:tc gridSpan="2">
+                  <a:txBody>
+                    <a:bodyPr/>
+                    <a:lstStyle/>
+                    <a:p>
+                      <a:pPr algn="l" fontAlgn="b">
+                        <a:spcBef>
+                          <a:spcPts val="0"/>
+                        </a:spcBef>
+                        <a:spcAft>
+                          <a:spcPts val="0"/>
+                        </a:spcAft>
+                      </a:pPr>
+                      <a:r>
+                        <a:rPr lang="de-AT" sz="1000" b="0" i="0" u="none" strike="noStrike">
+                          <a:solidFill>
+                            <a:srgbClr val="000000"/>
+                          </a:solidFill>
+                          <a:effectLst/>
+                          <a:latin typeface="Calibri" panose="020F0502020204030204" pitchFamily="34" charset="0"/>
+                        </a:rPr>
+                        <a:t>Prämien filtern (Anbieter)</a:t>
+                      </a:r>
+                      <a:endParaRPr lang="de-AT" sz="1700" b="0" i="0" u="none" strike="noStrike">
+                        <a:effectLst/>
+                        <a:latin typeface="Arial" panose="020B0604020202020204" pitchFamily="34" charset="0"/>
+                      </a:endParaRPr>
+                    </a:p>
+                  </a:txBody>
+                  <a:tcPr marL="86724" marR="86724" marT="43362" marB="43362">
+                    <a:lnL>
+                      <a:noFill/>
+                    </a:lnL>
+                    <a:lnR>
+                      <a:noFill/>
+                    </a:lnR>
+                    <a:lnT>
+                      <a:noFill/>
+                    </a:lnT>
+                    <a:lnB>
+                      <a:noFill/>
+                    </a:lnB>
+                    <a:solidFill>
+                      <a:srgbClr val="B3CEFB"/>
+                    </a:solidFill>
+                  </a:tcPr>
+                </a:tc>
+                <a:tc hMerge="1">
+                  <a:txBody>
+                    <a:bodyPr/>
+                    <a:lstStyle/>
+                    <a:p>
+                      <a:endParaRPr lang="de-AT"/>
+                    </a:p>
+                  </a:txBody>
+                  <a:tcPr/>
+                </a:tc>
+                <a:tc>
+                  <a:txBody>
+                    <a:bodyPr/>
+                    <a:lstStyle/>
+                    <a:p>
+                      <a:pPr algn="ctr" fontAlgn="b">
+                        <a:spcBef>
+                          <a:spcPts val="0"/>
+                        </a:spcBef>
+                        <a:spcAft>
+                          <a:spcPts val="0"/>
+                        </a:spcAft>
+                      </a:pPr>
+                      <a:r>
+                        <a:rPr lang="de-AT" sz="1000" b="0" i="0" u="none" strike="noStrike">
+                          <a:solidFill>
+                            <a:srgbClr val="000000"/>
+                          </a:solidFill>
+                          <a:effectLst/>
+                          <a:latin typeface="Calibri" panose="020F0502020204030204" pitchFamily="34" charset="0"/>
+                        </a:rPr>
+                        <a:t>Gilgenreiner</a:t>
+                      </a:r>
+                      <a:endParaRPr lang="de-AT" sz="1700" b="0" i="0" u="none" strike="noStrike">
+                        <a:effectLst/>
+                        <a:latin typeface="Arial" panose="020B0604020202020204" pitchFamily="34" charset="0"/>
+                      </a:endParaRPr>
+                    </a:p>
+                  </a:txBody>
+                  <a:tcPr marL="7227" marR="7227" marT="7227" marB="0" anchor="b">
+                    <a:lnL>
+                      <a:noFill/>
+                    </a:lnL>
+                    <a:lnR>
+                      <a:noFill/>
+                    </a:lnR>
+                    <a:lnT>
+                      <a:noFill/>
+                    </a:lnT>
+                    <a:lnB>
+                      <a:noFill/>
+                    </a:lnB>
+                  </a:tcPr>
+                </a:tc>
+                <a:extLst>
+                  <a:ext uri="{0D108BD9-81ED-4DB2-BD59-A6C34878D82A}">
+                    <a16:rowId xmlns:a16="http://schemas.microsoft.com/office/drawing/2014/main" val="1363416655"/>
+                  </a:ext>
+                </a:extLst>
+              </a:tr>
+              <a:tr h="280409">
+                <a:tc gridSpan="2">
+                  <a:txBody>
+                    <a:bodyPr/>
+                    <a:lstStyle/>
+                    <a:p>
+                      <a:pPr algn="l" fontAlgn="b">
+                        <a:spcBef>
+                          <a:spcPts val="0"/>
+                        </a:spcBef>
+                        <a:spcAft>
+                          <a:spcPts val="0"/>
+                        </a:spcAft>
+                      </a:pPr>
+                      <a:r>
+                        <a:rPr lang="de-AT" sz="1000" b="0" i="0" u="none" strike="noStrike">
+                          <a:solidFill>
+                            <a:srgbClr val="000000"/>
+                          </a:solidFill>
+                          <a:effectLst/>
+                          <a:latin typeface="Calibri" panose="020F0502020204030204" pitchFamily="34" charset="0"/>
+                        </a:rPr>
+                        <a:t>Webservices</a:t>
+                      </a:r>
+                      <a:endParaRPr lang="de-AT" sz="1700" b="0" i="0" u="none" strike="noStrike">
+                        <a:effectLst/>
+                        <a:latin typeface="Arial" panose="020B0604020202020204" pitchFamily="34" charset="0"/>
+                      </a:endParaRPr>
+                    </a:p>
+                  </a:txBody>
+                  <a:tcPr marL="86724" marR="86724" marT="43362" marB="43362">
+                    <a:lnL>
+                      <a:noFill/>
+                    </a:lnL>
+                    <a:lnR>
+                      <a:noFill/>
+                    </a:lnR>
+                    <a:lnT>
+                      <a:noFill/>
+                    </a:lnT>
+                    <a:lnB>
+                      <a:noFill/>
+                    </a:lnB>
+                    <a:solidFill>
+                      <a:srgbClr val="B3CEFB"/>
+                    </a:solidFill>
+                  </a:tcPr>
+                </a:tc>
+                <a:tc hMerge="1">
+                  <a:txBody>
+                    <a:bodyPr/>
+                    <a:lstStyle/>
+                    <a:p>
+                      <a:endParaRPr lang="de-AT"/>
+                    </a:p>
+                  </a:txBody>
+                  <a:tcPr/>
+                </a:tc>
+                <a:tc>
+                  <a:txBody>
+                    <a:bodyPr/>
+                    <a:lstStyle/>
+                    <a:p>
+                      <a:pPr algn="ctr" fontAlgn="b">
+                        <a:spcBef>
+                          <a:spcPts val="0"/>
+                        </a:spcBef>
+                        <a:spcAft>
+                          <a:spcPts val="0"/>
+                        </a:spcAft>
+                      </a:pPr>
+                      <a:r>
+                        <a:rPr lang="de-AT" sz="1000" b="0" i="0" u="none" strike="noStrike">
+                          <a:solidFill>
+                            <a:srgbClr val="000000"/>
+                          </a:solidFill>
+                          <a:effectLst/>
+                          <a:latin typeface="Calibri" panose="020F0502020204030204" pitchFamily="34" charset="0"/>
+                        </a:rPr>
+                        <a:t>Sonnek</a:t>
+                      </a:r>
+                      <a:endParaRPr lang="de-AT" sz="1700" b="0" i="0" u="none" strike="noStrike">
+                        <a:effectLst/>
+                        <a:latin typeface="Arial" panose="020B0604020202020204" pitchFamily="34" charset="0"/>
+                      </a:endParaRPr>
+                    </a:p>
+                  </a:txBody>
+                  <a:tcPr marL="7227" marR="7227" marT="7227" marB="0" anchor="b">
+                    <a:lnL>
+                      <a:noFill/>
+                    </a:lnL>
+                    <a:lnR>
+                      <a:noFill/>
+                    </a:lnR>
+                    <a:lnT>
+                      <a:noFill/>
+                    </a:lnT>
+                    <a:lnB>
+                      <a:noFill/>
+                    </a:lnB>
+                  </a:tcPr>
+                </a:tc>
+                <a:extLst>
+                  <a:ext uri="{0D108BD9-81ED-4DB2-BD59-A6C34878D82A}">
+                    <a16:rowId xmlns:a16="http://schemas.microsoft.com/office/drawing/2014/main" val="849013468"/>
+                  </a:ext>
+                </a:extLst>
+              </a:tr>
+              <a:tr h="200912">
+                <a:tc>
+                  <a:txBody>
+                    <a:bodyPr/>
+                    <a:lstStyle/>
+                    <a:p>
+                      <a:pPr algn="l" fontAlgn="b">
+                        <a:spcBef>
+                          <a:spcPts val="0"/>
+                        </a:spcBef>
+                        <a:spcAft>
+                          <a:spcPts val="0"/>
+                        </a:spcAft>
+                      </a:pPr>
+                      <a:r>
+                        <a:rPr lang="de-AT" sz="1000" b="0" i="0" u="none" strike="noStrike">
+                          <a:solidFill>
+                            <a:srgbClr val="000000"/>
+                          </a:solidFill>
+                          <a:effectLst/>
+                          <a:latin typeface="Calibri" panose="020F0502020204030204" pitchFamily="34" charset="0"/>
+                        </a:rPr>
+                        <a:t> </a:t>
+                      </a:r>
+                      <a:endParaRPr lang="de-AT" sz="1700" b="0" i="0" u="none" strike="noStrike">
+                        <a:effectLst/>
+                        <a:latin typeface="Arial" panose="020B0604020202020204" pitchFamily="34" charset="0"/>
+                      </a:endParaRPr>
+                    </a:p>
+                  </a:txBody>
+                  <a:tcPr marL="7227" marR="7227" marT="7227" marB="0" anchor="b">
+                    <a:lnL>
+                      <a:noFill/>
+                    </a:lnL>
+                    <a:lnR>
+                      <a:noFill/>
+                    </a:lnR>
+                    <a:lnT>
+                      <a:noFill/>
+                    </a:lnT>
+                    <a:lnB>
+                      <a:noFill/>
+                    </a:lnB>
+                    <a:solidFill>
+                      <a:srgbClr val="B3CEFB"/>
+                    </a:solidFill>
+                  </a:tcPr>
+                </a:tc>
+                <a:tc>
+                  <a:txBody>
+                    <a:bodyPr/>
+                    <a:lstStyle/>
+                    <a:p>
+                      <a:pPr algn="l" fontAlgn="b">
+                        <a:spcBef>
+                          <a:spcPts val="0"/>
+                        </a:spcBef>
+                        <a:spcAft>
+                          <a:spcPts val="0"/>
+                        </a:spcAft>
+                      </a:pPr>
+                      <a:r>
+                        <a:rPr lang="de-AT" sz="1000" b="0" i="0" u="none" strike="noStrike">
+                          <a:solidFill>
+                            <a:srgbClr val="000000"/>
+                          </a:solidFill>
+                          <a:effectLst/>
+                          <a:latin typeface="Calibri" panose="020F0502020204030204" pitchFamily="34" charset="0"/>
+                        </a:rPr>
+                        <a:t>Webservices definieren</a:t>
+                      </a:r>
+                      <a:endParaRPr lang="de-AT" sz="1700" b="0" i="0" u="none" strike="noStrike">
+                        <a:effectLst/>
+                        <a:latin typeface="Arial" panose="020B0604020202020204" pitchFamily="34" charset="0"/>
+                      </a:endParaRPr>
+                    </a:p>
+                  </a:txBody>
+                  <a:tcPr marL="7227" marR="7227" marT="7227" marB="0" anchor="b">
+                    <a:lnL>
+                      <a:noFill/>
+                    </a:lnL>
+                    <a:lnR>
+                      <a:noFill/>
+                    </a:lnR>
+                    <a:lnT>
+                      <a:noFill/>
+                    </a:lnT>
+                    <a:lnB>
+                      <a:noFill/>
+                    </a:lnB>
+                    <a:solidFill>
+                      <a:srgbClr val="B3CEFB"/>
+                    </a:solidFill>
+                  </a:tcPr>
+                </a:tc>
+                <a:tc>
+                  <a:txBody>
+                    <a:bodyPr/>
+                    <a:lstStyle/>
+                    <a:p>
+                      <a:pPr algn="ctr" fontAlgn="b">
+                        <a:spcBef>
+                          <a:spcPts val="0"/>
+                        </a:spcBef>
+                        <a:spcAft>
+                          <a:spcPts val="0"/>
+                        </a:spcAft>
+                      </a:pPr>
+                      <a:endParaRPr lang="de-AT" sz="1700" b="0" i="0" u="none" strike="noStrike">
+                        <a:effectLst/>
+                        <a:latin typeface="Arial" panose="020B0604020202020204" pitchFamily="34" charset="0"/>
+                      </a:endParaRPr>
+                    </a:p>
+                  </a:txBody>
+                  <a:tcPr marL="7227" marR="7227" marT="7227" marB="0" anchor="b">
+                    <a:lnL>
+                      <a:noFill/>
+                    </a:lnL>
+                    <a:lnR>
+                      <a:noFill/>
+                    </a:lnR>
+                    <a:lnT>
+                      <a:noFill/>
+                    </a:lnT>
+                    <a:lnB>
+                      <a:noFill/>
+                    </a:lnB>
+                  </a:tcPr>
+                </a:tc>
+                <a:extLst>
+                  <a:ext uri="{0D108BD9-81ED-4DB2-BD59-A6C34878D82A}">
+                    <a16:rowId xmlns:a16="http://schemas.microsoft.com/office/drawing/2014/main" val="3786517643"/>
+                  </a:ext>
+                </a:extLst>
+              </a:tr>
+              <a:tr h="200912">
+                <a:tc>
+                  <a:txBody>
+                    <a:bodyPr/>
+                    <a:lstStyle/>
+                    <a:p>
+                      <a:pPr algn="l" fontAlgn="b">
+                        <a:spcBef>
+                          <a:spcPts val="0"/>
+                        </a:spcBef>
+                        <a:spcAft>
+                          <a:spcPts val="0"/>
+                        </a:spcAft>
+                      </a:pPr>
+                      <a:r>
+                        <a:rPr lang="de-AT" sz="1000" b="0" i="0" u="none" strike="noStrike">
+                          <a:solidFill>
+                            <a:srgbClr val="000000"/>
+                          </a:solidFill>
+                          <a:effectLst/>
+                          <a:latin typeface="Calibri" panose="020F0502020204030204" pitchFamily="34" charset="0"/>
+                        </a:rPr>
+                        <a:t> </a:t>
+                      </a:r>
+                      <a:endParaRPr lang="de-AT" sz="1700" b="0" i="0" u="none" strike="noStrike">
+                        <a:effectLst/>
+                        <a:latin typeface="Arial" panose="020B0604020202020204" pitchFamily="34" charset="0"/>
+                      </a:endParaRPr>
+                    </a:p>
+                  </a:txBody>
+                  <a:tcPr marL="7227" marR="7227" marT="7227" marB="0" anchor="b">
+                    <a:lnL>
+                      <a:noFill/>
+                    </a:lnL>
+                    <a:lnR>
+                      <a:noFill/>
+                    </a:lnR>
+                    <a:lnT>
+                      <a:noFill/>
+                    </a:lnT>
+                    <a:lnB>
+                      <a:noFill/>
+                    </a:lnB>
+                    <a:solidFill>
+                      <a:srgbClr val="B3CEFB"/>
+                    </a:solidFill>
+                  </a:tcPr>
+                </a:tc>
+                <a:tc>
+                  <a:txBody>
+                    <a:bodyPr/>
+                    <a:lstStyle/>
+                    <a:p>
+                      <a:pPr algn="l" fontAlgn="b">
+                        <a:spcBef>
+                          <a:spcPts val="0"/>
+                        </a:spcBef>
+                        <a:spcAft>
+                          <a:spcPts val="0"/>
+                        </a:spcAft>
+                      </a:pPr>
+                      <a:r>
+                        <a:rPr lang="de-AT" sz="1000" b="0" i="0" u="none" strike="noStrike">
+                          <a:solidFill>
+                            <a:srgbClr val="000000"/>
+                          </a:solidFill>
+                          <a:effectLst/>
+                          <a:latin typeface="Calibri" panose="020F0502020204030204" pitchFamily="34" charset="0"/>
+                        </a:rPr>
+                        <a:t>Webservices ausarbeiten</a:t>
+                      </a:r>
+                      <a:endParaRPr lang="de-AT" sz="1700" b="0" i="0" u="none" strike="noStrike">
+                        <a:effectLst/>
+                        <a:latin typeface="Arial" panose="020B0604020202020204" pitchFamily="34" charset="0"/>
+                      </a:endParaRPr>
+                    </a:p>
+                  </a:txBody>
+                  <a:tcPr marL="7227" marR="7227" marT="7227" marB="0" anchor="b">
+                    <a:lnL>
+                      <a:noFill/>
+                    </a:lnL>
+                    <a:lnR>
+                      <a:noFill/>
+                    </a:lnR>
+                    <a:lnT>
+                      <a:noFill/>
+                    </a:lnT>
+                    <a:lnB>
+                      <a:noFill/>
+                    </a:lnB>
+                    <a:solidFill>
+                      <a:srgbClr val="B3CEFB"/>
+                    </a:solidFill>
+                  </a:tcPr>
+                </a:tc>
+                <a:tc>
+                  <a:txBody>
+                    <a:bodyPr/>
+                    <a:lstStyle/>
+                    <a:p>
+                      <a:pPr algn="l" fontAlgn="b">
+                        <a:spcBef>
+                          <a:spcPts val="0"/>
+                        </a:spcBef>
+                        <a:spcAft>
+                          <a:spcPts val="0"/>
+                        </a:spcAft>
+                      </a:pPr>
+                      <a:endParaRPr lang="de-AT" sz="1700" b="0" i="0" u="none" strike="noStrike" dirty="0">
+                        <a:effectLst/>
+                        <a:latin typeface="Arial" panose="020B0604020202020204" pitchFamily="34" charset="0"/>
+                      </a:endParaRPr>
+                    </a:p>
+                  </a:txBody>
+                  <a:tcPr marL="7227" marR="7227" marT="7227" marB="0" anchor="b">
+                    <a:lnL>
+                      <a:noFill/>
+                    </a:lnL>
+                    <a:lnR>
+                      <a:noFill/>
+                    </a:lnR>
+                    <a:lnT>
+                      <a:noFill/>
+                    </a:lnT>
+                    <a:lnB>
+                      <a:noFill/>
+                    </a:lnB>
+                  </a:tcPr>
+                </a:tc>
+                <a:extLst>
+                  <a:ext uri="{0D108BD9-81ED-4DB2-BD59-A6C34878D82A}">
+                    <a16:rowId xmlns:a16="http://schemas.microsoft.com/office/drawing/2014/main" val="56175853"/>
+                  </a:ext>
+                </a:extLst>
+              </a:tr>
+            </a:tbl>
+          </a:graphicData>
+        </a:graphic>
+      </p:graphicFrame>
     </p:spTree>
     <p:extLst>
       <p:ext uri="{BB962C8B-B14F-4D97-AF65-F5344CB8AC3E}">
-        <p14:creationId xmlns:p14="http://schemas.microsoft.com/office/powerpoint/2010/main" val="1267527062"/>
+        <p14:creationId xmlns:p14="http://schemas.microsoft.com/office/powerpoint/2010/main" val="754155036"/>
       </p:ext>
     </p:extLst>
   </p:cSld>
@@ -8630,7 +10692,7 @@
 </p:sld>
 </file>
 
-<file path=ppt/slides/slide12.xml><?xml version="1.0" encoding="utf-8"?>
+<file path=ppt/slides/slide5.xml><?xml version="1.0" encoding="utf-8"?>
 <p:sld xmlns:a="http://schemas.openxmlformats.org/drawingml/2006/main" xmlns:r="http://schemas.openxmlformats.org/officeDocument/2006/relationships" xmlns:p="http://schemas.openxmlformats.org/presentationml/2006/main">
   <p:cSld>
     <p:bg>
@@ -9108,7 +11170,7 @@
           <a:p>
             <a:fld id="{940FB58F-067A-413C-9BD8-45C981AB8339}" type="slidenum">
               <a:rPr lang="de-AT" smtClean="0"/>
-              <a:t>12</a:t>
+              <a:t>5</a:t>
             </a:fld>
             <a:endParaRPr lang="de-AT"/>
           </a:p>
@@ -9118,3787 +11180,6 @@
     <p:extLst>
       <p:ext uri="{BB962C8B-B14F-4D97-AF65-F5344CB8AC3E}">
         <p14:creationId xmlns:p14="http://schemas.microsoft.com/office/powerpoint/2010/main" val="622268090"/>
-      </p:ext>
-    </p:extLst>
-  </p:cSld>
-  <p:clrMapOvr>
-    <a:masterClrMapping/>
-  </p:clrMapOvr>
-</p:sld>
-</file>
-
-<file path=ppt/slides/slide2.xml><?xml version="1.0" encoding="utf-8"?>
-<p:sld xmlns:a="http://schemas.openxmlformats.org/drawingml/2006/main" xmlns:r="http://schemas.openxmlformats.org/officeDocument/2006/relationships" xmlns:p="http://schemas.openxmlformats.org/presentationml/2006/main">
-  <p:cSld>
-    <p:bg>
-      <p:bgPr>
-        <a:solidFill>
-          <a:schemeClr val="bg1"/>
-        </a:solidFill>
-        <a:effectLst/>
-      </p:bgPr>
-    </p:bg>
-    <p:spTree>
-      <p:nvGrpSpPr>
-        <p:cNvPr id="1" name=""/>
-        <p:cNvGrpSpPr/>
-        <p:nvPr/>
-      </p:nvGrpSpPr>
-      <p:grpSpPr>
-        <a:xfrm>
-          <a:off x="0" y="0"/>
-          <a:ext cx="0" cy="0"/>
-          <a:chOff x="0" y="0"/>
-          <a:chExt cx="0" cy="0"/>
-        </a:xfrm>
-      </p:grpSpPr>
-      <p:sp>
-        <p:nvSpPr>
-          <p:cNvPr id="2" name="Titel 1">
-            <a:extLst>
-              <a:ext uri="{FF2B5EF4-FFF2-40B4-BE49-F238E27FC236}">
-                <a16:creationId xmlns:a16="http://schemas.microsoft.com/office/drawing/2014/main" id="{1499E0A7-931D-4F31-B4FD-ADD638473602}"/>
-              </a:ext>
-            </a:extLst>
-          </p:cNvPr>
-          <p:cNvSpPr>
-            <a:spLocks noGrp="1"/>
-          </p:cNvSpPr>
-          <p:nvPr>
-            <p:ph type="title"/>
-          </p:nvPr>
-        </p:nvSpPr>
-        <p:spPr/>
-        <p:txBody>
-          <a:bodyPr>
-            <a:normAutofit/>
-          </a:bodyPr>
-          <a:lstStyle/>
-          <a:p>
-            <a:r>
-              <a:rPr lang="de-AT">
-                <a:solidFill>
-                  <a:srgbClr val="FFFEFF"/>
-                </a:solidFill>
-              </a:rPr>
-              <a:t>Idee</a:t>
-            </a:r>
-          </a:p>
-        </p:txBody>
-      </p:sp>
-      <p:graphicFrame>
-        <p:nvGraphicFramePr>
-          <p:cNvPr id="5" name="Inhaltsplatzhalter 2">
-            <a:extLst>
-              <a:ext uri="{FF2B5EF4-FFF2-40B4-BE49-F238E27FC236}">
-                <a16:creationId xmlns:a16="http://schemas.microsoft.com/office/drawing/2014/main" id="{957FA265-229C-4570-BA28-A8C3C7EEE174}"/>
-              </a:ext>
-            </a:extLst>
-          </p:cNvPr>
-          <p:cNvGraphicFramePr>
-            <a:graphicFrameLocks noGrp="1"/>
-          </p:cNvGraphicFramePr>
-          <p:nvPr>
-            <p:ph idx="1"/>
-            <p:extLst>
-              <p:ext uri="{D42A27DB-BD31-4B8C-83A1-F6EECF244321}">
-                <p14:modId xmlns:p14="http://schemas.microsoft.com/office/powerpoint/2010/main" val="337337134"/>
-              </p:ext>
-            </p:extLst>
-          </p:nvPr>
-        </p:nvGraphicFramePr>
-        <p:xfrm>
-          <a:off x="581025" y="2181225"/>
-          <a:ext cx="11029950" cy="3678238"/>
-        </p:xfrm>
-        <a:graphic>
-          <a:graphicData uri="http://schemas.openxmlformats.org/drawingml/2006/diagram">
-            <dgm:relIds xmlns:dgm="http://schemas.openxmlformats.org/drawingml/2006/diagram" xmlns:r="http://schemas.openxmlformats.org/officeDocument/2006/relationships" r:dm="rId2" r:lo="rId3" r:qs="rId4" r:cs="rId5"/>
-          </a:graphicData>
-        </a:graphic>
-      </p:graphicFrame>
-      <p:sp>
-        <p:nvSpPr>
-          <p:cNvPr id="4" name="Fußzeilenplatzhalter 3">
-            <a:extLst>
-              <a:ext uri="{FF2B5EF4-FFF2-40B4-BE49-F238E27FC236}">
-                <a16:creationId xmlns:a16="http://schemas.microsoft.com/office/drawing/2014/main" id="{050287E7-530F-4EC4-A598-D7553BCC6F8B}"/>
-              </a:ext>
-            </a:extLst>
-          </p:cNvPr>
-          <p:cNvSpPr>
-            <a:spLocks noGrp="1"/>
-          </p:cNvSpPr>
-          <p:nvPr>
-            <p:ph type="ftr" sz="quarter" idx="11"/>
-          </p:nvPr>
-        </p:nvSpPr>
-        <p:spPr/>
-        <p:txBody>
-          <a:bodyPr/>
-          <a:lstStyle/>
-          <a:p>
-            <a:r>
-              <a:rPr lang="de-DE"/>
-              <a:t>Gilgenreiner, Kleinegger, Sonnek | Gruppe 6 | 2019/20</a:t>
-            </a:r>
-            <a:endParaRPr lang="de-AT"/>
-          </a:p>
-        </p:txBody>
-      </p:sp>
-      <p:sp>
-        <p:nvSpPr>
-          <p:cNvPr id="6" name="Foliennummernplatzhalter 5">
-            <a:extLst>
-              <a:ext uri="{FF2B5EF4-FFF2-40B4-BE49-F238E27FC236}">
-                <a16:creationId xmlns:a16="http://schemas.microsoft.com/office/drawing/2014/main" id="{BAC2100C-7AF3-4631-A194-BD38B10082D0}"/>
-              </a:ext>
-            </a:extLst>
-          </p:cNvPr>
-          <p:cNvSpPr>
-            <a:spLocks noGrp="1"/>
-          </p:cNvSpPr>
-          <p:nvPr>
-            <p:ph type="sldNum" sz="quarter" idx="12"/>
-          </p:nvPr>
-        </p:nvSpPr>
-        <p:spPr/>
-        <p:txBody>
-          <a:bodyPr/>
-          <a:lstStyle/>
-          <a:p>
-            <a:fld id="{940FB58F-067A-413C-9BD8-45C981AB8339}" type="slidenum">
-              <a:rPr lang="de-AT" smtClean="0"/>
-              <a:t>2</a:t>
-            </a:fld>
-            <a:endParaRPr lang="de-AT"/>
-          </a:p>
-        </p:txBody>
-      </p:sp>
-    </p:spTree>
-    <p:extLst>
-      <p:ext uri="{BB962C8B-B14F-4D97-AF65-F5344CB8AC3E}">
-        <p14:creationId xmlns:p14="http://schemas.microsoft.com/office/powerpoint/2010/main" val="2972540833"/>
-      </p:ext>
-    </p:extLst>
-  </p:cSld>
-  <p:clrMapOvr>
-    <a:masterClrMapping/>
-  </p:clrMapOvr>
-</p:sld>
-</file>
-
-<file path=ppt/slides/slide3.xml><?xml version="1.0" encoding="utf-8"?>
-<p:sld xmlns:a="http://schemas.openxmlformats.org/drawingml/2006/main" xmlns:r="http://schemas.openxmlformats.org/officeDocument/2006/relationships" xmlns:p="http://schemas.openxmlformats.org/presentationml/2006/main">
-  <p:cSld>
-    <p:bg>
-      <p:bgPr>
-        <a:solidFill>
-          <a:schemeClr val="bg1"/>
-        </a:solidFill>
-        <a:effectLst/>
-      </p:bgPr>
-    </p:bg>
-    <p:spTree>
-      <p:nvGrpSpPr>
-        <p:cNvPr id="1" name=""/>
-        <p:cNvGrpSpPr/>
-        <p:nvPr/>
-      </p:nvGrpSpPr>
-      <p:grpSpPr>
-        <a:xfrm>
-          <a:off x="0" y="0"/>
-          <a:ext cx="0" cy="0"/>
-          <a:chOff x="0" y="0"/>
-          <a:chExt cx="0" cy="0"/>
-        </a:xfrm>
-      </p:grpSpPr>
-      <p:sp>
-        <p:nvSpPr>
-          <p:cNvPr id="10" name="Rectangle 9">
-            <a:extLst>
-              <a:ext uri="{FF2B5EF4-FFF2-40B4-BE49-F238E27FC236}">
-                <a16:creationId xmlns:a16="http://schemas.microsoft.com/office/drawing/2014/main" id="{66D08039-6C4E-4870-9E3D-6218263DE95D}"/>
-              </a:ext>
-              <a:ext uri="{C183D7F6-B498-43B3-948B-1728B52AA6E4}">
-                <adec:decorative xmlns:adec="http://schemas.microsoft.com/office/drawing/2017/decorative" val="1"/>
-              </a:ext>
-            </a:extLst>
-          </p:cNvPr>
-          <p:cNvSpPr>
-            <a:spLocks noGrp="1" noRot="1" noChangeAspect="1" noMove="1" noResize="1" noEditPoints="1" noAdjustHandles="1" noChangeArrowheads="1" noChangeShapeType="1" noTextEdit="1"/>
-          </p:cNvSpPr>
-          <p:nvPr>
-            <p:extLst>
-              <p:ext uri="{386F3935-93C4-4BCD-93E2-E3B085C9AB24}">
-                <p16:designElem xmlns:p16="http://schemas.microsoft.com/office/powerpoint/2015/main" val="1"/>
-              </p:ext>
-            </p:extLst>
-          </p:nvPr>
-        </p:nvSpPr>
-        <p:spPr>
-          <a:xfrm>
-            <a:off x="446534" y="457200"/>
-            <a:ext cx="3703320" cy="94997"/>
-          </a:xfrm>
-          <a:prstGeom prst="rect">
-            <a:avLst/>
-          </a:prstGeom>
-          <a:solidFill>
-            <a:schemeClr val="accent1"/>
-          </a:solidFill>
-          <a:ln>
-            <a:noFill/>
-          </a:ln>
-          <a:effectLst/>
-        </p:spPr>
-        <p:style>
-          <a:lnRef idx="1">
-            <a:schemeClr val="accent1"/>
-          </a:lnRef>
-          <a:fillRef idx="3">
-            <a:schemeClr val="accent1"/>
-          </a:fillRef>
-          <a:effectRef idx="2">
-            <a:schemeClr val="accent1"/>
-          </a:effectRef>
-          <a:fontRef idx="minor">
-            <a:schemeClr val="lt1"/>
-          </a:fontRef>
-        </p:style>
-      </p:sp>
-      <p:sp>
-        <p:nvSpPr>
-          <p:cNvPr id="12" name="Rectangle 11">
-            <a:extLst>
-              <a:ext uri="{FF2B5EF4-FFF2-40B4-BE49-F238E27FC236}">
-                <a16:creationId xmlns:a16="http://schemas.microsoft.com/office/drawing/2014/main" id="{9FB31D2E-CBC8-4C4A-917F-DCB48EAEB08A}"/>
-              </a:ext>
-              <a:ext uri="{C183D7F6-B498-43B3-948B-1728B52AA6E4}">
-                <adec:decorative xmlns:adec="http://schemas.microsoft.com/office/drawing/2017/decorative" val="1"/>
-              </a:ext>
-            </a:extLst>
-          </p:cNvPr>
-          <p:cNvSpPr>
-            <a:spLocks noGrp="1" noRot="1" noChangeAspect="1" noMove="1" noResize="1" noEditPoints="1" noAdjustHandles="1" noChangeArrowheads="1" noChangeShapeType="1" noTextEdit="1"/>
-          </p:cNvSpPr>
-          <p:nvPr>
-            <p:extLst>
-              <p:ext uri="{386F3935-93C4-4BCD-93E2-E3B085C9AB24}">
-                <p16:designElem xmlns:p16="http://schemas.microsoft.com/office/powerpoint/2015/main" val="1"/>
-              </p:ext>
-            </p:extLst>
-          </p:nvPr>
-        </p:nvSpPr>
-        <p:spPr>
-          <a:xfrm>
-            <a:off x="8042147" y="453643"/>
-            <a:ext cx="3703320" cy="98554"/>
-          </a:xfrm>
-          <a:prstGeom prst="rect">
-            <a:avLst/>
-          </a:prstGeom>
-          <a:solidFill>
-            <a:schemeClr val="accent4"/>
-          </a:solidFill>
-          <a:ln>
-            <a:noFill/>
-          </a:ln>
-          <a:effectLst/>
-        </p:spPr>
-        <p:style>
-          <a:lnRef idx="1">
-            <a:schemeClr val="accent1"/>
-          </a:lnRef>
-          <a:fillRef idx="3">
-            <a:schemeClr val="accent1"/>
-          </a:fillRef>
-          <a:effectRef idx="2">
-            <a:schemeClr val="accent1"/>
-          </a:effectRef>
-          <a:fontRef idx="minor">
-            <a:schemeClr val="lt1"/>
-          </a:fontRef>
-        </p:style>
-      </p:sp>
-      <p:sp>
-        <p:nvSpPr>
-          <p:cNvPr id="14" name="Rectangle 13">
-            <a:extLst>
-              <a:ext uri="{FF2B5EF4-FFF2-40B4-BE49-F238E27FC236}">
-                <a16:creationId xmlns:a16="http://schemas.microsoft.com/office/drawing/2014/main" id="{FCCF4F09-0D96-42BE-AE16-84AB4E0B5674}"/>
-              </a:ext>
-              <a:ext uri="{C183D7F6-B498-43B3-948B-1728B52AA6E4}">
-                <adec:decorative xmlns:adec="http://schemas.microsoft.com/office/drawing/2017/decorative" val="1"/>
-              </a:ext>
-            </a:extLst>
-          </p:cNvPr>
-          <p:cNvSpPr>
-            <a:spLocks noGrp="1" noRot="1" noChangeAspect="1" noMove="1" noResize="1" noEditPoints="1" noAdjustHandles="1" noChangeArrowheads="1" noChangeShapeType="1" noTextEdit="1"/>
-          </p:cNvSpPr>
-          <p:nvPr>
-            <p:extLst>
-              <p:ext uri="{386F3935-93C4-4BCD-93E2-E3B085C9AB24}">
-                <p16:designElem xmlns:p16="http://schemas.microsoft.com/office/powerpoint/2015/main" val="1"/>
-              </p:ext>
-            </p:extLst>
-          </p:nvPr>
-        </p:nvSpPr>
-        <p:spPr>
-          <a:xfrm>
-            <a:off x="4241830" y="457200"/>
-            <a:ext cx="3703320" cy="91440"/>
-          </a:xfrm>
-          <a:prstGeom prst="rect">
-            <a:avLst/>
-          </a:prstGeom>
-          <a:solidFill>
-            <a:schemeClr val="accent2"/>
-          </a:solidFill>
-          <a:ln>
-            <a:noFill/>
-          </a:ln>
-          <a:effectLst/>
-        </p:spPr>
-        <p:style>
-          <a:lnRef idx="1">
-            <a:schemeClr val="accent1"/>
-          </a:lnRef>
-          <a:fillRef idx="3">
-            <a:schemeClr val="accent1"/>
-          </a:fillRef>
-          <a:effectRef idx="2">
-            <a:schemeClr val="accent1"/>
-          </a:effectRef>
-          <a:fontRef idx="minor">
-            <a:schemeClr val="lt1"/>
-          </a:fontRef>
-        </p:style>
-      </p:sp>
-      <p:sp>
-        <p:nvSpPr>
-          <p:cNvPr id="16" name="Rectangle 15">
-            <a:extLst>
-              <a:ext uri="{FF2B5EF4-FFF2-40B4-BE49-F238E27FC236}">
-                <a16:creationId xmlns:a16="http://schemas.microsoft.com/office/drawing/2014/main" id="{21AF87EE-372A-438E-B086-63D494ECA27E}"/>
-              </a:ext>
-              <a:ext uri="{C183D7F6-B498-43B3-948B-1728B52AA6E4}">
-                <adec:decorative xmlns:adec="http://schemas.microsoft.com/office/drawing/2017/decorative" val="1"/>
-              </a:ext>
-            </a:extLst>
-          </p:cNvPr>
-          <p:cNvSpPr>
-            <a:spLocks noGrp="1" noRot="1" noChangeAspect="1" noMove="1" noResize="1" noEditPoints="1" noAdjustHandles="1" noChangeArrowheads="1" noChangeShapeType="1" noTextEdit="1"/>
-          </p:cNvSpPr>
-          <p:nvPr>
-            <p:extLst>
-              <p:ext uri="{386F3935-93C4-4BCD-93E2-E3B085C9AB24}">
-                <p16:designElem xmlns:p16="http://schemas.microsoft.com/office/powerpoint/2015/main" val="1"/>
-              </p:ext>
-            </p:extLst>
-          </p:nvPr>
-        </p:nvSpPr>
-        <p:spPr>
-          <a:xfrm>
-            <a:off x="446534" y="3085765"/>
-            <a:ext cx="11262866" cy="3304800"/>
-          </a:xfrm>
-          <a:prstGeom prst="rect">
-            <a:avLst/>
-          </a:prstGeom>
-          <a:solidFill>
-            <a:schemeClr val="accent1"/>
-          </a:solidFill>
-          <a:ln>
-            <a:noFill/>
-          </a:ln>
-          <a:effectLst/>
-        </p:spPr>
-        <p:style>
-          <a:lnRef idx="1">
-            <a:schemeClr val="accent1"/>
-          </a:lnRef>
-          <a:fillRef idx="3">
-            <a:schemeClr val="accent1"/>
-          </a:fillRef>
-          <a:effectRef idx="2">
-            <a:schemeClr val="accent1"/>
-          </a:effectRef>
-          <a:fontRef idx="minor">
-            <a:schemeClr val="lt1"/>
-          </a:fontRef>
-        </p:style>
-      </p:sp>
-      <p:sp useBgFill="1">
-        <p:nvSpPr>
-          <p:cNvPr id="18" name="Rectangle 17">
-            <a:extLst>
-              <a:ext uri="{FF2B5EF4-FFF2-40B4-BE49-F238E27FC236}">
-                <a16:creationId xmlns:a16="http://schemas.microsoft.com/office/drawing/2014/main" id="{E2B38E65-3AFD-404A-BEFC-3006BCB7A7D0}"/>
-              </a:ext>
-              <a:ext uri="{C183D7F6-B498-43B3-948B-1728B52AA6E4}">
-                <adec:decorative xmlns:adec="http://schemas.microsoft.com/office/drawing/2017/decorative" val="1"/>
-              </a:ext>
-            </a:extLst>
-          </p:cNvPr>
-          <p:cNvSpPr>
-            <a:spLocks noGrp="1" noRot="1" noChangeAspect="1" noMove="1" noResize="1" noEditPoints="1" noAdjustHandles="1" noChangeArrowheads="1" noChangeShapeType="1" noTextEdit="1"/>
-          </p:cNvSpPr>
-          <p:nvPr>
-            <p:extLst>
-              <p:ext uri="{386F3935-93C4-4BCD-93E2-E3B085C9AB24}">
-                <p16:designElem xmlns:p16="http://schemas.microsoft.com/office/powerpoint/2015/main" val="1"/>
-              </p:ext>
-            </p:extLst>
-          </p:nvPr>
-        </p:nvSpPr>
-        <p:spPr>
-          <a:xfrm>
-            <a:off x="0" y="1"/>
-            <a:ext cx="12191999" cy="6858000"/>
-          </a:xfrm>
-          <a:prstGeom prst="rect">
-            <a:avLst/>
-          </a:prstGeom>
-          <a:ln>
-            <a:noFill/>
-          </a:ln>
-        </p:spPr>
-        <p:style>
-          <a:lnRef idx="2">
-            <a:schemeClr val="accent1">
-              <a:shade val="50000"/>
-            </a:schemeClr>
-          </a:lnRef>
-          <a:fillRef idx="1">
-            <a:schemeClr val="accent1"/>
-          </a:fillRef>
-          <a:effectRef idx="0">
-            <a:schemeClr val="accent1"/>
-          </a:effectRef>
-          <a:fontRef idx="minor">
-            <a:schemeClr val="lt1"/>
-          </a:fontRef>
-        </p:style>
-        <p:txBody>
-          <a:bodyPr rtlCol="0" anchor="ctr"/>
-          <a:lstStyle/>
-          <a:p>
-            <a:pPr algn="ctr"/>
-            <a:endParaRPr lang="en-US"/>
-          </a:p>
-        </p:txBody>
-      </p:sp>
-      <p:pic>
-        <p:nvPicPr>
-          <p:cNvPr id="5" name="Inhaltsplatzhalter 4" descr="Ein Bild, das Text enthält.&#10;&#10;Automatisch generierte Beschreibung">
-            <a:extLst>
-              <a:ext uri="{FF2B5EF4-FFF2-40B4-BE49-F238E27FC236}">
-                <a16:creationId xmlns:a16="http://schemas.microsoft.com/office/drawing/2014/main" id="{4C79A826-3456-4A7A-ABE9-0578BC56E504}"/>
-              </a:ext>
-            </a:extLst>
-          </p:cNvPr>
-          <p:cNvPicPr>
-            <a:picLocks noGrp="1" noChangeAspect="1"/>
-          </p:cNvPicPr>
-          <p:nvPr>
-            <p:ph idx="1"/>
-          </p:nvPr>
-        </p:nvPicPr>
-        <p:blipFill rotWithShape="1">
-          <a:blip r:embed="rId2">
-            <a:extLst>
-              <a:ext uri="{28A0092B-C50C-407E-A947-70E740481C1C}">
-                <a14:useLocalDpi xmlns:a14="http://schemas.microsoft.com/office/drawing/2010/main" val="0"/>
-              </a:ext>
-            </a:extLst>
-          </a:blip>
-          <a:srcRect t="387" r="2" b="2"/>
-          <a:stretch/>
-        </p:blipFill>
-        <p:spPr>
-          <a:xfrm>
-            <a:off x="446534" y="723900"/>
-            <a:ext cx="7051868" cy="5338686"/>
-          </a:xfrm>
-          <a:prstGeom prst="rect">
-            <a:avLst/>
-          </a:prstGeom>
-        </p:spPr>
-      </p:pic>
-      <p:sp>
-        <p:nvSpPr>
-          <p:cNvPr id="20" name="Rectangle 19">
-            <a:extLst>
-              <a:ext uri="{FF2B5EF4-FFF2-40B4-BE49-F238E27FC236}">
-                <a16:creationId xmlns:a16="http://schemas.microsoft.com/office/drawing/2014/main" id="{AE598562-3047-4BC2-BFF9-F39420474D21}"/>
-              </a:ext>
-              <a:ext uri="{C183D7F6-B498-43B3-948B-1728B52AA6E4}">
-                <adec:decorative xmlns:adec="http://schemas.microsoft.com/office/drawing/2017/decorative" val="1"/>
-              </a:ext>
-            </a:extLst>
-          </p:cNvPr>
-          <p:cNvSpPr>
-            <a:spLocks noGrp="1" noRot="1" noChangeAspect="1" noMove="1" noResize="1" noEditPoints="1" noAdjustHandles="1" noChangeArrowheads="1" noChangeShapeType="1" noTextEdit="1"/>
-          </p:cNvSpPr>
-          <p:nvPr>
-            <p:extLst>
-              <p:ext uri="{386F3935-93C4-4BCD-93E2-E3B085C9AB24}">
-                <p16:designElem xmlns:p16="http://schemas.microsoft.com/office/powerpoint/2015/main" val="1"/>
-              </p:ext>
-            </p:extLst>
-          </p:nvPr>
-        </p:nvSpPr>
-        <p:spPr>
-          <a:xfrm>
-            <a:off x="8042147" y="723899"/>
-            <a:ext cx="3703320" cy="5666666"/>
-          </a:xfrm>
-          <a:prstGeom prst="rect">
-            <a:avLst/>
-          </a:prstGeom>
-          <a:solidFill>
-            <a:schemeClr val="accent1"/>
-          </a:solidFill>
-          <a:ln>
-            <a:noFill/>
-          </a:ln>
-          <a:effectLst/>
-        </p:spPr>
-        <p:style>
-          <a:lnRef idx="1">
-            <a:schemeClr val="accent1"/>
-          </a:lnRef>
-          <a:fillRef idx="3">
-            <a:schemeClr val="accent1"/>
-          </a:fillRef>
-          <a:effectRef idx="2">
-            <a:schemeClr val="accent1"/>
-          </a:effectRef>
-          <a:fontRef idx="minor">
-            <a:schemeClr val="lt1"/>
-          </a:fontRef>
-        </p:style>
-      </p:sp>
-      <p:sp>
-        <p:nvSpPr>
-          <p:cNvPr id="2" name="Titel 1">
-            <a:extLst>
-              <a:ext uri="{FF2B5EF4-FFF2-40B4-BE49-F238E27FC236}">
-                <a16:creationId xmlns:a16="http://schemas.microsoft.com/office/drawing/2014/main" id="{B7A288D0-6B8B-4D83-893F-42FBA702DDF7}"/>
-              </a:ext>
-            </a:extLst>
-          </p:cNvPr>
-          <p:cNvSpPr>
-            <a:spLocks noGrp="1"/>
-          </p:cNvSpPr>
-          <p:nvPr>
-            <p:ph type="title"/>
-          </p:nvPr>
-        </p:nvSpPr>
-        <p:spPr>
-          <a:xfrm>
-            <a:off x="8296275" y="1419225"/>
-            <a:ext cx="3081576" cy="2085869"/>
-          </a:xfrm>
-        </p:spPr>
-        <p:txBody>
-          <a:bodyPr vert="horz" lIns="91440" tIns="45720" rIns="91440" bIns="45720" rtlCol="0" anchor="b">
-            <a:normAutofit/>
-          </a:bodyPr>
-          <a:lstStyle/>
-          <a:p>
-            <a:r>
-              <a:rPr lang="en-US" sz="3600">
-                <a:solidFill>
-                  <a:srgbClr val="FFFFFF"/>
-                </a:solidFill>
-              </a:rPr>
-              <a:t>Klassen Diagramm</a:t>
-            </a:r>
-          </a:p>
-        </p:txBody>
-      </p:sp>
-      <p:grpSp>
-        <p:nvGrpSpPr>
-          <p:cNvPr id="22" name="Group 21">
-            <a:extLst>
-              <a:ext uri="{FF2B5EF4-FFF2-40B4-BE49-F238E27FC236}">
-                <a16:creationId xmlns:a16="http://schemas.microsoft.com/office/drawing/2014/main" id="{C19E0D66-E86B-461B-B58E-7FB356BB03FD}"/>
-              </a:ext>
-              <a:ext uri="{C183D7F6-B498-43B3-948B-1728B52AA6E4}">
-                <adec:decorative xmlns:adec="http://schemas.microsoft.com/office/drawing/2017/decorative" val="1"/>
-              </a:ext>
-            </a:extLst>
-          </p:cNvPr>
-          <p:cNvGrpSpPr>
-            <a:grpSpLocks noGrp="1" noUngrp="1" noRot="1" noChangeAspect="1" noMove="1" noResize="1"/>
-          </p:cNvGrpSpPr>
-          <p:nvPr>
-            <p:extLst>
-              <p:ext uri="{386F3935-93C4-4BCD-93E2-E3B085C9AB24}">
-                <p16:designElem xmlns:p16="http://schemas.microsoft.com/office/powerpoint/2015/main" val="1"/>
-              </p:ext>
-            </p:extLst>
-          </p:nvPr>
-        </p:nvGrpSpPr>
-        <p:grpSpPr>
-          <a:xfrm>
-            <a:off x="446534" y="453643"/>
-            <a:ext cx="11298933" cy="98554"/>
-            <a:chOff x="446534" y="453643"/>
-            <a:chExt cx="11298933" cy="98554"/>
-          </a:xfrm>
-        </p:grpSpPr>
-        <p:sp>
-          <p:nvSpPr>
-            <p:cNvPr id="23" name="Rectangle 22">
-              <a:extLst>
-                <a:ext uri="{FF2B5EF4-FFF2-40B4-BE49-F238E27FC236}">
-                  <a16:creationId xmlns:a16="http://schemas.microsoft.com/office/drawing/2014/main" id="{ED2C7D57-D78E-413F-958A-00ABC85043A8}"/>
-                </a:ext>
-                <a:ext uri="{C183D7F6-B498-43B3-948B-1728B52AA6E4}">
-                  <adec:decorative xmlns:adec="http://schemas.microsoft.com/office/drawing/2017/decorative" val="1"/>
-                </a:ext>
-              </a:extLst>
-            </p:cNvPr>
-            <p:cNvSpPr/>
-            <p:nvPr>
-              <p:extLst>
-                <p:ext uri="{386F3935-93C4-4BCD-93E2-E3B085C9AB24}">
-                  <p16:designElem xmlns:p16="http://schemas.microsoft.com/office/powerpoint/2015/main" val="1"/>
-                </p:ext>
-              </p:extLst>
-            </p:nvPr>
-          </p:nvSpPr>
-          <p:spPr>
-            <a:xfrm>
-              <a:off x="446534" y="457200"/>
-              <a:ext cx="3703320" cy="94997"/>
-            </a:xfrm>
-            <a:prstGeom prst="rect">
-              <a:avLst/>
-            </a:prstGeom>
-            <a:solidFill>
-              <a:schemeClr val="accent1"/>
-            </a:solidFill>
-            <a:ln>
-              <a:noFill/>
-            </a:ln>
-            <a:effectLst/>
-          </p:spPr>
-          <p:style>
-            <a:lnRef idx="1">
-              <a:schemeClr val="accent1"/>
-            </a:lnRef>
-            <a:fillRef idx="3">
-              <a:schemeClr val="accent1"/>
-            </a:fillRef>
-            <a:effectRef idx="2">
-              <a:schemeClr val="accent1"/>
-            </a:effectRef>
-            <a:fontRef idx="minor">
-              <a:schemeClr val="lt1"/>
-            </a:fontRef>
-          </p:style>
-        </p:sp>
-        <p:sp>
-          <p:nvSpPr>
-            <p:cNvPr id="24" name="Rectangle 23">
-              <a:extLst>
-                <a:ext uri="{FF2B5EF4-FFF2-40B4-BE49-F238E27FC236}">
-                  <a16:creationId xmlns:a16="http://schemas.microsoft.com/office/drawing/2014/main" id="{1596FEE5-A0CD-4B5D-B4C1-7858019084EF}"/>
-                </a:ext>
-                <a:ext uri="{C183D7F6-B498-43B3-948B-1728B52AA6E4}">
-                  <adec:decorative xmlns:adec="http://schemas.microsoft.com/office/drawing/2017/decorative" val="1"/>
-                </a:ext>
-              </a:extLst>
-            </p:cNvPr>
-            <p:cNvSpPr/>
-            <p:nvPr>
-              <p:extLst>
-                <p:ext uri="{386F3935-93C4-4BCD-93E2-E3B085C9AB24}">
-                  <p16:designElem xmlns:p16="http://schemas.microsoft.com/office/powerpoint/2015/main" val="1"/>
-                </p:ext>
-              </p:extLst>
-            </p:nvPr>
-          </p:nvSpPr>
-          <p:spPr>
-            <a:xfrm>
-              <a:off x="8042147" y="453643"/>
-              <a:ext cx="3703320" cy="98554"/>
-            </a:xfrm>
-            <a:prstGeom prst="rect">
-              <a:avLst/>
-            </a:prstGeom>
-            <a:solidFill>
-              <a:schemeClr val="accent4"/>
-            </a:solidFill>
-            <a:ln>
-              <a:noFill/>
-            </a:ln>
-            <a:effectLst/>
-          </p:spPr>
-          <p:style>
-            <a:lnRef idx="1">
-              <a:schemeClr val="accent1"/>
-            </a:lnRef>
-            <a:fillRef idx="3">
-              <a:schemeClr val="accent1"/>
-            </a:fillRef>
-            <a:effectRef idx="2">
-              <a:schemeClr val="accent1"/>
-            </a:effectRef>
-            <a:fontRef idx="minor">
-              <a:schemeClr val="lt1"/>
-            </a:fontRef>
-          </p:style>
-        </p:sp>
-        <p:sp>
-          <p:nvSpPr>
-            <p:cNvPr id="25" name="Rectangle 24">
-              <a:extLst>
-                <a:ext uri="{FF2B5EF4-FFF2-40B4-BE49-F238E27FC236}">
-                  <a16:creationId xmlns:a16="http://schemas.microsoft.com/office/drawing/2014/main" id="{28A81341-6C47-4992-BD01-6BCF3A349944}"/>
-                </a:ext>
-                <a:ext uri="{C183D7F6-B498-43B3-948B-1728B52AA6E4}">
-                  <adec:decorative xmlns:adec="http://schemas.microsoft.com/office/drawing/2017/decorative" val="1"/>
-                </a:ext>
-              </a:extLst>
-            </p:cNvPr>
-            <p:cNvSpPr/>
-            <p:nvPr>
-              <p:extLst>
-                <p:ext uri="{386F3935-93C4-4BCD-93E2-E3B085C9AB24}">
-                  <p16:designElem xmlns:p16="http://schemas.microsoft.com/office/powerpoint/2015/main" val="1"/>
-                </p:ext>
-              </p:extLst>
-            </p:nvPr>
-          </p:nvSpPr>
-          <p:spPr>
-            <a:xfrm>
-              <a:off x="4241830" y="457200"/>
-              <a:ext cx="3703320" cy="91440"/>
-            </a:xfrm>
-            <a:prstGeom prst="rect">
-              <a:avLst/>
-            </a:prstGeom>
-            <a:solidFill>
-              <a:schemeClr val="accent2"/>
-            </a:solidFill>
-            <a:ln>
-              <a:noFill/>
-            </a:ln>
-            <a:effectLst/>
-          </p:spPr>
-          <p:style>
-            <a:lnRef idx="1">
-              <a:schemeClr val="accent1"/>
-            </a:lnRef>
-            <a:fillRef idx="3">
-              <a:schemeClr val="accent1"/>
-            </a:fillRef>
-            <a:effectRef idx="2">
-              <a:schemeClr val="accent1"/>
-            </a:effectRef>
-            <a:fontRef idx="minor">
-              <a:schemeClr val="lt1"/>
-            </a:fontRef>
-          </p:style>
-        </p:sp>
-      </p:grpSp>
-      <p:sp>
-        <p:nvSpPr>
-          <p:cNvPr id="6" name="Fußzeilenplatzhalter 5">
-            <a:extLst>
-              <a:ext uri="{FF2B5EF4-FFF2-40B4-BE49-F238E27FC236}">
-                <a16:creationId xmlns:a16="http://schemas.microsoft.com/office/drawing/2014/main" id="{16E8C6F6-B2C4-46B8-8969-4855DEF16A99}"/>
-              </a:ext>
-            </a:extLst>
-          </p:cNvPr>
-          <p:cNvSpPr>
-            <a:spLocks noGrp="1"/>
-          </p:cNvSpPr>
-          <p:nvPr>
-            <p:ph type="ftr" sz="quarter" idx="11"/>
-          </p:nvPr>
-        </p:nvSpPr>
-        <p:spPr/>
-        <p:txBody>
-          <a:bodyPr/>
-          <a:lstStyle/>
-          <a:p>
-            <a:r>
-              <a:rPr lang="de-DE"/>
-              <a:t>Gilgenreiner, Kleinegger, Sonnek | Gruppe 6 | 2019/20</a:t>
-            </a:r>
-            <a:endParaRPr lang="de-AT"/>
-          </a:p>
-        </p:txBody>
-      </p:sp>
-      <p:sp>
-        <p:nvSpPr>
-          <p:cNvPr id="7" name="Foliennummernplatzhalter 6">
-            <a:extLst>
-              <a:ext uri="{FF2B5EF4-FFF2-40B4-BE49-F238E27FC236}">
-                <a16:creationId xmlns:a16="http://schemas.microsoft.com/office/drawing/2014/main" id="{A9F0A64D-9781-4720-9C4C-36A1339467BF}"/>
-              </a:ext>
-            </a:extLst>
-          </p:cNvPr>
-          <p:cNvSpPr>
-            <a:spLocks noGrp="1"/>
-          </p:cNvSpPr>
-          <p:nvPr>
-            <p:ph type="sldNum" sz="quarter" idx="12"/>
-          </p:nvPr>
-        </p:nvSpPr>
-        <p:spPr/>
-        <p:txBody>
-          <a:bodyPr/>
-          <a:lstStyle/>
-          <a:p>
-            <a:fld id="{940FB58F-067A-413C-9BD8-45C981AB8339}" type="slidenum">
-              <a:rPr lang="de-AT" smtClean="0"/>
-              <a:t>3</a:t>
-            </a:fld>
-            <a:endParaRPr lang="de-AT"/>
-          </a:p>
-        </p:txBody>
-      </p:sp>
-    </p:spTree>
-    <p:extLst>
-      <p:ext uri="{BB962C8B-B14F-4D97-AF65-F5344CB8AC3E}">
-        <p14:creationId xmlns:p14="http://schemas.microsoft.com/office/powerpoint/2010/main" val="2717081560"/>
-      </p:ext>
-    </p:extLst>
-  </p:cSld>
-  <p:clrMapOvr>
-    <a:masterClrMapping/>
-  </p:clrMapOvr>
-</p:sld>
-</file>
-
-<file path=ppt/slides/slide4.xml><?xml version="1.0" encoding="utf-8"?>
-<p:sld xmlns:a="http://schemas.openxmlformats.org/drawingml/2006/main" xmlns:r="http://schemas.openxmlformats.org/officeDocument/2006/relationships" xmlns:p="http://schemas.openxmlformats.org/presentationml/2006/main">
-  <p:cSld>
-    <p:bg>
-      <p:bgPr>
-        <a:solidFill>
-          <a:schemeClr val="bg1"/>
-        </a:solidFill>
-        <a:effectLst/>
-      </p:bgPr>
-    </p:bg>
-    <p:spTree>
-      <p:nvGrpSpPr>
-        <p:cNvPr id="1" name=""/>
-        <p:cNvGrpSpPr/>
-        <p:nvPr/>
-      </p:nvGrpSpPr>
-      <p:grpSpPr>
-        <a:xfrm>
-          <a:off x="0" y="0"/>
-          <a:ext cx="0" cy="0"/>
-          <a:chOff x="0" y="0"/>
-          <a:chExt cx="0" cy="0"/>
-        </a:xfrm>
-      </p:grpSpPr>
-      <p:sp>
-        <p:nvSpPr>
-          <p:cNvPr id="27" name="Rectangle 9">
-            <a:extLst>
-              <a:ext uri="{FF2B5EF4-FFF2-40B4-BE49-F238E27FC236}">
-                <a16:creationId xmlns:a16="http://schemas.microsoft.com/office/drawing/2014/main" id="{A499F183-99EE-4B1F-BA64-21A07922AE82}"/>
-              </a:ext>
-              <a:ext uri="{C183D7F6-B498-43B3-948B-1728B52AA6E4}">
-                <adec:decorative xmlns:adec="http://schemas.microsoft.com/office/drawing/2017/decorative" val="1"/>
-              </a:ext>
-            </a:extLst>
-          </p:cNvPr>
-          <p:cNvSpPr>
-            <a:spLocks noGrp="1" noRot="1" noChangeAspect="1" noMove="1" noResize="1" noEditPoints="1" noAdjustHandles="1" noChangeArrowheads="1" noChangeShapeType="1" noTextEdit="1"/>
-          </p:cNvSpPr>
-          <p:nvPr>
-            <p:extLst>
-              <p:ext uri="{386F3935-93C4-4BCD-93E2-E3B085C9AB24}">
-                <p16:designElem xmlns:p16="http://schemas.microsoft.com/office/powerpoint/2015/main" val="1"/>
-              </p:ext>
-            </p:extLst>
-          </p:nvPr>
-        </p:nvSpPr>
-        <p:spPr>
-          <a:xfrm>
-            <a:off x="446534" y="457200"/>
-            <a:ext cx="3703320" cy="94997"/>
-          </a:xfrm>
-          <a:prstGeom prst="rect">
-            <a:avLst/>
-          </a:prstGeom>
-          <a:solidFill>
-            <a:schemeClr val="accent1"/>
-          </a:solidFill>
-          <a:ln>
-            <a:noFill/>
-          </a:ln>
-          <a:effectLst/>
-        </p:spPr>
-        <p:style>
-          <a:lnRef idx="1">
-            <a:schemeClr val="accent1"/>
-          </a:lnRef>
-          <a:fillRef idx="3">
-            <a:schemeClr val="accent1"/>
-          </a:fillRef>
-          <a:effectRef idx="2">
-            <a:schemeClr val="accent1"/>
-          </a:effectRef>
-          <a:fontRef idx="minor">
-            <a:schemeClr val="lt1"/>
-          </a:fontRef>
-        </p:style>
-      </p:sp>
-      <p:sp>
-        <p:nvSpPr>
-          <p:cNvPr id="28" name="Rectangle 11">
-            <a:extLst>
-              <a:ext uri="{FF2B5EF4-FFF2-40B4-BE49-F238E27FC236}">
-                <a16:creationId xmlns:a16="http://schemas.microsoft.com/office/drawing/2014/main" id="{B783A767-5AFC-40D0-A72C-09036EA1726F}"/>
-              </a:ext>
-              <a:ext uri="{C183D7F6-B498-43B3-948B-1728B52AA6E4}">
-                <adec:decorative xmlns:adec="http://schemas.microsoft.com/office/drawing/2017/decorative" val="1"/>
-              </a:ext>
-            </a:extLst>
-          </p:cNvPr>
-          <p:cNvSpPr>
-            <a:spLocks noGrp="1" noRot="1" noChangeAspect="1" noMove="1" noResize="1" noEditPoints="1" noAdjustHandles="1" noChangeArrowheads="1" noChangeShapeType="1" noTextEdit="1"/>
-          </p:cNvSpPr>
-          <p:nvPr>
-            <p:extLst>
-              <p:ext uri="{386F3935-93C4-4BCD-93E2-E3B085C9AB24}">
-                <p16:designElem xmlns:p16="http://schemas.microsoft.com/office/powerpoint/2015/main" val="1"/>
-              </p:ext>
-            </p:extLst>
-          </p:nvPr>
-        </p:nvSpPr>
-        <p:spPr>
-          <a:xfrm>
-            <a:off x="8042147" y="453643"/>
-            <a:ext cx="3703320" cy="98554"/>
-          </a:xfrm>
-          <a:prstGeom prst="rect">
-            <a:avLst/>
-          </a:prstGeom>
-          <a:solidFill>
-            <a:schemeClr val="accent4"/>
-          </a:solidFill>
-          <a:ln>
-            <a:noFill/>
-          </a:ln>
-          <a:effectLst/>
-        </p:spPr>
-        <p:style>
-          <a:lnRef idx="1">
-            <a:schemeClr val="accent1"/>
-          </a:lnRef>
-          <a:fillRef idx="3">
-            <a:schemeClr val="accent1"/>
-          </a:fillRef>
-          <a:effectRef idx="2">
-            <a:schemeClr val="accent1"/>
-          </a:effectRef>
-          <a:fontRef idx="minor">
-            <a:schemeClr val="lt1"/>
-          </a:fontRef>
-        </p:style>
-      </p:sp>
-      <p:sp>
-        <p:nvSpPr>
-          <p:cNvPr id="29" name="Rectangle 13">
-            <a:extLst>
-              <a:ext uri="{FF2B5EF4-FFF2-40B4-BE49-F238E27FC236}">
-                <a16:creationId xmlns:a16="http://schemas.microsoft.com/office/drawing/2014/main" id="{41262CAC-6BC8-43F9-9113-770A2772F68C}"/>
-              </a:ext>
-              <a:ext uri="{C183D7F6-B498-43B3-948B-1728B52AA6E4}">
-                <adec:decorative xmlns:adec="http://schemas.microsoft.com/office/drawing/2017/decorative" val="1"/>
-              </a:ext>
-            </a:extLst>
-          </p:cNvPr>
-          <p:cNvSpPr>
-            <a:spLocks noGrp="1" noRot="1" noChangeAspect="1" noMove="1" noResize="1" noEditPoints="1" noAdjustHandles="1" noChangeArrowheads="1" noChangeShapeType="1" noTextEdit="1"/>
-          </p:cNvSpPr>
-          <p:nvPr>
-            <p:extLst>
-              <p:ext uri="{386F3935-93C4-4BCD-93E2-E3B085C9AB24}">
-                <p16:designElem xmlns:p16="http://schemas.microsoft.com/office/powerpoint/2015/main" val="1"/>
-              </p:ext>
-            </p:extLst>
-          </p:nvPr>
-        </p:nvSpPr>
-        <p:spPr>
-          <a:xfrm>
-            <a:off x="4241830" y="457200"/>
-            <a:ext cx="3703320" cy="91440"/>
-          </a:xfrm>
-          <a:prstGeom prst="rect">
-            <a:avLst/>
-          </a:prstGeom>
-          <a:solidFill>
-            <a:schemeClr val="accent2"/>
-          </a:solidFill>
-          <a:ln>
-            <a:noFill/>
-          </a:ln>
-          <a:effectLst/>
-        </p:spPr>
-        <p:style>
-          <a:lnRef idx="1">
-            <a:schemeClr val="accent1"/>
-          </a:lnRef>
-          <a:fillRef idx="3">
-            <a:schemeClr val="accent1"/>
-          </a:fillRef>
-          <a:effectRef idx="2">
-            <a:schemeClr val="accent1"/>
-          </a:effectRef>
-          <a:fontRef idx="minor">
-            <a:schemeClr val="lt1"/>
-          </a:fontRef>
-        </p:style>
-      </p:sp>
-      <p:sp>
-        <p:nvSpPr>
-          <p:cNvPr id="30" name="Rectangle 15">
-            <a:extLst>
-              <a:ext uri="{FF2B5EF4-FFF2-40B4-BE49-F238E27FC236}">
-                <a16:creationId xmlns:a16="http://schemas.microsoft.com/office/drawing/2014/main" id="{1AA2CCB6-DFD2-41CD-96FE-0140B793599F}"/>
-              </a:ext>
-              <a:ext uri="{C183D7F6-B498-43B3-948B-1728B52AA6E4}">
-                <adec:decorative xmlns:adec="http://schemas.microsoft.com/office/drawing/2017/decorative" val="1"/>
-              </a:ext>
-            </a:extLst>
-          </p:cNvPr>
-          <p:cNvSpPr>
-            <a:spLocks noGrp="1" noRot="1" noChangeAspect="1" noMove="1" noResize="1" noEditPoints="1" noAdjustHandles="1" noChangeArrowheads="1" noChangeShapeType="1" noTextEdit="1"/>
-          </p:cNvSpPr>
-          <p:nvPr>
-            <p:extLst>
-              <p:ext uri="{386F3935-93C4-4BCD-93E2-E3B085C9AB24}">
-                <p16:designElem xmlns:p16="http://schemas.microsoft.com/office/powerpoint/2015/main" val="1"/>
-              </p:ext>
-            </p:extLst>
-          </p:nvPr>
-        </p:nvSpPr>
-        <p:spPr>
-          <a:xfrm>
-            <a:off x="446534" y="3085765"/>
-            <a:ext cx="11262866" cy="3304800"/>
-          </a:xfrm>
-          <a:prstGeom prst="rect">
-            <a:avLst/>
-          </a:prstGeom>
-          <a:solidFill>
-            <a:schemeClr val="accent1"/>
-          </a:solidFill>
-          <a:ln>
-            <a:noFill/>
-          </a:ln>
-          <a:effectLst/>
-        </p:spPr>
-        <p:style>
-          <a:lnRef idx="1">
-            <a:schemeClr val="accent1"/>
-          </a:lnRef>
-          <a:fillRef idx="3">
-            <a:schemeClr val="accent1"/>
-          </a:fillRef>
-          <a:effectRef idx="2">
-            <a:schemeClr val="accent1"/>
-          </a:effectRef>
-          <a:fontRef idx="minor">
-            <a:schemeClr val="lt1"/>
-          </a:fontRef>
-        </p:style>
-      </p:sp>
-      <p:sp useBgFill="1">
-        <p:nvSpPr>
-          <p:cNvPr id="31" name="Rectangle 17">
-            <a:extLst>
-              <a:ext uri="{FF2B5EF4-FFF2-40B4-BE49-F238E27FC236}">
-                <a16:creationId xmlns:a16="http://schemas.microsoft.com/office/drawing/2014/main" id="{6A225C9B-755F-4F91-9681-5E07AFAA71F4}"/>
-              </a:ext>
-              <a:ext uri="{C183D7F6-B498-43B3-948B-1728B52AA6E4}">
-                <adec:decorative xmlns:adec="http://schemas.microsoft.com/office/drawing/2017/decorative" val="1"/>
-              </a:ext>
-            </a:extLst>
-          </p:cNvPr>
-          <p:cNvSpPr>
-            <a:spLocks noGrp="1" noRot="1" noChangeAspect="1" noMove="1" noResize="1" noEditPoints="1" noAdjustHandles="1" noChangeArrowheads="1" noChangeShapeType="1" noTextEdit="1"/>
-          </p:cNvSpPr>
-          <p:nvPr>
-            <p:extLst>
-              <p:ext uri="{386F3935-93C4-4BCD-93E2-E3B085C9AB24}">
-                <p16:designElem xmlns:p16="http://schemas.microsoft.com/office/powerpoint/2015/main" val="1"/>
-              </p:ext>
-            </p:extLst>
-          </p:nvPr>
-        </p:nvSpPr>
-        <p:spPr>
-          <a:xfrm>
-            <a:off x="0" y="638175"/>
-            <a:ext cx="12191999" cy="6219825"/>
-          </a:xfrm>
-          <a:prstGeom prst="rect">
-            <a:avLst/>
-          </a:prstGeom>
-          <a:ln>
-            <a:noFill/>
-          </a:ln>
-        </p:spPr>
-        <p:style>
-          <a:lnRef idx="2">
-            <a:schemeClr val="accent1">
-              <a:shade val="50000"/>
-            </a:schemeClr>
-          </a:lnRef>
-          <a:fillRef idx="1">
-            <a:schemeClr val="accent1"/>
-          </a:fillRef>
-          <a:effectRef idx="0">
-            <a:schemeClr val="accent1"/>
-          </a:effectRef>
-          <a:fontRef idx="minor">
-            <a:schemeClr val="lt1"/>
-          </a:fontRef>
-        </p:style>
-        <p:txBody>
-          <a:bodyPr rtlCol="0" anchor="ctr"/>
-          <a:lstStyle/>
-          <a:p>
-            <a:pPr algn="ctr"/>
-            <a:endParaRPr lang="en-US"/>
-          </a:p>
-        </p:txBody>
-      </p:sp>
-      <p:pic>
-        <p:nvPicPr>
-          <p:cNvPr id="5" name="Inhaltsplatzhalter 4">
-            <a:extLst>
-              <a:ext uri="{FF2B5EF4-FFF2-40B4-BE49-F238E27FC236}">
-                <a16:creationId xmlns:a16="http://schemas.microsoft.com/office/drawing/2014/main" id="{1323A1B6-E4AA-4ADF-A091-A174847C77E3}"/>
-              </a:ext>
-            </a:extLst>
-          </p:cNvPr>
-          <p:cNvPicPr>
-            <a:picLocks noGrp="1" noChangeAspect="1"/>
-          </p:cNvPicPr>
-          <p:nvPr>
-            <p:ph idx="1"/>
-          </p:nvPr>
-        </p:nvPicPr>
-        <p:blipFill>
-          <a:blip r:embed="rId2">
-            <a:extLst>
-              <a:ext uri="{28A0092B-C50C-407E-A947-70E740481C1C}">
-                <a14:useLocalDpi xmlns:a14="http://schemas.microsoft.com/office/drawing/2010/main" val="0"/>
-              </a:ext>
-            </a:extLst>
-          </a:blip>
-          <a:stretch>
-            <a:fillRect/>
-          </a:stretch>
-        </p:blipFill>
-        <p:spPr>
-          <a:xfrm>
-            <a:off x="1484812" y="1208531"/>
-            <a:ext cx="5411507" cy="4735069"/>
-          </a:xfrm>
-          <a:prstGeom prst="rect">
-            <a:avLst/>
-          </a:prstGeom>
-        </p:spPr>
-      </p:pic>
-      <p:sp>
-        <p:nvSpPr>
-          <p:cNvPr id="32" name="Rectangle 19">
-            <a:extLst>
-              <a:ext uri="{FF2B5EF4-FFF2-40B4-BE49-F238E27FC236}">
-                <a16:creationId xmlns:a16="http://schemas.microsoft.com/office/drawing/2014/main" id="{932CD2CD-6CF3-4EE9-A24A-A41D45DCF922}"/>
-              </a:ext>
-              <a:ext uri="{C183D7F6-B498-43B3-948B-1728B52AA6E4}">
-                <adec:decorative xmlns:adec="http://schemas.microsoft.com/office/drawing/2017/decorative" val="1"/>
-              </a:ext>
-            </a:extLst>
-          </p:cNvPr>
-          <p:cNvSpPr>
-            <a:spLocks noGrp="1" noRot="1" noChangeAspect="1" noMove="1" noResize="1" noEditPoints="1" noAdjustHandles="1" noChangeArrowheads="1" noChangeShapeType="1" noTextEdit="1"/>
-          </p:cNvSpPr>
-          <p:nvPr>
-            <p:extLst>
-              <p:ext uri="{386F3935-93C4-4BCD-93E2-E3B085C9AB24}">
-                <p16:designElem xmlns:p16="http://schemas.microsoft.com/office/powerpoint/2015/main" val="1"/>
-              </p:ext>
-            </p:extLst>
-          </p:nvPr>
-        </p:nvSpPr>
-        <p:spPr>
-          <a:xfrm>
-            <a:off x="8042147" y="723899"/>
-            <a:ext cx="3703320" cy="5666666"/>
-          </a:xfrm>
-          <a:prstGeom prst="rect">
-            <a:avLst/>
-          </a:prstGeom>
-          <a:solidFill>
-            <a:schemeClr val="accent1"/>
-          </a:solidFill>
-          <a:ln>
-            <a:noFill/>
-          </a:ln>
-          <a:effectLst/>
-        </p:spPr>
-        <p:style>
-          <a:lnRef idx="1">
-            <a:schemeClr val="accent1"/>
-          </a:lnRef>
-          <a:fillRef idx="3">
-            <a:schemeClr val="accent1"/>
-          </a:fillRef>
-          <a:effectRef idx="2">
-            <a:schemeClr val="accent1"/>
-          </a:effectRef>
-          <a:fontRef idx="minor">
-            <a:schemeClr val="lt1"/>
-          </a:fontRef>
-        </p:style>
-      </p:sp>
-      <p:sp>
-        <p:nvSpPr>
-          <p:cNvPr id="2" name="Titel 1">
-            <a:extLst>
-              <a:ext uri="{FF2B5EF4-FFF2-40B4-BE49-F238E27FC236}">
-                <a16:creationId xmlns:a16="http://schemas.microsoft.com/office/drawing/2014/main" id="{F5F23803-F4FC-4BCD-AEDF-F7BC86CF4E5A}"/>
-              </a:ext>
-            </a:extLst>
-          </p:cNvPr>
-          <p:cNvSpPr>
-            <a:spLocks noGrp="1"/>
-          </p:cNvSpPr>
-          <p:nvPr>
-            <p:ph type="title"/>
-          </p:nvPr>
-        </p:nvSpPr>
-        <p:spPr>
-          <a:xfrm>
-            <a:off x="8296275" y="1419225"/>
-            <a:ext cx="3081576" cy="2085869"/>
-          </a:xfrm>
-        </p:spPr>
-        <p:txBody>
-          <a:bodyPr vert="horz" lIns="91440" tIns="45720" rIns="91440" bIns="45720" rtlCol="0" anchor="b">
-            <a:normAutofit/>
-          </a:bodyPr>
-          <a:lstStyle/>
-          <a:p>
-            <a:r>
-              <a:rPr lang="en-US" sz="2500">
-                <a:solidFill>
-                  <a:srgbClr val="FFFFFF"/>
-                </a:solidFill>
-              </a:rPr>
-              <a:t>Konzeptionelles Modell</a:t>
-            </a:r>
-          </a:p>
-        </p:txBody>
-      </p:sp>
-      <p:sp>
-        <p:nvSpPr>
-          <p:cNvPr id="6" name="Fußzeilenplatzhalter 5">
-            <a:extLst>
-              <a:ext uri="{FF2B5EF4-FFF2-40B4-BE49-F238E27FC236}">
-                <a16:creationId xmlns:a16="http://schemas.microsoft.com/office/drawing/2014/main" id="{EFEBB996-FF29-45AD-B1E6-30FF37B96627}"/>
-              </a:ext>
-            </a:extLst>
-          </p:cNvPr>
-          <p:cNvSpPr>
-            <a:spLocks noGrp="1"/>
-          </p:cNvSpPr>
-          <p:nvPr>
-            <p:ph type="ftr" sz="quarter" idx="11"/>
-          </p:nvPr>
-        </p:nvSpPr>
-        <p:spPr/>
-        <p:txBody>
-          <a:bodyPr/>
-          <a:lstStyle/>
-          <a:p>
-            <a:r>
-              <a:rPr lang="de-DE"/>
-              <a:t>Gilgenreiner, Kleinegger, Sonnek | Gruppe 6 | 2019/20</a:t>
-            </a:r>
-            <a:endParaRPr lang="de-AT"/>
-          </a:p>
-        </p:txBody>
-      </p:sp>
-      <p:sp>
-        <p:nvSpPr>
-          <p:cNvPr id="7" name="Foliennummernplatzhalter 6">
-            <a:extLst>
-              <a:ext uri="{FF2B5EF4-FFF2-40B4-BE49-F238E27FC236}">
-                <a16:creationId xmlns:a16="http://schemas.microsoft.com/office/drawing/2014/main" id="{6476292B-F3D8-4F30-85BD-FBCF062E07DF}"/>
-              </a:ext>
-            </a:extLst>
-          </p:cNvPr>
-          <p:cNvSpPr>
-            <a:spLocks noGrp="1"/>
-          </p:cNvSpPr>
-          <p:nvPr>
-            <p:ph type="sldNum" sz="quarter" idx="12"/>
-          </p:nvPr>
-        </p:nvSpPr>
-        <p:spPr/>
-        <p:txBody>
-          <a:bodyPr/>
-          <a:lstStyle/>
-          <a:p>
-            <a:fld id="{940FB58F-067A-413C-9BD8-45C981AB8339}" type="slidenum">
-              <a:rPr lang="de-AT" smtClean="0"/>
-              <a:t>4</a:t>
-            </a:fld>
-            <a:endParaRPr lang="de-AT"/>
-          </a:p>
-        </p:txBody>
-      </p:sp>
-    </p:spTree>
-    <p:extLst>
-      <p:ext uri="{BB962C8B-B14F-4D97-AF65-F5344CB8AC3E}">
-        <p14:creationId xmlns:p14="http://schemas.microsoft.com/office/powerpoint/2010/main" val="2789474728"/>
-      </p:ext>
-    </p:extLst>
-  </p:cSld>
-  <p:clrMapOvr>
-    <a:masterClrMapping/>
-  </p:clrMapOvr>
-</p:sld>
-</file>
-
-<file path=ppt/slides/slide5.xml><?xml version="1.0" encoding="utf-8"?>
-<p:sld xmlns:a="http://schemas.openxmlformats.org/drawingml/2006/main" xmlns:r="http://schemas.openxmlformats.org/officeDocument/2006/relationships" xmlns:p="http://schemas.openxmlformats.org/presentationml/2006/main">
-  <p:cSld>
-    <p:bg>
-      <p:bgPr>
-        <a:solidFill>
-          <a:schemeClr val="bg1"/>
-        </a:solidFill>
-        <a:effectLst/>
-      </p:bgPr>
-    </p:bg>
-    <p:spTree>
-      <p:nvGrpSpPr>
-        <p:cNvPr id="1" name=""/>
-        <p:cNvGrpSpPr/>
-        <p:nvPr/>
-      </p:nvGrpSpPr>
-      <p:grpSpPr>
-        <a:xfrm>
-          <a:off x="0" y="0"/>
-          <a:ext cx="0" cy="0"/>
-          <a:chOff x="0" y="0"/>
-          <a:chExt cx="0" cy="0"/>
-        </a:xfrm>
-      </p:grpSpPr>
-      <p:sp>
-        <p:nvSpPr>
-          <p:cNvPr id="10" name="Rectangle 9">
-            <a:extLst>
-              <a:ext uri="{FF2B5EF4-FFF2-40B4-BE49-F238E27FC236}">
-                <a16:creationId xmlns:a16="http://schemas.microsoft.com/office/drawing/2014/main" id="{A499F183-99EE-4B1F-BA64-21A07922AE82}"/>
-              </a:ext>
-              <a:ext uri="{C183D7F6-B498-43B3-948B-1728B52AA6E4}">
-                <adec:decorative xmlns:adec="http://schemas.microsoft.com/office/drawing/2017/decorative" val="1"/>
-              </a:ext>
-            </a:extLst>
-          </p:cNvPr>
-          <p:cNvSpPr>
-            <a:spLocks noGrp="1" noRot="1" noChangeAspect="1" noMove="1" noResize="1" noEditPoints="1" noAdjustHandles="1" noChangeArrowheads="1" noChangeShapeType="1" noTextEdit="1"/>
-          </p:cNvSpPr>
-          <p:nvPr>
-            <p:extLst>
-              <p:ext uri="{386F3935-93C4-4BCD-93E2-E3B085C9AB24}">
-                <p16:designElem xmlns:p16="http://schemas.microsoft.com/office/powerpoint/2015/main" val="1"/>
-              </p:ext>
-            </p:extLst>
-          </p:nvPr>
-        </p:nvSpPr>
-        <p:spPr>
-          <a:xfrm>
-            <a:off x="446534" y="457200"/>
-            <a:ext cx="3703320" cy="94997"/>
-          </a:xfrm>
-          <a:prstGeom prst="rect">
-            <a:avLst/>
-          </a:prstGeom>
-          <a:solidFill>
-            <a:schemeClr val="accent1"/>
-          </a:solidFill>
-          <a:ln>
-            <a:noFill/>
-          </a:ln>
-          <a:effectLst/>
-        </p:spPr>
-        <p:style>
-          <a:lnRef idx="1">
-            <a:schemeClr val="accent1"/>
-          </a:lnRef>
-          <a:fillRef idx="3">
-            <a:schemeClr val="accent1"/>
-          </a:fillRef>
-          <a:effectRef idx="2">
-            <a:schemeClr val="accent1"/>
-          </a:effectRef>
-          <a:fontRef idx="minor">
-            <a:schemeClr val="lt1"/>
-          </a:fontRef>
-        </p:style>
-      </p:sp>
-      <p:sp>
-        <p:nvSpPr>
-          <p:cNvPr id="12" name="Rectangle 11">
-            <a:extLst>
-              <a:ext uri="{FF2B5EF4-FFF2-40B4-BE49-F238E27FC236}">
-                <a16:creationId xmlns:a16="http://schemas.microsoft.com/office/drawing/2014/main" id="{B783A767-5AFC-40D0-A72C-09036EA1726F}"/>
-              </a:ext>
-              <a:ext uri="{C183D7F6-B498-43B3-948B-1728B52AA6E4}">
-                <adec:decorative xmlns:adec="http://schemas.microsoft.com/office/drawing/2017/decorative" val="1"/>
-              </a:ext>
-            </a:extLst>
-          </p:cNvPr>
-          <p:cNvSpPr>
-            <a:spLocks noGrp="1" noRot="1" noChangeAspect="1" noMove="1" noResize="1" noEditPoints="1" noAdjustHandles="1" noChangeArrowheads="1" noChangeShapeType="1" noTextEdit="1"/>
-          </p:cNvSpPr>
-          <p:nvPr>
-            <p:extLst>
-              <p:ext uri="{386F3935-93C4-4BCD-93E2-E3B085C9AB24}">
-                <p16:designElem xmlns:p16="http://schemas.microsoft.com/office/powerpoint/2015/main" val="1"/>
-              </p:ext>
-            </p:extLst>
-          </p:nvPr>
-        </p:nvSpPr>
-        <p:spPr>
-          <a:xfrm>
-            <a:off x="8042147" y="453643"/>
-            <a:ext cx="3703320" cy="98554"/>
-          </a:xfrm>
-          <a:prstGeom prst="rect">
-            <a:avLst/>
-          </a:prstGeom>
-          <a:solidFill>
-            <a:schemeClr val="accent4"/>
-          </a:solidFill>
-          <a:ln>
-            <a:noFill/>
-          </a:ln>
-          <a:effectLst/>
-        </p:spPr>
-        <p:style>
-          <a:lnRef idx="1">
-            <a:schemeClr val="accent1"/>
-          </a:lnRef>
-          <a:fillRef idx="3">
-            <a:schemeClr val="accent1"/>
-          </a:fillRef>
-          <a:effectRef idx="2">
-            <a:schemeClr val="accent1"/>
-          </a:effectRef>
-          <a:fontRef idx="minor">
-            <a:schemeClr val="lt1"/>
-          </a:fontRef>
-        </p:style>
-      </p:sp>
-      <p:sp>
-        <p:nvSpPr>
-          <p:cNvPr id="14" name="Rectangle 13">
-            <a:extLst>
-              <a:ext uri="{FF2B5EF4-FFF2-40B4-BE49-F238E27FC236}">
-                <a16:creationId xmlns:a16="http://schemas.microsoft.com/office/drawing/2014/main" id="{41262CAC-6BC8-43F9-9113-770A2772F68C}"/>
-              </a:ext>
-              <a:ext uri="{C183D7F6-B498-43B3-948B-1728B52AA6E4}">
-                <adec:decorative xmlns:adec="http://schemas.microsoft.com/office/drawing/2017/decorative" val="1"/>
-              </a:ext>
-            </a:extLst>
-          </p:cNvPr>
-          <p:cNvSpPr>
-            <a:spLocks noGrp="1" noRot="1" noChangeAspect="1" noMove="1" noResize="1" noEditPoints="1" noAdjustHandles="1" noChangeArrowheads="1" noChangeShapeType="1" noTextEdit="1"/>
-          </p:cNvSpPr>
-          <p:nvPr>
-            <p:extLst>
-              <p:ext uri="{386F3935-93C4-4BCD-93E2-E3B085C9AB24}">
-                <p16:designElem xmlns:p16="http://schemas.microsoft.com/office/powerpoint/2015/main" val="1"/>
-              </p:ext>
-            </p:extLst>
-          </p:nvPr>
-        </p:nvSpPr>
-        <p:spPr>
-          <a:xfrm>
-            <a:off x="4241830" y="457200"/>
-            <a:ext cx="3703320" cy="91440"/>
-          </a:xfrm>
-          <a:prstGeom prst="rect">
-            <a:avLst/>
-          </a:prstGeom>
-          <a:solidFill>
-            <a:schemeClr val="accent2"/>
-          </a:solidFill>
-          <a:ln>
-            <a:noFill/>
-          </a:ln>
-          <a:effectLst/>
-        </p:spPr>
-        <p:style>
-          <a:lnRef idx="1">
-            <a:schemeClr val="accent1"/>
-          </a:lnRef>
-          <a:fillRef idx="3">
-            <a:schemeClr val="accent1"/>
-          </a:fillRef>
-          <a:effectRef idx="2">
-            <a:schemeClr val="accent1"/>
-          </a:effectRef>
-          <a:fontRef idx="minor">
-            <a:schemeClr val="lt1"/>
-          </a:fontRef>
-        </p:style>
-      </p:sp>
-      <p:sp>
-        <p:nvSpPr>
-          <p:cNvPr id="16" name="Rectangle 15">
-            <a:extLst>
-              <a:ext uri="{FF2B5EF4-FFF2-40B4-BE49-F238E27FC236}">
-                <a16:creationId xmlns:a16="http://schemas.microsoft.com/office/drawing/2014/main" id="{1AA2CCB6-DFD2-41CD-96FE-0140B793599F}"/>
-              </a:ext>
-              <a:ext uri="{C183D7F6-B498-43B3-948B-1728B52AA6E4}">
-                <adec:decorative xmlns:adec="http://schemas.microsoft.com/office/drawing/2017/decorative" val="1"/>
-              </a:ext>
-            </a:extLst>
-          </p:cNvPr>
-          <p:cNvSpPr>
-            <a:spLocks noGrp="1" noRot="1" noChangeAspect="1" noMove="1" noResize="1" noEditPoints="1" noAdjustHandles="1" noChangeArrowheads="1" noChangeShapeType="1" noTextEdit="1"/>
-          </p:cNvSpPr>
-          <p:nvPr>
-            <p:extLst>
-              <p:ext uri="{386F3935-93C4-4BCD-93E2-E3B085C9AB24}">
-                <p16:designElem xmlns:p16="http://schemas.microsoft.com/office/powerpoint/2015/main" val="1"/>
-              </p:ext>
-            </p:extLst>
-          </p:nvPr>
-        </p:nvSpPr>
-        <p:spPr>
-          <a:xfrm>
-            <a:off x="446534" y="3085765"/>
-            <a:ext cx="11262866" cy="3304800"/>
-          </a:xfrm>
-          <a:prstGeom prst="rect">
-            <a:avLst/>
-          </a:prstGeom>
-          <a:solidFill>
-            <a:schemeClr val="accent1"/>
-          </a:solidFill>
-          <a:ln>
-            <a:noFill/>
-          </a:ln>
-          <a:effectLst/>
-        </p:spPr>
-        <p:style>
-          <a:lnRef idx="1">
-            <a:schemeClr val="accent1"/>
-          </a:lnRef>
-          <a:fillRef idx="3">
-            <a:schemeClr val="accent1"/>
-          </a:fillRef>
-          <a:effectRef idx="2">
-            <a:schemeClr val="accent1"/>
-          </a:effectRef>
-          <a:fontRef idx="minor">
-            <a:schemeClr val="lt1"/>
-          </a:fontRef>
-        </p:style>
-      </p:sp>
-      <p:sp useBgFill="1">
-        <p:nvSpPr>
-          <p:cNvPr id="18" name="Rectangle 17">
-            <a:extLst>
-              <a:ext uri="{FF2B5EF4-FFF2-40B4-BE49-F238E27FC236}">
-                <a16:creationId xmlns:a16="http://schemas.microsoft.com/office/drawing/2014/main" id="{6A225C9B-755F-4F91-9681-5E07AFAA71F4}"/>
-              </a:ext>
-              <a:ext uri="{C183D7F6-B498-43B3-948B-1728B52AA6E4}">
-                <adec:decorative xmlns:adec="http://schemas.microsoft.com/office/drawing/2017/decorative" val="1"/>
-              </a:ext>
-            </a:extLst>
-          </p:cNvPr>
-          <p:cNvSpPr>
-            <a:spLocks noGrp="1" noRot="1" noChangeAspect="1" noMove="1" noResize="1" noEditPoints="1" noAdjustHandles="1" noChangeArrowheads="1" noChangeShapeType="1" noTextEdit="1"/>
-          </p:cNvSpPr>
-          <p:nvPr>
-            <p:extLst>
-              <p:ext uri="{386F3935-93C4-4BCD-93E2-E3B085C9AB24}">
-                <p16:designElem xmlns:p16="http://schemas.microsoft.com/office/powerpoint/2015/main" val="1"/>
-              </p:ext>
-            </p:extLst>
-          </p:nvPr>
-        </p:nvSpPr>
-        <p:spPr>
-          <a:xfrm>
-            <a:off x="0" y="638175"/>
-            <a:ext cx="12191999" cy="6219825"/>
-          </a:xfrm>
-          <a:prstGeom prst="rect">
-            <a:avLst/>
-          </a:prstGeom>
-          <a:ln>
-            <a:noFill/>
-          </a:ln>
-        </p:spPr>
-        <p:style>
-          <a:lnRef idx="2">
-            <a:schemeClr val="accent1">
-              <a:shade val="50000"/>
-            </a:schemeClr>
-          </a:lnRef>
-          <a:fillRef idx="1">
-            <a:schemeClr val="accent1"/>
-          </a:fillRef>
-          <a:effectRef idx="0">
-            <a:schemeClr val="accent1"/>
-          </a:effectRef>
-          <a:fontRef idx="minor">
-            <a:schemeClr val="lt1"/>
-          </a:fontRef>
-        </p:style>
-        <p:txBody>
-          <a:bodyPr rtlCol="0" anchor="ctr"/>
-          <a:lstStyle/>
-          <a:p>
-            <a:pPr algn="ctr"/>
-            <a:endParaRPr lang="en-US"/>
-          </a:p>
-        </p:txBody>
-      </p:sp>
-      <p:pic>
-        <p:nvPicPr>
-          <p:cNvPr id="5" name="Inhaltsplatzhalter 4" descr="Ein Bild, das Text, Karte enthält.&#10;&#10;Automatisch generierte Beschreibung">
-            <a:extLst>
-              <a:ext uri="{FF2B5EF4-FFF2-40B4-BE49-F238E27FC236}">
-                <a16:creationId xmlns:a16="http://schemas.microsoft.com/office/drawing/2014/main" id="{1B96C39C-50B6-45A9-BB2A-FB78BB388784}"/>
-              </a:ext>
-            </a:extLst>
-          </p:cNvPr>
-          <p:cNvPicPr>
-            <a:picLocks noGrp="1" noChangeAspect="1"/>
-          </p:cNvPicPr>
-          <p:nvPr>
-            <p:ph idx="1"/>
-          </p:nvPr>
-        </p:nvPicPr>
-        <p:blipFill>
-          <a:blip r:embed="rId2">
-            <a:extLst>
-              <a:ext uri="{28A0092B-C50C-407E-A947-70E740481C1C}">
-                <a14:useLocalDpi xmlns:a14="http://schemas.microsoft.com/office/drawing/2010/main" val="0"/>
-              </a:ext>
-            </a:extLst>
-          </a:blip>
-          <a:stretch>
-            <a:fillRect/>
-          </a:stretch>
-        </p:blipFill>
-        <p:spPr>
-          <a:xfrm>
-            <a:off x="1477470" y="813604"/>
-            <a:ext cx="5177034" cy="5138207"/>
-          </a:xfrm>
-          <a:prstGeom prst="rect">
-            <a:avLst/>
-          </a:prstGeom>
-        </p:spPr>
-      </p:pic>
-      <p:sp>
-        <p:nvSpPr>
-          <p:cNvPr id="20" name="Rectangle 19">
-            <a:extLst>
-              <a:ext uri="{FF2B5EF4-FFF2-40B4-BE49-F238E27FC236}">
-                <a16:creationId xmlns:a16="http://schemas.microsoft.com/office/drawing/2014/main" id="{932CD2CD-6CF3-4EE9-A24A-A41D45DCF922}"/>
-              </a:ext>
-              <a:ext uri="{C183D7F6-B498-43B3-948B-1728B52AA6E4}">
-                <adec:decorative xmlns:adec="http://schemas.microsoft.com/office/drawing/2017/decorative" val="1"/>
-              </a:ext>
-            </a:extLst>
-          </p:cNvPr>
-          <p:cNvSpPr>
-            <a:spLocks noGrp="1" noRot="1" noChangeAspect="1" noMove="1" noResize="1" noEditPoints="1" noAdjustHandles="1" noChangeArrowheads="1" noChangeShapeType="1" noTextEdit="1"/>
-          </p:cNvSpPr>
-          <p:nvPr>
-            <p:extLst>
-              <p:ext uri="{386F3935-93C4-4BCD-93E2-E3B085C9AB24}">
-                <p16:designElem xmlns:p16="http://schemas.microsoft.com/office/powerpoint/2015/main" val="1"/>
-              </p:ext>
-            </p:extLst>
-          </p:nvPr>
-        </p:nvSpPr>
-        <p:spPr>
-          <a:xfrm>
-            <a:off x="8042147" y="723899"/>
-            <a:ext cx="3703320" cy="5666666"/>
-          </a:xfrm>
-          <a:prstGeom prst="rect">
-            <a:avLst/>
-          </a:prstGeom>
-          <a:solidFill>
-            <a:schemeClr val="accent1"/>
-          </a:solidFill>
-          <a:ln>
-            <a:noFill/>
-          </a:ln>
-          <a:effectLst/>
-        </p:spPr>
-        <p:style>
-          <a:lnRef idx="1">
-            <a:schemeClr val="accent1"/>
-          </a:lnRef>
-          <a:fillRef idx="3">
-            <a:schemeClr val="accent1"/>
-          </a:fillRef>
-          <a:effectRef idx="2">
-            <a:schemeClr val="accent1"/>
-          </a:effectRef>
-          <a:fontRef idx="minor">
-            <a:schemeClr val="lt1"/>
-          </a:fontRef>
-        </p:style>
-      </p:sp>
-      <p:sp>
-        <p:nvSpPr>
-          <p:cNvPr id="2" name="Titel 1">
-            <a:extLst>
-              <a:ext uri="{FF2B5EF4-FFF2-40B4-BE49-F238E27FC236}">
-                <a16:creationId xmlns:a16="http://schemas.microsoft.com/office/drawing/2014/main" id="{11FA14A6-B345-43DD-AE33-8F3EE5B2DE03}"/>
-              </a:ext>
-            </a:extLst>
-          </p:cNvPr>
-          <p:cNvSpPr>
-            <a:spLocks noGrp="1"/>
-          </p:cNvSpPr>
-          <p:nvPr>
-            <p:ph type="title"/>
-          </p:nvPr>
-        </p:nvSpPr>
-        <p:spPr>
-          <a:xfrm>
-            <a:off x="8296275" y="1419225"/>
-            <a:ext cx="3081576" cy="2085869"/>
-          </a:xfrm>
-        </p:spPr>
-        <p:txBody>
-          <a:bodyPr vert="horz" lIns="91440" tIns="45720" rIns="91440" bIns="45720" rtlCol="0" anchor="b">
-            <a:normAutofit/>
-          </a:bodyPr>
-          <a:lstStyle/>
-          <a:p>
-            <a:r>
-              <a:rPr lang="en-US" sz="3600">
-                <a:solidFill>
-                  <a:srgbClr val="FFFFFF"/>
-                </a:solidFill>
-              </a:rPr>
-              <a:t>Logisches Modell</a:t>
-            </a:r>
-          </a:p>
-        </p:txBody>
-      </p:sp>
-      <p:sp>
-        <p:nvSpPr>
-          <p:cNvPr id="6" name="Fußzeilenplatzhalter 5">
-            <a:extLst>
-              <a:ext uri="{FF2B5EF4-FFF2-40B4-BE49-F238E27FC236}">
-                <a16:creationId xmlns:a16="http://schemas.microsoft.com/office/drawing/2014/main" id="{EE827FE5-CF78-42CA-A75C-8A01AE5039FC}"/>
-              </a:ext>
-            </a:extLst>
-          </p:cNvPr>
-          <p:cNvSpPr>
-            <a:spLocks noGrp="1"/>
-          </p:cNvSpPr>
-          <p:nvPr>
-            <p:ph type="ftr" sz="quarter" idx="11"/>
-          </p:nvPr>
-        </p:nvSpPr>
-        <p:spPr/>
-        <p:txBody>
-          <a:bodyPr/>
-          <a:lstStyle/>
-          <a:p>
-            <a:r>
-              <a:rPr lang="de-DE"/>
-              <a:t>Gilgenreiner, Kleinegger, Sonnek | Gruppe 6 | 2019/20</a:t>
-            </a:r>
-            <a:endParaRPr lang="de-AT"/>
-          </a:p>
-        </p:txBody>
-      </p:sp>
-      <p:sp>
-        <p:nvSpPr>
-          <p:cNvPr id="7" name="Foliennummernplatzhalter 6">
-            <a:extLst>
-              <a:ext uri="{FF2B5EF4-FFF2-40B4-BE49-F238E27FC236}">
-                <a16:creationId xmlns:a16="http://schemas.microsoft.com/office/drawing/2014/main" id="{9F8D696E-26BB-4845-A31E-161091538E7E}"/>
-              </a:ext>
-            </a:extLst>
-          </p:cNvPr>
-          <p:cNvSpPr>
-            <a:spLocks noGrp="1"/>
-          </p:cNvSpPr>
-          <p:nvPr>
-            <p:ph type="sldNum" sz="quarter" idx="12"/>
-          </p:nvPr>
-        </p:nvSpPr>
-        <p:spPr/>
-        <p:txBody>
-          <a:bodyPr/>
-          <a:lstStyle/>
-          <a:p>
-            <a:fld id="{940FB58F-067A-413C-9BD8-45C981AB8339}" type="slidenum">
-              <a:rPr lang="de-AT" smtClean="0"/>
-              <a:t>5</a:t>
-            </a:fld>
-            <a:endParaRPr lang="de-AT"/>
-          </a:p>
-        </p:txBody>
-      </p:sp>
-    </p:spTree>
-    <p:extLst>
-      <p:ext uri="{BB962C8B-B14F-4D97-AF65-F5344CB8AC3E}">
-        <p14:creationId xmlns:p14="http://schemas.microsoft.com/office/powerpoint/2010/main" val="197728398"/>
-      </p:ext>
-    </p:extLst>
-  </p:cSld>
-  <p:clrMapOvr>
-    <a:masterClrMapping/>
-  </p:clrMapOvr>
-</p:sld>
-</file>
-
-<file path=ppt/slides/slide6.xml><?xml version="1.0" encoding="utf-8"?>
-<p:sld xmlns:a="http://schemas.openxmlformats.org/drawingml/2006/main" xmlns:r="http://schemas.openxmlformats.org/officeDocument/2006/relationships" xmlns:p="http://schemas.openxmlformats.org/presentationml/2006/main">
-  <p:cSld>
-    <p:bg>
-      <p:bgPr>
-        <a:solidFill>
-          <a:schemeClr val="bg1"/>
-        </a:solidFill>
-        <a:effectLst/>
-      </p:bgPr>
-    </p:bg>
-    <p:spTree>
-      <p:nvGrpSpPr>
-        <p:cNvPr id="1" name=""/>
-        <p:cNvGrpSpPr/>
-        <p:nvPr/>
-      </p:nvGrpSpPr>
-      <p:grpSpPr>
-        <a:xfrm>
-          <a:off x="0" y="0"/>
-          <a:ext cx="0" cy="0"/>
-          <a:chOff x="0" y="0"/>
-          <a:chExt cx="0" cy="0"/>
-        </a:xfrm>
-      </p:grpSpPr>
-      <p:sp>
-        <p:nvSpPr>
-          <p:cNvPr id="30" name="Rectangle 9">
-            <a:extLst>
-              <a:ext uri="{FF2B5EF4-FFF2-40B4-BE49-F238E27FC236}">
-                <a16:creationId xmlns:a16="http://schemas.microsoft.com/office/drawing/2014/main" id="{A499F183-99EE-4B1F-BA64-21A07922AE82}"/>
-              </a:ext>
-              <a:ext uri="{C183D7F6-B498-43B3-948B-1728B52AA6E4}">
-                <adec:decorative xmlns:adec="http://schemas.microsoft.com/office/drawing/2017/decorative" val="1"/>
-              </a:ext>
-            </a:extLst>
-          </p:cNvPr>
-          <p:cNvSpPr>
-            <a:spLocks noGrp="1" noRot="1" noChangeAspect="1" noMove="1" noResize="1" noEditPoints="1" noAdjustHandles="1" noChangeArrowheads="1" noChangeShapeType="1" noTextEdit="1"/>
-          </p:cNvSpPr>
-          <p:nvPr>
-            <p:extLst>
-              <p:ext uri="{386F3935-93C4-4BCD-93E2-E3B085C9AB24}">
-                <p16:designElem xmlns:p16="http://schemas.microsoft.com/office/powerpoint/2015/main" val="1"/>
-              </p:ext>
-            </p:extLst>
-          </p:nvPr>
-        </p:nvSpPr>
-        <p:spPr>
-          <a:xfrm>
-            <a:off x="446534" y="457200"/>
-            <a:ext cx="3703320" cy="94997"/>
-          </a:xfrm>
-          <a:prstGeom prst="rect">
-            <a:avLst/>
-          </a:prstGeom>
-          <a:solidFill>
-            <a:schemeClr val="accent1"/>
-          </a:solidFill>
-          <a:ln>
-            <a:noFill/>
-          </a:ln>
-          <a:effectLst/>
-        </p:spPr>
-        <p:style>
-          <a:lnRef idx="1">
-            <a:schemeClr val="accent1"/>
-          </a:lnRef>
-          <a:fillRef idx="3">
-            <a:schemeClr val="accent1"/>
-          </a:fillRef>
-          <a:effectRef idx="2">
-            <a:schemeClr val="accent1"/>
-          </a:effectRef>
-          <a:fontRef idx="minor">
-            <a:schemeClr val="lt1"/>
-          </a:fontRef>
-        </p:style>
-      </p:sp>
-      <p:sp>
-        <p:nvSpPr>
-          <p:cNvPr id="12" name="Rectangle 11">
-            <a:extLst>
-              <a:ext uri="{FF2B5EF4-FFF2-40B4-BE49-F238E27FC236}">
-                <a16:creationId xmlns:a16="http://schemas.microsoft.com/office/drawing/2014/main" id="{B783A767-5AFC-40D0-A72C-09036EA1726F}"/>
-              </a:ext>
-              <a:ext uri="{C183D7F6-B498-43B3-948B-1728B52AA6E4}">
-                <adec:decorative xmlns:adec="http://schemas.microsoft.com/office/drawing/2017/decorative" val="1"/>
-              </a:ext>
-            </a:extLst>
-          </p:cNvPr>
-          <p:cNvSpPr>
-            <a:spLocks noGrp="1" noRot="1" noChangeAspect="1" noMove="1" noResize="1" noEditPoints="1" noAdjustHandles="1" noChangeArrowheads="1" noChangeShapeType="1" noTextEdit="1"/>
-          </p:cNvSpPr>
-          <p:nvPr>
-            <p:extLst>
-              <p:ext uri="{386F3935-93C4-4BCD-93E2-E3B085C9AB24}">
-                <p16:designElem xmlns:p16="http://schemas.microsoft.com/office/powerpoint/2015/main" val="1"/>
-              </p:ext>
-            </p:extLst>
-          </p:nvPr>
-        </p:nvSpPr>
-        <p:spPr>
-          <a:xfrm>
-            <a:off x="8042147" y="453643"/>
-            <a:ext cx="3703320" cy="98554"/>
-          </a:xfrm>
-          <a:prstGeom prst="rect">
-            <a:avLst/>
-          </a:prstGeom>
-          <a:solidFill>
-            <a:schemeClr val="accent4"/>
-          </a:solidFill>
-          <a:ln>
-            <a:noFill/>
-          </a:ln>
-          <a:effectLst/>
-        </p:spPr>
-        <p:style>
-          <a:lnRef idx="1">
-            <a:schemeClr val="accent1"/>
-          </a:lnRef>
-          <a:fillRef idx="3">
-            <a:schemeClr val="accent1"/>
-          </a:fillRef>
-          <a:effectRef idx="2">
-            <a:schemeClr val="accent1"/>
-          </a:effectRef>
-          <a:fontRef idx="minor">
-            <a:schemeClr val="lt1"/>
-          </a:fontRef>
-        </p:style>
-      </p:sp>
-      <p:sp>
-        <p:nvSpPr>
-          <p:cNvPr id="14" name="Rectangle 13">
-            <a:extLst>
-              <a:ext uri="{FF2B5EF4-FFF2-40B4-BE49-F238E27FC236}">
-                <a16:creationId xmlns:a16="http://schemas.microsoft.com/office/drawing/2014/main" id="{41262CAC-6BC8-43F9-9113-770A2772F68C}"/>
-              </a:ext>
-              <a:ext uri="{C183D7F6-B498-43B3-948B-1728B52AA6E4}">
-                <adec:decorative xmlns:adec="http://schemas.microsoft.com/office/drawing/2017/decorative" val="1"/>
-              </a:ext>
-            </a:extLst>
-          </p:cNvPr>
-          <p:cNvSpPr>
-            <a:spLocks noGrp="1" noRot="1" noChangeAspect="1" noMove="1" noResize="1" noEditPoints="1" noAdjustHandles="1" noChangeArrowheads="1" noChangeShapeType="1" noTextEdit="1"/>
-          </p:cNvSpPr>
-          <p:nvPr>
-            <p:extLst>
-              <p:ext uri="{386F3935-93C4-4BCD-93E2-E3B085C9AB24}">
-                <p16:designElem xmlns:p16="http://schemas.microsoft.com/office/powerpoint/2015/main" val="1"/>
-              </p:ext>
-            </p:extLst>
-          </p:nvPr>
-        </p:nvSpPr>
-        <p:spPr>
-          <a:xfrm>
-            <a:off x="4241830" y="457200"/>
-            <a:ext cx="3703320" cy="91440"/>
-          </a:xfrm>
-          <a:prstGeom prst="rect">
-            <a:avLst/>
-          </a:prstGeom>
-          <a:solidFill>
-            <a:schemeClr val="accent2"/>
-          </a:solidFill>
-          <a:ln>
-            <a:noFill/>
-          </a:ln>
-          <a:effectLst/>
-        </p:spPr>
-        <p:style>
-          <a:lnRef idx="1">
-            <a:schemeClr val="accent1"/>
-          </a:lnRef>
-          <a:fillRef idx="3">
-            <a:schemeClr val="accent1"/>
-          </a:fillRef>
-          <a:effectRef idx="2">
-            <a:schemeClr val="accent1"/>
-          </a:effectRef>
-          <a:fontRef idx="minor">
-            <a:schemeClr val="lt1"/>
-          </a:fontRef>
-        </p:style>
-      </p:sp>
-      <p:sp>
-        <p:nvSpPr>
-          <p:cNvPr id="31" name="Rectangle 15">
-            <a:extLst>
-              <a:ext uri="{FF2B5EF4-FFF2-40B4-BE49-F238E27FC236}">
-                <a16:creationId xmlns:a16="http://schemas.microsoft.com/office/drawing/2014/main" id="{1AA2CCB6-DFD2-41CD-96FE-0140B793599F}"/>
-              </a:ext>
-              <a:ext uri="{C183D7F6-B498-43B3-948B-1728B52AA6E4}">
-                <adec:decorative xmlns:adec="http://schemas.microsoft.com/office/drawing/2017/decorative" val="1"/>
-              </a:ext>
-            </a:extLst>
-          </p:cNvPr>
-          <p:cNvSpPr>
-            <a:spLocks noGrp="1" noRot="1" noChangeAspect="1" noMove="1" noResize="1" noEditPoints="1" noAdjustHandles="1" noChangeArrowheads="1" noChangeShapeType="1" noTextEdit="1"/>
-          </p:cNvSpPr>
-          <p:nvPr>
-            <p:extLst>
-              <p:ext uri="{386F3935-93C4-4BCD-93E2-E3B085C9AB24}">
-                <p16:designElem xmlns:p16="http://schemas.microsoft.com/office/powerpoint/2015/main" val="1"/>
-              </p:ext>
-            </p:extLst>
-          </p:nvPr>
-        </p:nvSpPr>
-        <p:spPr>
-          <a:xfrm>
-            <a:off x="446534" y="3085765"/>
-            <a:ext cx="11262866" cy="3304800"/>
-          </a:xfrm>
-          <a:prstGeom prst="rect">
-            <a:avLst/>
-          </a:prstGeom>
-          <a:solidFill>
-            <a:schemeClr val="accent1"/>
-          </a:solidFill>
-          <a:ln>
-            <a:noFill/>
-          </a:ln>
-          <a:effectLst/>
-        </p:spPr>
-        <p:style>
-          <a:lnRef idx="1">
-            <a:schemeClr val="accent1"/>
-          </a:lnRef>
-          <a:fillRef idx="3">
-            <a:schemeClr val="accent1"/>
-          </a:fillRef>
-          <a:effectRef idx="2">
-            <a:schemeClr val="accent1"/>
-          </a:effectRef>
-          <a:fontRef idx="minor">
-            <a:schemeClr val="lt1"/>
-          </a:fontRef>
-        </p:style>
-      </p:sp>
-      <p:sp useBgFill="1">
-        <p:nvSpPr>
-          <p:cNvPr id="32" name="Rectangle 17">
-            <a:extLst>
-              <a:ext uri="{FF2B5EF4-FFF2-40B4-BE49-F238E27FC236}">
-                <a16:creationId xmlns:a16="http://schemas.microsoft.com/office/drawing/2014/main" id="{6A225C9B-755F-4F91-9681-5E07AFAA71F4}"/>
-              </a:ext>
-              <a:ext uri="{C183D7F6-B498-43B3-948B-1728B52AA6E4}">
-                <adec:decorative xmlns:adec="http://schemas.microsoft.com/office/drawing/2017/decorative" val="1"/>
-              </a:ext>
-            </a:extLst>
-          </p:cNvPr>
-          <p:cNvSpPr>
-            <a:spLocks noGrp="1" noRot="1" noChangeAspect="1" noMove="1" noResize="1" noEditPoints="1" noAdjustHandles="1" noChangeArrowheads="1" noChangeShapeType="1" noTextEdit="1"/>
-          </p:cNvSpPr>
-          <p:nvPr>
-            <p:extLst>
-              <p:ext uri="{386F3935-93C4-4BCD-93E2-E3B085C9AB24}">
-                <p16:designElem xmlns:p16="http://schemas.microsoft.com/office/powerpoint/2015/main" val="1"/>
-              </p:ext>
-            </p:extLst>
-          </p:nvPr>
-        </p:nvSpPr>
-        <p:spPr>
-          <a:xfrm>
-            <a:off x="0" y="638175"/>
-            <a:ext cx="12191999" cy="6219825"/>
-          </a:xfrm>
-          <a:prstGeom prst="rect">
-            <a:avLst/>
-          </a:prstGeom>
-          <a:ln>
-            <a:noFill/>
-          </a:ln>
-        </p:spPr>
-        <p:style>
-          <a:lnRef idx="2">
-            <a:schemeClr val="accent1">
-              <a:shade val="50000"/>
-            </a:schemeClr>
-          </a:lnRef>
-          <a:fillRef idx="1">
-            <a:schemeClr val="accent1"/>
-          </a:fillRef>
-          <a:effectRef idx="0">
-            <a:schemeClr val="accent1"/>
-          </a:effectRef>
-          <a:fontRef idx="minor">
-            <a:schemeClr val="lt1"/>
-          </a:fontRef>
-        </p:style>
-        <p:txBody>
-          <a:bodyPr rtlCol="0" anchor="ctr"/>
-          <a:lstStyle/>
-          <a:p>
-            <a:pPr algn="ctr"/>
-            <a:endParaRPr lang="en-US"/>
-          </a:p>
-        </p:txBody>
-      </p:sp>
-      <p:pic>
-        <p:nvPicPr>
-          <p:cNvPr id="5" name="Inhaltsplatzhalter 4" descr="Ein Bild, das Text, Karte enthält.&#10;&#10;Automatisch generierte Beschreibung">
-            <a:extLst>
-              <a:ext uri="{FF2B5EF4-FFF2-40B4-BE49-F238E27FC236}">
-                <a16:creationId xmlns:a16="http://schemas.microsoft.com/office/drawing/2014/main" id="{321EADE6-7F1A-45FD-B8D2-8010F2184E1F}"/>
-              </a:ext>
-            </a:extLst>
-          </p:cNvPr>
-          <p:cNvPicPr>
-            <a:picLocks noGrp="1" noChangeAspect="1"/>
-          </p:cNvPicPr>
-          <p:nvPr>
-            <p:ph idx="1"/>
-          </p:nvPr>
-        </p:nvPicPr>
-        <p:blipFill>
-          <a:blip r:embed="rId2">
-            <a:extLst>
-              <a:ext uri="{28A0092B-C50C-407E-A947-70E740481C1C}">
-                <a14:useLocalDpi xmlns:a14="http://schemas.microsoft.com/office/drawing/2010/main" val="0"/>
-              </a:ext>
-            </a:extLst>
-          </a:blip>
-          <a:stretch>
-            <a:fillRect/>
-          </a:stretch>
-        </p:blipFill>
-        <p:spPr>
-          <a:xfrm>
-            <a:off x="2912020" y="806410"/>
-            <a:ext cx="3783264" cy="5584155"/>
-          </a:xfrm>
-          <a:prstGeom prst="rect">
-            <a:avLst/>
-          </a:prstGeom>
-        </p:spPr>
-      </p:pic>
-      <p:sp>
-        <p:nvSpPr>
-          <p:cNvPr id="33" name="Rectangle 19">
-            <a:extLst>
-              <a:ext uri="{FF2B5EF4-FFF2-40B4-BE49-F238E27FC236}">
-                <a16:creationId xmlns:a16="http://schemas.microsoft.com/office/drawing/2014/main" id="{932CD2CD-6CF3-4EE9-A24A-A41D45DCF922}"/>
-              </a:ext>
-              <a:ext uri="{C183D7F6-B498-43B3-948B-1728B52AA6E4}">
-                <adec:decorative xmlns:adec="http://schemas.microsoft.com/office/drawing/2017/decorative" val="1"/>
-              </a:ext>
-            </a:extLst>
-          </p:cNvPr>
-          <p:cNvSpPr>
-            <a:spLocks noGrp="1" noRot="1" noChangeAspect="1" noMove="1" noResize="1" noEditPoints="1" noAdjustHandles="1" noChangeArrowheads="1" noChangeShapeType="1" noTextEdit="1"/>
-          </p:cNvSpPr>
-          <p:nvPr>
-            <p:extLst>
-              <p:ext uri="{386F3935-93C4-4BCD-93E2-E3B085C9AB24}">
-                <p16:designElem xmlns:p16="http://schemas.microsoft.com/office/powerpoint/2015/main" val="1"/>
-              </p:ext>
-            </p:extLst>
-          </p:nvPr>
-        </p:nvSpPr>
-        <p:spPr>
-          <a:xfrm>
-            <a:off x="8042147" y="723899"/>
-            <a:ext cx="3703320" cy="5666666"/>
-          </a:xfrm>
-          <a:prstGeom prst="rect">
-            <a:avLst/>
-          </a:prstGeom>
-          <a:solidFill>
-            <a:schemeClr val="accent1"/>
-          </a:solidFill>
-          <a:ln>
-            <a:noFill/>
-          </a:ln>
-          <a:effectLst/>
-        </p:spPr>
-        <p:style>
-          <a:lnRef idx="1">
-            <a:schemeClr val="accent1"/>
-          </a:lnRef>
-          <a:fillRef idx="3">
-            <a:schemeClr val="accent1"/>
-          </a:fillRef>
-          <a:effectRef idx="2">
-            <a:schemeClr val="accent1"/>
-          </a:effectRef>
-          <a:fontRef idx="minor">
-            <a:schemeClr val="lt1"/>
-          </a:fontRef>
-        </p:style>
-      </p:sp>
-      <p:sp>
-        <p:nvSpPr>
-          <p:cNvPr id="2" name="Titel 1">
-            <a:extLst>
-              <a:ext uri="{FF2B5EF4-FFF2-40B4-BE49-F238E27FC236}">
-                <a16:creationId xmlns:a16="http://schemas.microsoft.com/office/drawing/2014/main" id="{8BA2965F-77C0-4512-847C-1AB55E2F2EDC}"/>
-              </a:ext>
-            </a:extLst>
-          </p:cNvPr>
-          <p:cNvSpPr>
-            <a:spLocks noGrp="1"/>
-          </p:cNvSpPr>
-          <p:nvPr>
-            <p:ph type="title"/>
-          </p:nvPr>
-        </p:nvSpPr>
-        <p:spPr>
-          <a:xfrm>
-            <a:off x="8296275" y="1419225"/>
-            <a:ext cx="3081576" cy="2085869"/>
-          </a:xfrm>
-        </p:spPr>
-        <p:txBody>
-          <a:bodyPr vert="horz" lIns="91440" tIns="45720" rIns="91440" bIns="45720" rtlCol="0" anchor="b">
-            <a:normAutofit/>
-          </a:bodyPr>
-          <a:lstStyle/>
-          <a:p>
-            <a:r>
-              <a:rPr lang="en-US" sz="3600">
-                <a:solidFill>
-                  <a:srgbClr val="FFFFFF"/>
-                </a:solidFill>
-              </a:rPr>
-              <a:t>Usecase Diagramm</a:t>
-            </a:r>
-          </a:p>
-        </p:txBody>
-      </p:sp>
-      <p:sp>
-        <p:nvSpPr>
-          <p:cNvPr id="6" name="Fußzeilenplatzhalter 5">
-            <a:extLst>
-              <a:ext uri="{FF2B5EF4-FFF2-40B4-BE49-F238E27FC236}">
-                <a16:creationId xmlns:a16="http://schemas.microsoft.com/office/drawing/2014/main" id="{8A5A36C8-7A4A-420A-A6AF-8504E6127D4F}"/>
-              </a:ext>
-            </a:extLst>
-          </p:cNvPr>
-          <p:cNvSpPr>
-            <a:spLocks noGrp="1"/>
-          </p:cNvSpPr>
-          <p:nvPr>
-            <p:ph type="ftr" sz="quarter" idx="11"/>
-          </p:nvPr>
-        </p:nvSpPr>
-        <p:spPr/>
-        <p:txBody>
-          <a:bodyPr/>
-          <a:lstStyle/>
-          <a:p>
-            <a:r>
-              <a:rPr lang="de-DE"/>
-              <a:t>Gilgenreiner, Kleinegger, Sonnek | Gruppe 6 | 2019/20</a:t>
-            </a:r>
-            <a:endParaRPr lang="de-AT"/>
-          </a:p>
-        </p:txBody>
-      </p:sp>
-      <p:sp>
-        <p:nvSpPr>
-          <p:cNvPr id="7" name="Foliennummernplatzhalter 6">
-            <a:extLst>
-              <a:ext uri="{FF2B5EF4-FFF2-40B4-BE49-F238E27FC236}">
-                <a16:creationId xmlns:a16="http://schemas.microsoft.com/office/drawing/2014/main" id="{0872823E-F7B5-4394-A185-DFB3C5D0ADE2}"/>
-              </a:ext>
-            </a:extLst>
-          </p:cNvPr>
-          <p:cNvSpPr>
-            <a:spLocks noGrp="1"/>
-          </p:cNvSpPr>
-          <p:nvPr>
-            <p:ph type="sldNum" sz="quarter" idx="12"/>
-          </p:nvPr>
-        </p:nvSpPr>
-        <p:spPr/>
-        <p:txBody>
-          <a:bodyPr/>
-          <a:lstStyle/>
-          <a:p>
-            <a:fld id="{940FB58F-067A-413C-9BD8-45C981AB8339}" type="slidenum">
-              <a:rPr lang="de-AT" smtClean="0"/>
-              <a:t>6</a:t>
-            </a:fld>
-            <a:endParaRPr lang="de-AT"/>
-          </a:p>
-        </p:txBody>
-      </p:sp>
-    </p:spTree>
-    <p:extLst>
-      <p:ext uri="{BB962C8B-B14F-4D97-AF65-F5344CB8AC3E}">
-        <p14:creationId xmlns:p14="http://schemas.microsoft.com/office/powerpoint/2010/main" val="3450908192"/>
-      </p:ext>
-    </p:extLst>
-  </p:cSld>
-  <p:clrMapOvr>
-    <a:masterClrMapping/>
-  </p:clrMapOvr>
-</p:sld>
-</file>
-
-<file path=ppt/slides/slide7.xml><?xml version="1.0" encoding="utf-8"?>
-<p:sld xmlns:a="http://schemas.openxmlformats.org/drawingml/2006/main" xmlns:r="http://schemas.openxmlformats.org/officeDocument/2006/relationships" xmlns:p="http://schemas.openxmlformats.org/presentationml/2006/main">
-  <p:cSld>
-    <p:bg>
-      <p:bgPr>
-        <a:solidFill>
-          <a:schemeClr val="bg1"/>
-        </a:solidFill>
-        <a:effectLst/>
-      </p:bgPr>
-    </p:bg>
-    <p:spTree>
-      <p:nvGrpSpPr>
-        <p:cNvPr id="1" name=""/>
-        <p:cNvGrpSpPr/>
-        <p:nvPr/>
-      </p:nvGrpSpPr>
-      <p:grpSpPr>
-        <a:xfrm>
-          <a:off x="0" y="0"/>
-          <a:ext cx="0" cy="0"/>
-          <a:chOff x="0" y="0"/>
-          <a:chExt cx="0" cy="0"/>
-        </a:xfrm>
-      </p:grpSpPr>
-      <p:sp>
-        <p:nvSpPr>
-          <p:cNvPr id="22" name="Rectangle 21">
-            <a:extLst>
-              <a:ext uri="{FF2B5EF4-FFF2-40B4-BE49-F238E27FC236}">
-                <a16:creationId xmlns:a16="http://schemas.microsoft.com/office/drawing/2014/main" id="{A499F183-99EE-4B1F-BA64-21A07922AE82}"/>
-              </a:ext>
-              <a:ext uri="{C183D7F6-B498-43B3-948B-1728B52AA6E4}">
-                <adec:decorative xmlns:adec="http://schemas.microsoft.com/office/drawing/2017/decorative" val="1"/>
-              </a:ext>
-            </a:extLst>
-          </p:cNvPr>
-          <p:cNvSpPr>
-            <a:spLocks noGrp="1" noRot="1" noChangeAspect="1" noMove="1" noResize="1" noEditPoints="1" noAdjustHandles="1" noChangeArrowheads="1" noChangeShapeType="1" noTextEdit="1"/>
-          </p:cNvSpPr>
-          <p:nvPr>
-            <p:extLst>
-              <p:ext uri="{386F3935-93C4-4BCD-93E2-E3B085C9AB24}">
-                <p16:designElem xmlns:p16="http://schemas.microsoft.com/office/powerpoint/2015/main" val="1"/>
-              </p:ext>
-            </p:extLst>
-          </p:nvPr>
-        </p:nvSpPr>
-        <p:spPr>
-          <a:xfrm>
-            <a:off x="446534" y="457200"/>
-            <a:ext cx="3703320" cy="94997"/>
-          </a:xfrm>
-          <a:prstGeom prst="rect">
-            <a:avLst/>
-          </a:prstGeom>
-          <a:solidFill>
-            <a:schemeClr val="accent1"/>
-          </a:solidFill>
-          <a:ln>
-            <a:noFill/>
-          </a:ln>
-          <a:effectLst/>
-        </p:spPr>
-        <p:style>
-          <a:lnRef idx="1">
-            <a:schemeClr val="accent1"/>
-          </a:lnRef>
-          <a:fillRef idx="3">
-            <a:schemeClr val="accent1"/>
-          </a:fillRef>
-          <a:effectRef idx="2">
-            <a:schemeClr val="accent1"/>
-          </a:effectRef>
-          <a:fontRef idx="minor">
-            <a:schemeClr val="lt1"/>
-          </a:fontRef>
-        </p:style>
-      </p:sp>
-      <p:sp>
-        <p:nvSpPr>
-          <p:cNvPr id="24" name="Rectangle 23">
-            <a:extLst>
-              <a:ext uri="{FF2B5EF4-FFF2-40B4-BE49-F238E27FC236}">
-                <a16:creationId xmlns:a16="http://schemas.microsoft.com/office/drawing/2014/main" id="{B783A767-5AFC-40D0-A72C-09036EA1726F}"/>
-              </a:ext>
-              <a:ext uri="{C183D7F6-B498-43B3-948B-1728B52AA6E4}">
-                <adec:decorative xmlns:adec="http://schemas.microsoft.com/office/drawing/2017/decorative" val="1"/>
-              </a:ext>
-            </a:extLst>
-          </p:cNvPr>
-          <p:cNvSpPr>
-            <a:spLocks noGrp="1" noRot="1" noChangeAspect="1" noMove="1" noResize="1" noEditPoints="1" noAdjustHandles="1" noChangeArrowheads="1" noChangeShapeType="1" noTextEdit="1"/>
-          </p:cNvSpPr>
-          <p:nvPr>
-            <p:extLst>
-              <p:ext uri="{386F3935-93C4-4BCD-93E2-E3B085C9AB24}">
-                <p16:designElem xmlns:p16="http://schemas.microsoft.com/office/powerpoint/2015/main" val="1"/>
-              </p:ext>
-            </p:extLst>
-          </p:nvPr>
-        </p:nvSpPr>
-        <p:spPr>
-          <a:xfrm>
-            <a:off x="8042147" y="453643"/>
-            <a:ext cx="3703320" cy="98554"/>
-          </a:xfrm>
-          <a:prstGeom prst="rect">
-            <a:avLst/>
-          </a:prstGeom>
-          <a:solidFill>
-            <a:schemeClr val="accent4"/>
-          </a:solidFill>
-          <a:ln>
-            <a:noFill/>
-          </a:ln>
-          <a:effectLst/>
-        </p:spPr>
-        <p:style>
-          <a:lnRef idx="1">
-            <a:schemeClr val="accent1"/>
-          </a:lnRef>
-          <a:fillRef idx="3">
-            <a:schemeClr val="accent1"/>
-          </a:fillRef>
-          <a:effectRef idx="2">
-            <a:schemeClr val="accent1"/>
-          </a:effectRef>
-          <a:fontRef idx="minor">
-            <a:schemeClr val="lt1"/>
-          </a:fontRef>
-        </p:style>
-      </p:sp>
-      <p:sp>
-        <p:nvSpPr>
-          <p:cNvPr id="26" name="Rectangle 25">
-            <a:extLst>
-              <a:ext uri="{FF2B5EF4-FFF2-40B4-BE49-F238E27FC236}">
-                <a16:creationId xmlns:a16="http://schemas.microsoft.com/office/drawing/2014/main" id="{41262CAC-6BC8-43F9-9113-770A2772F68C}"/>
-              </a:ext>
-              <a:ext uri="{C183D7F6-B498-43B3-948B-1728B52AA6E4}">
-                <adec:decorative xmlns:adec="http://schemas.microsoft.com/office/drawing/2017/decorative" val="1"/>
-              </a:ext>
-            </a:extLst>
-          </p:cNvPr>
-          <p:cNvSpPr>
-            <a:spLocks noGrp="1" noRot="1" noChangeAspect="1" noMove="1" noResize="1" noEditPoints="1" noAdjustHandles="1" noChangeArrowheads="1" noChangeShapeType="1" noTextEdit="1"/>
-          </p:cNvSpPr>
-          <p:nvPr>
-            <p:extLst>
-              <p:ext uri="{386F3935-93C4-4BCD-93E2-E3B085C9AB24}">
-                <p16:designElem xmlns:p16="http://schemas.microsoft.com/office/powerpoint/2015/main" val="1"/>
-              </p:ext>
-            </p:extLst>
-          </p:nvPr>
-        </p:nvSpPr>
-        <p:spPr>
-          <a:xfrm>
-            <a:off x="4241830" y="457200"/>
-            <a:ext cx="3703320" cy="91440"/>
-          </a:xfrm>
-          <a:prstGeom prst="rect">
-            <a:avLst/>
-          </a:prstGeom>
-          <a:solidFill>
-            <a:schemeClr val="accent2"/>
-          </a:solidFill>
-          <a:ln>
-            <a:noFill/>
-          </a:ln>
-          <a:effectLst/>
-        </p:spPr>
-        <p:style>
-          <a:lnRef idx="1">
-            <a:schemeClr val="accent1"/>
-          </a:lnRef>
-          <a:fillRef idx="3">
-            <a:schemeClr val="accent1"/>
-          </a:fillRef>
-          <a:effectRef idx="2">
-            <a:schemeClr val="accent1"/>
-          </a:effectRef>
-          <a:fontRef idx="minor">
-            <a:schemeClr val="lt1"/>
-          </a:fontRef>
-        </p:style>
-      </p:sp>
-      <p:sp>
-        <p:nvSpPr>
-          <p:cNvPr id="28" name="Rectangle 27">
-            <a:extLst>
-              <a:ext uri="{FF2B5EF4-FFF2-40B4-BE49-F238E27FC236}">
-                <a16:creationId xmlns:a16="http://schemas.microsoft.com/office/drawing/2014/main" id="{1AA2CCB6-DFD2-41CD-96FE-0140B793599F}"/>
-              </a:ext>
-              <a:ext uri="{C183D7F6-B498-43B3-948B-1728B52AA6E4}">
-                <adec:decorative xmlns:adec="http://schemas.microsoft.com/office/drawing/2017/decorative" val="1"/>
-              </a:ext>
-            </a:extLst>
-          </p:cNvPr>
-          <p:cNvSpPr>
-            <a:spLocks noGrp="1" noRot="1" noChangeAspect="1" noMove="1" noResize="1" noEditPoints="1" noAdjustHandles="1" noChangeArrowheads="1" noChangeShapeType="1" noTextEdit="1"/>
-          </p:cNvSpPr>
-          <p:nvPr>
-            <p:extLst>
-              <p:ext uri="{386F3935-93C4-4BCD-93E2-E3B085C9AB24}">
-                <p16:designElem xmlns:p16="http://schemas.microsoft.com/office/powerpoint/2015/main" val="1"/>
-              </p:ext>
-            </p:extLst>
-          </p:nvPr>
-        </p:nvSpPr>
-        <p:spPr>
-          <a:xfrm>
-            <a:off x="446534" y="3085765"/>
-            <a:ext cx="11262866" cy="3304800"/>
-          </a:xfrm>
-          <a:prstGeom prst="rect">
-            <a:avLst/>
-          </a:prstGeom>
-          <a:solidFill>
-            <a:schemeClr val="accent1"/>
-          </a:solidFill>
-          <a:ln>
-            <a:noFill/>
-          </a:ln>
-          <a:effectLst/>
-        </p:spPr>
-        <p:style>
-          <a:lnRef idx="1">
-            <a:schemeClr val="accent1"/>
-          </a:lnRef>
-          <a:fillRef idx="3">
-            <a:schemeClr val="accent1"/>
-          </a:fillRef>
-          <a:effectRef idx="2">
-            <a:schemeClr val="accent1"/>
-          </a:effectRef>
-          <a:fontRef idx="minor">
-            <a:schemeClr val="lt1"/>
-          </a:fontRef>
-        </p:style>
-      </p:sp>
-      <p:sp useBgFill="1">
-        <p:nvSpPr>
-          <p:cNvPr id="30" name="Rectangle 29">
-            <a:extLst>
-              <a:ext uri="{FF2B5EF4-FFF2-40B4-BE49-F238E27FC236}">
-                <a16:creationId xmlns:a16="http://schemas.microsoft.com/office/drawing/2014/main" id="{12F184FA-A528-4A42-9CF0-8EEF34D9D9BE}"/>
-              </a:ext>
-              <a:ext uri="{C183D7F6-B498-43B3-948B-1728B52AA6E4}">
-                <adec:decorative xmlns:adec="http://schemas.microsoft.com/office/drawing/2017/decorative" val="1"/>
-              </a:ext>
-            </a:extLst>
-          </p:cNvPr>
-          <p:cNvSpPr>
-            <a:spLocks noGrp="1" noRot="1" noChangeAspect="1" noMove="1" noResize="1" noEditPoints="1" noAdjustHandles="1" noChangeArrowheads="1" noChangeShapeType="1" noTextEdit="1"/>
-          </p:cNvSpPr>
-          <p:nvPr>
-            <p:extLst>
-              <p:ext uri="{386F3935-93C4-4BCD-93E2-E3B085C9AB24}">
-                <p16:designElem xmlns:p16="http://schemas.microsoft.com/office/powerpoint/2015/main" val="1"/>
-              </p:ext>
-            </p:extLst>
-          </p:nvPr>
-        </p:nvSpPr>
-        <p:spPr>
-          <a:xfrm>
-            <a:off x="0" y="723900"/>
-            <a:ext cx="12192000" cy="6134100"/>
-          </a:xfrm>
-          <a:prstGeom prst="rect">
-            <a:avLst/>
-          </a:prstGeom>
-          <a:ln>
-            <a:noFill/>
-          </a:ln>
-        </p:spPr>
-        <p:style>
-          <a:lnRef idx="2">
-            <a:schemeClr val="accent1">
-              <a:shade val="50000"/>
-            </a:schemeClr>
-          </a:lnRef>
-          <a:fillRef idx="1">
-            <a:schemeClr val="accent1"/>
-          </a:fillRef>
-          <a:effectRef idx="0">
-            <a:schemeClr val="accent1"/>
-          </a:effectRef>
-          <a:fontRef idx="minor">
-            <a:schemeClr val="lt1"/>
-          </a:fontRef>
-        </p:style>
-        <p:txBody>
-          <a:bodyPr rtlCol="0" anchor="ctr"/>
-          <a:lstStyle/>
-          <a:p>
-            <a:pPr algn="ctr"/>
-            <a:endParaRPr lang="en-US"/>
-          </a:p>
-        </p:txBody>
-      </p:sp>
-      <p:sp>
-        <p:nvSpPr>
-          <p:cNvPr id="2" name="Titel 1">
-            <a:extLst>
-              <a:ext uri="{FF2B5EF4-FFF2-40B4-BE49-F238E27FC236}">
-                <a16:creationId xmlns:a16="http://schemas.microsoft.com/office/drawing/2014/main" id="{9E08A376-973A-4AE5-8A80-84477272861E}"/>
-              </a:ext>
-            </a:extLst>
-          </p:cNvPr>
-          <p:cNvSpPr>
-            <a:spLocks noGrp="1"/>
-          </p:cNvSpPr>
-          <p:nvPr>
-            <p:ph type="title"/>
-          </p:nvPr>
-        </p:nvSpPr>
-        <p:spPr>
-          <a:xfrm>
-            <a:off x="581191" y="4610099"/>
-            <a:ext cx="10993549" cy="1066801"/>
-          </a:xfrm>
-        </p:spPr>
-        <p:txBody>
-          <a:bodyPr vert="horz" lIns="91440" tIns="45720" rIns="91440" bIns="45720" rtlCol="0" anchor="b">
-            <a:normAutofit/>
-          </a:bodyPr>
-          <a:lstStyle/>
-          <a:p>
-            <a:r>
-              <a:rPr lang="en-US" sz="3600" dirty="0" err="1">
-                <a:solidFill>
-                  <a:schemeClr val="accent1"/>
-                </a:solidFill>
-              </a:rPr>
-              <a:t>Userstorymap</a:t>
-            </a:r>
-            <a:r>
-              <a:rPr lang="en-US" sz="3600" dirty="0">
-                <a:solidFill>
-                  <a:schemeClr val="accent1"/>
-                </a:solidFill>
-              </a:rPr>
-              <a:t> – </a:t>
-            </a:r>
-            <a:r>
-              <a:rPr lang="en-US" sz="3600" dirty="0" err="1">
-                <a:solidFill>
-                  <a:schemeClr val="accent1"/>
-                </a:solidFill>
-              </a:rPr>
-              <a:t>anbieter</a:t>
-            </a:r>
-            <a:r>
-              <a:rPr lang="en-US" sz="3600" dirty="0">
-                <a:solidFill>
-                  <a:schemeClr val="accent1"/>
-                </a:solidFill>
-              </a:rPr>
-              <a:t> 1</a:t>
-            </a:r>
-          </a:p>
-        </p:txBody>
-      </p:sp>
-      <p:pic>
-        <p:nvPicPr>
-          <p:cNvPr id="8" name="Inhaltsplatzhalter 7">
-            <a:extLst>
-              <a:ext uri="{FF2B5EF4-FFF2-40B4-BE49-F238E27FC236}">
-                <a16:creationId xmlns:a16="http://schemas.microsoft.com/office/drawing/2014/main" id="{294C80A7-483D-49E9-B77C-BB9FFE25999D}"/>
-              </a:ext>
-            </a:extLst>
-          </p:cNvPr>
-          <p:cNvPicPr>
-            <a:picLocks noGrp="1" noChangeAspect="1"/>
-          </p:cNvPicPr>
-          <p:nvPr>
-            <p:ph idx="1"/>
-          </p:nvPr>
-        </p:nvPicPr>
-        <p:blipFill>
-          <a:blip r:embed="rId2"/>
-          <a:stretch>
-            <a:fillRect/>
-          </a:stretch>
-        </p:blipFill>
-        <p:spPr>
-          <a:xfrm>
-            <a:off x="931668" y="858681"/>
-            <a:ext cx="10323644" cy="4103648"/>
-          </a:xfrm>
-          <a:prstGeom prst="rect">
-            <a:avLst/>
-          </a:prstGeom>
-        </p:spPr>
-      </p:pic>
-      <p:sp>
-        <p:nvSpPr>
-          <p:cNvPr id="10" name="Fußzeilenplatzhalter 9">
-            <a:extLst>
-              <a:ext uri="{FF2B5EF4-FFF2-40B4-BE49-F238E27FC236}">
-                <a16:creationId xmlns:a16="http://schemas.microsoft.com/office/drawing/2014/main" id="{C6DDE857-D3B1-4A1D-810C-5E86C2C24116}"/>
-              </a:ext>
-            </a:extLst>
-          </p:cNvPr>
-          <p:cNvSpPr>
-            <a:spLocks noGrp="1"/>
-          </p:cNvSpPr>
-          <p:nvPr>
-            <p:ph type="ftr" sz="quarter" idx="11"/>
-          </p:nvPr>
-        </p:nvSpPr>
-        <p:spPr/>
-        <p:txBody>
-          <a:bodyPr/>
-          <a:lstStyle/>
-          <a:p>
-            <a:r>
-              <a:rPr lang="de-DE"/>
-              <a:t>Gilgenreiner, Kleinegger, Sonnek | Gruppe 6 | 2019/20</a:t>
-            </a:r>
-            <a:endParaRPr lang="de-AT"/>
-          </a:p>
-        </p:txBody>
-      </p:sp>
-      <p:sp>
-        <p:nvSpPr>
-          <p:cNvPr id="12" name="Foliennummernplatzhalter 11">
-            <a:extLst>
-              <a:ext uri="{FF2B5EF4-FFF2-40B4-BE49-F238E27FC236}">
-                <a16:creationId xmlns:a16="http://schemas.microsoft.com/office/drawing/2014/main" id="{9BB6E7B0-CF30-47EA-94DA-23550105B97F}"/>
-              </a:ext>
-            </a:extLst>
-          </p:cNvPr>
-          <p:cNvSpPr>
-            <a:spLocks noGrp="1"/>
-          </p:cNvSpPr>
-          <p:nvPr>
-            <p:ph type="sldNum" sz="quarter" idx="12"/>
-          </p:nvPr>
-        </p:nvSpPr>
-        <p:spPr/>
-        <p:txBody>
-          <a:bodyPr/>
-          <a:lstStyle/>
-          <a:p>
-            <a:fld id="{940FB58F-067A-413C-9BD8-45C981AB8339}" type="slidenum">
-              <a:rPr lang="de-AT" smtClean="0"/>
-              <a:t>7</a:t>
-            </a:fld>
-            <a:endParaRPr lang="de-AT"/>
-          </a:p>
-        </p:txBody>
-      </p:sp>
-    </p:spTree>
-    <p:extLst>
-      <p:ext uri="{BB962C8B-B14F-4D97-AF65-F5344CB8AC3E}">
-        <p14:creationId xmlns:p14="http://schemas.microsoft.com/office/powerpoint/2010/main" val="3704678350"/>
-      </p:ext>
-    </p:extLst>
-  </p:cSld>
-  <p:clrMapOvr>
-    <a:masterClrMapping/>
-  </p:clrMapOvr>
-</p:sld>
-</file>
-
-<file path=ppt/slides/slide8.xml><?xml version="1.0" encoding="utf-8"?>
-<p:sld xmlns:a="http://schemas.openxmlformats.org/drawingml/2006/main" xmlns:r="http://schemas.openxmlformats.org/officeDocument/2006/relationships" xmlns:p="http://schemas.openxmlformats.org/presentationml/2006/main">
-  <p:cSld>
-    <p:bg>
-      <p:bgPr>
-        <a:solidFill>
-          <a:schemeClr val="bg1"/>
-        </a:solidFill>
-        <a:effectLst/>
-      </p:bgPr>
-    </p:bg>
-    <p:spTree>
-      <p:nvGrpSpPr>
-        <p:cNvPr id="1" name=""/>
-        <p:cNvGrpSpPr/>
-        <p:nvPr/>
-      </p:nvGrpSpPr>
-      <p:grpSpPr>
-        <a:xfrm>
-          <a:off x="0" y="0"/>
-          <a:ext cx="0" cy="0"/>
-          <a:chOff x="0" y="0"/>
-          <a:chExt cx="0" cy="0"/>
-        </a:xfrm>
-      </p:grpSpPr>
-      <p:sp>
-        <p:nvSpPr>
-          <p:cNvPr id="22" name="Rectangle 21">
-            <a:extLst>
-              <a:ext uri="{FF2B5EF4-FFF2-40B4-BE49-F238E27FC236}">
-                <a16:creationId xmlns:a16="http://schemas.microsoft.com/office/drawing/2014/main" id="{A499F183-99EE-4B1F-BA64-21A07922AE82}"/>
-              </a:ext>
-              <a:ext uri="{C183D7F6-B498-43B3-948B-1728B52AA6E4}">
-                <adec:decorative xmlns:adec="http://schemas.microsoft.com/office/drawing/2017/decorative" val="1"/>
-              </a:ext>
-            </a:extLst>
-          </p:cNvPr>
-          <p:cNvSpPr>
-            <a:spLocks noGrp="1" noRot="1" noChangeAspect="1" noMove="1" noResize="1" noEditPoints="1" noAdjustHandles="1" noChangeArrowheads="1" noChangeShapeType="1" noTextEdit="1"/>
-          </p:cNvSpPr>
-          <p:nvPr>
-            <p:extLst>
-              <p:ext uri="{386F3935-93C4-4BCD-93E2-E3B085C9AB24}">
-                <p16:designElem xmlns:p16="http://schemas.microsoft.com/office/powerpoint/2015/main" val="1"/>
-              </p:ext>
-            </p:extLst>
-          </p:nvPr>
-        </p:nvSpPr>
-        <p:spPr>
-          <a:xfrm>
-            <a:off x="446534" y="457200"/>
-            <a:ext cx="3703320" cy="94997"/>
-          </a:xfrm>
-          <a:prstGeom prst="rect">
-            <a:avLst/>
-          </a:prstGeom>
-          <a:solidFill>
-            <a:schemeClr val="accent1"/>
-          </a:solidFill>
-          <a:ln>
-            <a:noFill/>
-          </a:ln>
-          <a:effectLst/>
-        </p:spPr>
-        <p:style>
-          <a:lnRef idx="1">
-            <a:schemeClr val="accent1"/>
-          </a:lnRef>
-          <a:fillRef idx="3">
-            <a:schemeClr val="accent1"/>
-          </a:fillRef>
-          <a:effectRef idx="2">
-            <a:schemeClr val="accent1"/>
-          </a:effectRef>
-          <a:fontRef idx="minor">
-            <a:schemeClr val="lt1"/>
-          </a:fontRef>
-        </p:style>
-      </p:sp>
-      <p:sp>
-        <p:nvSpPr>
-          <p:cNvPr id="24" name="Rectangle 23">
-            <a:extLst>
-              <a:ext uri="{FF2B5EF4-FFF2-40B4-BE49-F238E27FC236}">
-                <a16:creationId xmlns:a16="http://schemas.microsoft.com/office/drawing/2014/main" id="{B783A767-5AFC-40D0-A72C-09036EA1726F}"/>
-              </a:ext>
-              <a:ext uri="{C183D7F6-B498-43B3-948B-1728B52AA6E4}">
-                <adec:decorative xmlns:adec="http://schemas.microsoft.com/office/drawing/2017/decorative" val="1"/>
-              </a:ext>
-            </a:extLst>
-          </p:cNvPr>
-          <p:cNvSpPr>
-            <a:spLocks noGrp="1" noRot="1" noChangeAspect="1" noMove="1" noResize="1" noEditPoints="1" noAdjustHandles="1" noChangeArrowheads="1" noChangeShapeType="1" noTextEdit="1"/>
-          </p:cNvSpPr>
-          <p:nvPr>
-            <p:extLst>
-              <p:ext uri="{386F3935-93C4-4BCD-93E2-E3B085C9AB24}">
-                <p16:designElem xmlns:p16="http://schemas.microsoft.com/office/powerpoint/2015/main" val="1"/>
-              </p:ext>
-            </p:extLst>
-          </p:nvPr>
-        </p:nvSpPr>
-        <p:spPr>
-          <a:xfrm>
-            <a:off x="8042147" y="453643"/>
-            <a:ext cx="3703320" cy="98554"/>
-          </a:xfrm>
-          <a:prstGeom prst="rect">
-            <a:avLst/>
-          </a:prstGeom>
-          <a:solidFill>
-            <a:schemeClr val="accent4"/>
-          </a:solidFill>
-          <a:ln>
-            <a:noFill/>
-          </a:ln>
-          <a:effectLst/>
-        </p:spPr>
-        <p:style>
-          <a:lnRef idx="1">
-            <a:schemeClr val="accent1"/>
-          </a:lnRef>
-          <a:fillRef idx="3">
-            <a:schemeClr val="accent1"/>
-          </a:fillRef>
-          <a:effectRef idx="2">
-            <a:schemeClr val="accent1"/>
-          </a:effectRef>
-          <a:fontRef idx="minor">
-            <a:schemeClr val="lt1"/>
-          </a:fontRef>
-        </p:style>
-      </p:sp>
-      <p:sp>
-        <p:nvSpPr>
-          <p:cNvPr id="26" name="Rectangle 25">
-            <a:extLst>
-              <a:ext uri="{FF2B5EF4-FFF2-40B4-BE49-F238E27FC236}">
-                <a16:creationId xmlns:a16="http://schemas.microsoft.com/office/drawing/2014/main" id="{41262CAC-6BC8-43F9-9113-770A2772F68C}"/>
-              </a:ext>
-              <a:ext uri="{C183D7F6-B498-43B3-948B-1728B52AA6E4}">
-                <adec:decorative xmlns:adec="http://schemas.microsoft.com/office/drawing/2017/decorative" val="1"/>
-              </a:ext>
-            </a:extLst>
-          </p:cNvPr>
-          <p:cNvSpPr>
-            <a:spLocks noGrp="1" noRot="1" noChangeAspect="1" noMove="1" noResize="1" noEditPoints="1" noAdjustHandles="1" noChangeArrowheads="1" noChangeShapeType="1" noTextEdit="1"/>
-          </p:cNvSpPr>
-          <p:nvPr>
-            <p:extLst>
-              <p:ext uri="{386F3935-93C4-4BCD-93E2-E3B085C9AB24}">
-                <p16:designElem xmlns:p16="http://schemas.microsoft.com/office/powerpoint/2015/main" val="1"/>
-              </p:ext>
-            </p:extLst>
-          </p:nvPr>
-        </p:nvSpPr>
-        <p:spPr>
-          <a:xfrm>
-            <a:off x="4241830" y="457200"/>
-            <a:ext cx="3703320" cy="91440"/>
-          </a:xfrm>
-          <a:prstGeom prst="rect">
-            <a:avLst/>
-          </a:prstGeom>
-          <a:solidFill>
-            <a:schemeClr val="accent2"/>
-          </a:solidFill>
-          <a:ln>
-            <a:noFill/>
-          </a:ln>
-          <a:effectLst/>
-        </p:spPr>
-        <p:style>
-          <a:lnRef idx="1">
-            <a:schemeClr val="accent1"/>
-          </a:lnRef>
-          <a:fillRef idx="3">
-            <a:schemeClr val="accent1"/>
-          </a:fillRef>
-          <a:effectRef idx="2">
-            <a:schemeClr val="accent1"/>
-          </a:effectRef>
-          <a:fontRef idx="minor">
-            <a:schemeClr val="lt1"/>
-          </a:fontRef>
-        </p:style>
-      </p:sp>
-      <p:sp>
-        <p:nvSpPr>
-          <p:cNvPr id="28" name="Rectangle 27">
-            <a:extLst>
-              <a:ext uri="{FF2B5EF4-FFF2-40B4-BE49-F238E27FC236}">
-                <a16:creationId xmlns:a16="http://schemas.microsoft.com/office/drawing/2014/main" id="{1AA2CCB6-DFD2-41CD-96FE-0140B793599F}"/>
-              </a:ext>
-              <a:ext uri="{C183D7F6-B498-43B3-948B-1728B52AA6E4}">
-                <adec:decorative xmlns:adec="http://schemas.microsoft.com/office/drawing/2017/decorative" val="1"/>
-              </a:ext>
-            </a:extLst>
-          </p:cNvPr>
-          <p:cNvSpPr>
-            <a:spLocks noGrp="1" noRot="1" noChangeAspect="1" noMove="1" noResize="1" noEditPoints="1" noAdjustHandles="1" noChangeArrowheads="1" noChangeShapeType="1" noTextEdit="1"/>
-          </p:cNvSpPr>
-          <p:nvPr>
-            <p:extLst>
-              <p:ext uri="{386F3935-93C4-4BCD-93E2-E3B085C9AB24}">
-                <p16:designElem xmlns:p16="http://schemas.microsoft.com/office/powerpoint/2015/main" val="1"/>
-              </p:ext>
-            </p:extLst>
-          </p:nvPr>
-        </p:nvSpPr>
-        <p:spPr>
-          <a:xfrm>
-            <a:off x="446534" y="3085765"/>
-            <a:ext cx="11262866" cy="3304800"/>
-          </a:xfrm>
-          <a:prstGeom prst="rect">
-            <a:avLst/>
-          </a:prstGeom>
-          <a:solidFill>
-            <a:schemeClr val="accent1"/>
-          </a:solidFill>
-          <a:ln>
-            <a:noFill/>
-          </a:ln>
-          <a:effectLst/>
-        </p:spPr>
-        <p:style>
-          <a:lnRef idx="1">
-            <a:schemeClr val="accent1"/>
-          </a:lnRef>
-          <a:fillRef idx="3">
-            <a:schemeClr val="accent1"/>
-          </a:fillRef>
-          <a:effectRef idx="2">
-            <a:schemeClr val="accent1"/>
-          </a:effectRef>
-          <a:fontRef idx="minor">
-            <a:schemeClr val="lt1"/>
-          </a:fontRef>
-        </p:style>
-      </p:sp>
-      <p:sp useBgFill="1">
-        <p:nvSpPr>
-          <p:cNvPr id="30" name="Rectangle 29">
-            <a:extLst>
-              <a:ext uri="{FF2B5EF4-FFF2-40B4-BE49-F238E27FC236}">
-                <a16:creationId xmlns:a16="http://schemas.microsoft.com/office/drawing/2014/main" id="{12F184FA-A528-4A42-9CF0-8EEF34D9D9BE}"/>
-              </a:ext>
-              <a:ext uri="{C183D7F6-B498-43B3-948B-1728B52AA6E4}">
-                <adec:decorative xmlns:adec="http://schemas.microsoft.com/office/drawing/2017/decorative" val="1"/>
-              </a:ext>
-            </a:extLst>
-          </p:cNvPr>
-          <p:cNvSpPr>
-            <a:spLocks noGrp="1" noRot="1" noChangeAspect="1" noMove="1" noResize="1" noEditPoints="1" noAdjustHandles="1" noChangeArrowheads="1" noChangeShapeType="1" noTextEdit="1"/>
-          </p:cNvSpPr>
-          <p:nvPr>
-            <p:extLst>
-              <p:ext uri="{386F3935-93C4-4BCD-93E2-E3B085C9AB24}">
-                <p16:designElem xmlns:p16="http://schemas.microsoft.com/office/powerpoint/2015/main" val="1"/>
-              </p:ext>
-            </p:extLst>
-          </p:nvPr>
-        </p:nvSpPr>
-        <p:spPr>
-          <a:xfrm>
-            <a:off x="0" y="723900"/>
-            <a:ext cx="12192000" cy="6134100"/>
-          </a:xfrm>
-          <a:prstGeom prst="rect">
-            <a:avLst/>
-          </a:prstGeom>
-          <a:ln>
-            <a:noFill/>
-          </a:ln>
-        </p:spPr>
-        <p:style>
-          <a:lnRef idx="2">
-            <a:schemeClr val="accent1">
-              <a:shade val="50000"/>
-            </a:schemeClr>
-          </a:lnRef>
-          <a:fillRef idx="1">
-            <a:schemeClr val="accent1"/>
-          </a:fillRef>
-          <a:effectRef idx="0">
-            <a:schemeClr val="accent1"/>
-          </a:effectRef>
-          <a:fontRef idx="minor">
-            <a:schemeClr val="lt1"/>
-          </a:fontRef>
-        </p:style>
-        <p:txBody>
-          <a:bodyPr rtlCol="0" anchor="ctr"/>
-          <a:lstStyle/>
-          <a:p>
-            <a:pPr algn="ctr"/>
-            <a:endParaRPr lang="en-US"/>
-          </a:p>
-        </p:txBody>
-      </p:sp>
-      <p:sp>
-        <p:nvSpPr>
-          <p:cNvPr id="2" name="Titel 1">
-            <a:extLst>
-              <a:ext uri="{FF2B5EF4-FFF2-40B4-BE49-F238E27FC236}">
-                <a16:creationId xmlns:a16="http://schemas.microsoft.com/office/drawing/2014/main" id="{9E08A376-973A-4AE5-8A80-84477272861E}"/>
-              </a:ext>
-            </a:extLst>
-          </p:cNvPr>
-          <p:cNvSpPr>
-            <a:spLocks noGrp="1"/>
-          </p:cNvSpPr>
-          <p:nvPr>
-            <p:ph type="title"/>
-          </p:nvPr>
-        </p:nvSpPr>
-        <p:spPr>
-          <a:xfrm>
-            <a:off x="581191" y="4610099"/>
-            <a:ext cx="10993549" cy="1066801"/>
-          </a:xfrm>
-        </p:spPr>
-        <p:txBody>
-          <a:bodyPr vert="horz" lIns="91440" tIns="45720" rIns="91440" bIns="45720" rtlCol="0" anchor="b">
-            <a:normAutofit/>
-          </a:bodyPr>
-          <a:lstStyle/>
-          <a:p>
-            <a:r>
-              <a:rPr lang="en-US" sz="3600" dirty="0" err="1">
-                <a:solidFill>
-                  <a:schemeClr val="accent1"/>
-                </a:solidFill>
-              </a:rPr>
-              <a:t>Userstorymap</a:t>
-            </a:r>
-            <a:r>
-              <a:rPr lang="en-US" sz="3600" dirty="0">
-                <a:solidFill>
-                  <a:schemeClr val="accent1"/>
-                </a:solidFill>
-              </a:rPr>
-              <a:t> – </a:t>
-            </a:r>
-            <a:r>
-              <a:rPr lang="en-US" sz="3600" dirty="0" err="1">
-                <a:solidFill>
-                  <a:schemeClr val="accent1"/>
-                </a:solidFill>
-              </a:rPr>
-              <a:t>anbieter</a:t>
-            </a:r>
-            <a:r>
-              <a:rPr lang="en-US" sz="3600" dirty="0">
-                <a:solidFill>
-                  <a:schemeClr val="accent1"/>
-                </a:solidFill>
-              </a:rPr>
-              <a:t> 2</a:t>
-            </a:r>
-          </a:p>
-        </p:txBody>
-      </p:sp>
-      <p:sp>
-        <p:nvSpPr>
-          <p:cNvPr id="4" name="Inhaltsplatzhalter 3">
-            <a:extLst>
-              <a:ext uri="{FF2B5EF4-FFF2-40B4-BE49-F238E27FC236}">
-                <a16:creationId xmlns:a16="http://schemas.microsoft.com/office/drawing/2014/main" id="{92626887-9152-4A91-B980-FA197354D447}"/>
-              </a:ext>
-            </a:extLst>
-          </p:cNvPr>
-          <p:cNvSpPr>
-            <a:spLocks noGrp="1"/>
-          </p:cNvSpPr>
-          <p:nvPr>
-            <p:ph idx="1"/>
-          </p:nvPr>
-        </p:nvSpPr>
-        <p:spPr/>
-        <p:txBody>
-          <a:bodyPr/>
-          <a:lstStyle/>
-          <a:p>
-            <a:endParaRPr lang="de-AT" dirty="0"/>
-          </a:p>
-        </p:txBody>
-      </p:sp>
-      <p:pic>
-        <p:nvPicPr>
-          <p:cNvPr id="11" name="Inhaltsplatzhalter 10" descr="Ein Bild, das Screenshot enthält.&#10;&#10;Automatisch generierte Beschreibung">
-            <a:extLst>
-              <a:ext uri="{FF2B5EF4-FFF2-40B4-BE49-F238E27FC236}">
-                <a16:creationId xmlns:a16="http://schemas.microsoft.com/office/drawing/2014/main" id="{E2DD59FB-E671-4F3B-A194-8EBA36C358DB}"/>
-              </a:ext>
-            </a:extLst>
-          </p:cNvPr>
-          <p:cNvPicPr>
-            <a:picLocks/>
-          </p:cNvPicPr>
-          <p:nvPr/>
-        </p:nvPicPr>
-        <p:blipFill>
-          <a:blip r:embed="rId2"/>
-          <a:stretch>
-            <a:fillRect/>
-          </a:stretch>
-        </p:blipFill>
-        <p:spPr>
-          <a:xfrm>
-            <a:off x="1553010" y="790537"/>
-            <a:ext cx="9080959" cy="4282864"/>
-          </a:xfrm>
-          <a:prstGeom prst="rect">
-            <a:avLst/>
-          </a:prstGeom>
-        </p:spPr>
-      </p:pic>
-      <p:sp>
-        <p:nvSpPr>
-          <p:cNvPr id="5" name="Fußzeilenplatzhalter 4">
-            <a:extLst>
-              <a:ext uri="{FF2B5EF4-FFF2-40B4-BE49-F238E27FC236}">
-                <a16:creationId xmlns:a16="http://schemas.microsoft.com/office/drawing/2014/main" id="{233D3C94-58E4-4EC1-ACF2-3DA7C2E8D382}"/>
-              </a:ext>
-            </a:extLst>
-          </p:cNvPr>
-          <p:cNvSpPr>
-            <a:spLocks noGrp="1"/>
-          </p:cNvSpPr>
-          <p:nvPr>
-            <p:ph type="ftr" sz="quarter" idx="11"/>
-          </p:nvPr>
-        </p:nvSpPr>
-        <p:spPr/>
-        <p:txBody>
-          <a:bodyPr/>
-          <a:lstStyle/>
-          <a:p>
-            <a:r>
-              <a:rPr lang="de-DE"/>
-              <a:t>Gilgenreiner, Kleinegger, Sonnek | Gruppe 6 | 2019/20</a:t>
-            </a:r>
-            <a:endParaRPr lang="de-AT"/>
-          </a:p>
-        </p:txBody>
-      </p:sp>
-      <p:sp>
-        <p:nvSpPr>
-          <p:cNvPr id="6" name="Foliennummernplatzhalter 5">
-            <a:extLst>
-              <a:ext uri="{FF2B5EF4-FFF2-40B4-BE49-F238E27FC236}">
-                <a16:creationId xmlns:a16="http://schemas.microsoft.com/office/drawing/2014/main" id="{3EFD5F94-C880-4AB4-9729-1BFB4C00E476}"/>
-              </a:ext>
-            </a:extLst>
-          </p:cNvPr>
-          <p:cNvSpPr>
-            <a:spLocks noGrp="1"/>
-          </p:cNvSpPr>
-          <p:nvPr>
-            <p:ph type="sldNum" sz="quarter" idx="12"/>
-          </p:nvPr>
-        </p:nvSpPr>
-        <p:spPr/>
-        <p:txBody>
-          <a:bodyPr/>
-          <a:lstStyle/>
-          <a:p>
-            <a:fld id="{940FB58F-067A-413C-9BD8-45C981AB8339}" type="slidenum">
-              <a:rPr lang="de-AT" smtClean="0"/>
-              <a:t>8</a:t>
-            </a:fld>
-            <a:endParaRPr lang="de-AT"/>
-          </a:p>
-        </p:txBody>
-      </p:sp>
-    </p:spTree>
-    <p:extLst>
-      <p:ext uri="{BB962C8B-B14F-4D97-AF65-F5344CB8AC3E}">
-        <p14:creationId xmlns:p14="http://schemas.microsoft.com/office/powerpoint/2010/main" val="112453602"/>
-      </p:ext>
-    </p:extLst>
-  </p:cSld>
-  <p:clrMapOvr>
-    <a:masterClrMapping/>
-  </p:clrMapOvr>
-</p:sld>
-</file>
-
-<file path=ppt/slides/slide9.xml><?xml version="1.0" encoding="utf-8"?>
-<p:sld xmlns:a="http://schemas.openxmlformats.org/drawingml/2006/main" xmlns:r="http://schemas.openxmlformats.org/officeDocument/2006/relationships" xmlns:p="http://schemas.openxmlformats.org/presentationml/2006/main">
-  <p:cSld>
-    <p:bg>
-      <p:bgPr>
-        <a:solidFill>
-          <a:schemeClr val="bg1"/>
-        </a:solidFill>
-        <a:effectLst/>
-      </p:bgPr>
-    </p:bg>
-    <p:spTree>
-      <p:nvGrpSpPr>
-        <p:cNvPr id="1" name=""/>
-        <p:cNvGrpSpPr/>
-        <p:nvPr/>
-      </p:nvGrpSpPr>
-      <p:grpSpPr>
-        <a:xfrm>
-          <a:off x="0" y="0"/>
-          <a:ext cx="0" cy="0"/>
-          <a:chOff x="0" y="0"/>
-          <a:chExt cx="0" cy="0"/>
-        </a:xfrm>
-      </p:grpSpPr>
-      <p:sp>
-        <p:nvSpPr>
-          <p:cNvPr id="8" name="Rectangle 7">
-            <a:extLst>
-              <a:ext uri="{FF2B5EF4-FFF2-40B4-BE49-F238E27FC236}">
-                <a16:creationId xmlns:a16="http://schemas.microsoft.com/office/drawing/2014/main" id="{A499F183-99EE-4B1F-BA64-21A07922AE82}"/>
-              </a:ext>
-              <a:ext uri="{C183D7F6-B498-43B3-948B-1728B52AA6E4}">
-                <adec:decorative xmlns:adec="http://schemas.microsoft.com/office/drawing/2017/decorative" val="1"/>
-              </a:ext>
-            </a:extLst>
-          </p:cNvPr>
-          <p:cNvSpPr>
-            <a:spLocks noGrp="1" noRot="1" noChangeAspect="1" noMove="1" noResize="1" noEditPoints="1" noAdjustHandles="1" noChangeArrowheads="1" noChangeShapeType="1" noTextEdit="1"/>
-          </p:cNvSpPr>
-          <p:nvPr>
-            <p:extLst>
-              <p:ext uri="{386F3935-93C4-4BCD-93E2-E3B085C9AB24}">
-                <p16:designElem xmlns:p16="http://schemas.microsoft.com/office/powerpoint/2015/main" val="1"/>
-              </p:ext>
-            </p:extLst>
-          </p:nvPr>
-        </p:nvSpPr>
-        <p:spPr>
-          <a:xfrm>
-            <a:off x="446534" y="457200"/>
-            <a:ext cx="3703320" cy="94997"/>
-          </a:xfrm>
-          <a:prstGeom prst="rect">
-            <a:avLst/>
-          </a:prstGeom>
-          <a:solidFill>
-            <a:schemeClr val="accent1"/>
-          </a:solidFill>
-          <a:ln>
-            <a:noFill/>
-          </a:ln>
-          <a:effectLst/>
-        </p:spPr>
-        <p:style>
-          <a:lnRef idx="1">
-            <a:schemeClr val="accent1"/>
-          </a:lnRef>
-          <a:fillRef idx="3">
-            <a:schemeClr val="accent1"/>
-          </a:fillRef>
-          <a:effectRef idx="2">
-            <a:schemeClr val="accent1"/>
-          </a:effectRef>
-          <a:fontRef idx="minor">
-            <a:schemeClr val="lt1"/>
-          </a:fontRef>
-        </p:style>
-      </p:sp>
-      <p:sp>
-        <p:nvSpPr>
-          <p:cNvPr id="10" name="Rectangle 9">
-            <a:extLst>
-              <a:ext uri="{FF2B5EF4-FFF2-40B4-BE49-F238E27FC236}">
-                <a16:creationId xmlns:a16="http://schemas.microsoft.com/office/drawing/2014/main" id="{B783A767-5AFC-40D0-A72C-09036EA1726F}"/>
-              </a:ext>
-              <a:ext uri="{C183D7F6-B498-43B3-948B-1728B52AA6E4}">
-                <adec:decorative xmlns:adec="http://schemas.microsoft.com/office/drawing/2017/decorative" val="1"/>
-              </a:ext>
-            </a:extLst>
-          </p:cNvPr>
-          <p:cNvSpPr>
-            <a:spLocks noGrp="1" noRot="1" noChangeAspect="1" noMove="1" noResize="1" noEditPoints="1" noAdjustHandles="1" noChangeArrowheads="1" noChangeShapeType="1" noTextEdit="1"/>
-          </p:cNvSpPr>
-          <p:nvPr>
-            <p:extLst>
-              <p:ext uri="{386F3935-93C4-4BCD-93E2-E3B085C9AB24}">
-                <p16:designElem xmlns:p16="http://schemas.microsoft.com/office/powerpoint/2015/main" val="1"/>
-              </p:ext>
-            </p:extLst>
-          </p:nvPr>
-        </p:nvSpPr>
-        <p:spPr>
-          <a:xfrm>
-            <a:off x="8042147" y="453643"/>
-            <a:ext cx="3703320" cy="98554"/>
-          </a:xfrm>
-          <a:prstGeom prst="rect">
-            <a:avLst/>
-          </a:prstGeom>
-          <a:solidFill>
-            <a:schemeClr val="accent4"/>
-          </a:solidFill>
-          <a:ln>
-            <a:noFill/>
-          </a:ln>
-          <a:effectLst/>
-        </p:spPr>
-        <p:style>
-          <a:lnRef idx="1">
-            <a:schemeClr val="accent1"/>
-          </a:lnRef>
-          <a:fillRef idx="3">
-            <a:schemeClr val="accent1"/>
-          </a:fillRef>
-          <a:effectRef idx="2">
-            <a:schemeClr val="accent1"/>
-          </a:effectRef>
-          <a:fontRef idx="minor">
-            <a:schemeClr val="lt1"/>
-          </a:fontRef>
-        </p:style>
-      </p:sp>
-      <p:sp>
-        <p:nvSpPr>
-          <p:cNvPr id="12" name="Rectangle 11">
-            <a:extLst>
-              <a:ext uri="{FF2B5EF4-FFF2-40B4-BE49-F238E27FC236}">
-                <a16:creationId xmlns:a16="http://schemas.microsoft.com/office/drawing/2014/main" id="{41262CAC-6BC8-43F9-9113-770A2772F68C}"/>
-              </a:ext>
-              <a:ext uri="{C183D7F6-B498-43B3-948B-1728B52AA6E4}">
-                <adec:decorative xmlns:adec="http://schemas.microsoft.com/office/drawing/2017/decorative" val="1"/>
-              </a:ext>
-            </a:extLst>
-          </p:cNvPr>
-          <p:cNvSpPr>
-            <a:spLocks noGrp="1" noRot="1" noChangeAspect="1" noMove="1" noResize="1" noEditPoints="1" noAdjustHandles="1" noChangeArrowheads="1" noChangeShapeType="1" noTextEdit="1"/>
-          </p:cNvSpPr>
-          <p:nvPr>
-            <p:extLst>
-              <p:ext uri="{386F3935-93C4-4BCD-93E2-E3B085C9AB24}">
-                <p16:designElem xmlns:p16="http://schemas.microsoft.com/office/powerpoint/2015/main" val="1"/>
-              </p:ext>
-            </p:extLst>
-          </p:nvPr>
-        </p:nvSpPr>
-        <p:spPr>
-          <a:xfrm>
-            <a:off x="4241830" y="457200"/>
-            <a:ext cx="3703320" cy="91440"/>
-          </a:xfrm>
-          <a:prstGeom prst="rect">
-            <a:avLst/>
-          </a:prstGeom>
-          <a:solidFill>
-            <a:schemeClr val="accent2"/>
-          </a:solidFill>
-          <a:ln>
-            <a:noFill/>
-          </a:ln>
-          <a:effectLst/>
-        </p:spPr>
-        <p:style>
-          <a:lnRef idx="1">
-            <a:schemeClr val="accent1"/>
-          </a:lnRef>
-          <a:fillRef idx="3">
-            <a:schemeClr val="accent1"/>
-          </a:fillRef>
-          <a:effectRef idx="2">
-            <a:schemeClr val="accent1"/>
-          </a:effectRef>
-          <a:fontRef idx="minor">
-            <a:schemeClr val="lt1"/>
-          </a:fontRef>
-        </p:style>
-      </p:sp>
-      <p:sp>
-        <p:nvSpPr>
-          <p:cNvPr id="14" name="Rectangle 13">
-            <a:extLst>
-              <a:ext uri="{FF2B5EF4-FFF2-40B4-BE49-F238E27FC236}">
-                <a16:creationId xmlns:a16="http://schemas.microsoft.com/office/drawing/2014/main" id="{1AA2CCB6-DFD2-41CD-96FE-0140B793599F}"/>
-              </a:ext>
-              <a:ext uri="{C183D7F6-B498-43B3-948B-1728B52AA6E4}">
-                <adec:decorative xmlns:adec="http://schemas.microsoft.com/office/drawing/2017/decorative" val="1"/>
-              </a:ext>
-            </a:extLst>
-          </p:cNvPr>
-          <p:cNvSpPr>
-            <a:spLocks noGrp="1" noRot="1" noChangeAspect="1" noMove="1" noResize="1" noEditPoints="1" noAdjustHandles="1" noChangeArrowheads="1" noChangeShapeType="1" noTextEdit="1"/>
-          </p:cNvSpPr>
-          <p:nvPr>
-            <p:extLst>
-              <p:ext uri="{386F3935-93C4-4BCD-93E2-E3B085C9AB24}">
-                <p16:designElem xmlns:p16="http://schemas.microsoft.com/office/powerpoint/2015/main" val="1"/>
-              </p:ext>
-            </p:extLst>
-          </p:nvPr>
-        </p:nvSpPr>
-        <p:spPr>
-          <a:xfrm>
-            <a:off x="446534" y="3085765"/>
-            <a:ext cx="11262866" cy="3304800"/>
-          </a:xfrm>
-          <a:prstGeom prst="rect">
-            <a:avLst/>
-          </a:prstGeom>
-          <a:solidFill>
-            <a:schemeClr val="accent1"/>
-          </a:solidFill>
-          <a:ln>
-            <a:noFill/>
-          </a:ln>
-          <a:effectLst/>
-        </p:spPr>
-        <p:style>
-          <a:lnRef idx="1">
-            <a:schemeClr val="accent1"/>
-          </a:lnRef>
-          <a:fillRef idx="3">
-            <a:schemeClr val="accent1"/>
-          </a:fillRef>
-          <a:effectRef idx="2">
-            <a:schemeClr val="accent1"/>
-          </a:effectRef>
-          <a:fontRef idx="minor">
-            <a:schemeClr val="lt1"/>
-          </a:fontRef>
-        </p:style>
-      </p:sp>
-      <p:sp useBgFill="1">
-        <p:nvSpPr>
-          <p:cNvPr id="16" name="Rectangle 15">
-            <a:extLst>
-              <a:ext uri="{FF2B5EF4-FFF2-40B4-BE49-F238E27FC236}">
-                <a16:creationId xmlns:a16="http://schemas.microsoft.com/office/drawing/2014/main" id="{3A0F039B-5DD9-421A-9389-1F31ABD9B2F3}"/>
-              </a:ext>
-              <a:ext uri="{C183D7F6-B498-43B3-948B-1728B52AA6E4}">
-                <adec:decorative xmlns:adec="http://schemas.microsoft.com/office/drawing/2017/decorative" val="1"/>
-              </a:ext>
-            </a:extLst>
-          </p:cNvPr>
-          <p:cNvSpPr>
-            <a:spLocks noGrp="1" noRot="1" noChangeAspect="1" noMove="1" noResize="1" noEditPoints="1" noAdjustHandles="1" noChangeArrowheads="1" noChangeShapeType="1" noTextEdit="1"/>
-          </p:cNvSpPr>
-          <p:nvPr>
-            <p:extLst>
-              <p:ext uri="{386F3935-93C4-4BCD-93E2-E3B085C9AB24}">
-                <p16:designElem xmlns:p16="http://schemas.microsoft.com/office/powerpoint/2015/main" val="1"/>
-              </p:ext>
-            </p:extLst>
-          </p:nvPr>
-        </p:nvSpPr>
-        <p:spPr>
-          <a:xfrm>
-            <a:off x="0" y="723900"/>
-            <a:ext cx="12192000" cy="6134100"/>
-          </a:xfrm>
-          <a:prstGeom prst="rect">
-            <a:avLst/>
-          </a:prstGeom>
-          <a:ln>
-            <a:noFill/>
-          </a:ln>
-        </p:spPr>
-        <p:style>
-          <a:lnRef idx="2">
-            <a:schemeClr val="accent1">
-              <a:shade val="50000"/>
-            </a:schemeClr>
-          </a:lnRef>
-          <a:fillRef idx="1">
-            <a:schemeClr val="accent1"/>
-          </a:fillRef>
-          <a:effectRef idx="0">
-            <a:schemeClr val="accent1"/>
-          </a:effectRef>
-          <a:fontRef idx="minor">
-            <a:schemeClr val="lt1"/>
-          </a:fontRef>
-        </p:style>
-        <p:txBody>
-          <a:bodyPr rtlCol="0" anchor="ctr"/>
-          <a:lstStyle/>
-          <a:p>
-            <a:pPr algn="ctr"/>
-            <a:endParaRPr lang="en-US"/>
-          </a:p>
-        </p:txBody>
-      </p:sp>
-      <p:sp>
-        <p:nvSpPr>
-          <p:cNvPr id="2" name="Titel 1">
-            <a:extLst>
-              <a:ext uri="{FF2B5EF4-FFF2-40B4-BE49-F238E27FC236}">
-                <a16:creationId xmlns:a16="http://schemas.microsoft.com/office/drawing/2014/main" id="{9E08A376-973A-4AE5-8A80-84477272861E}"/>
-              </a:ext>
-            </a:extLst>
-          </p:cNvPr>
-          <p:cNvSpPr>
-            <a:spLocks noGrp="1"/>
-          </p:cNvSpPr>
-          <p:nvPr>
-            <p:ph type="title"/>
-          </p:nvPr>
-        </p:nvSpPr>
-        <p:spPr>
-          <a:xfrm>
-            <a:off x="581191" y="723901"/>
-            <a:ext cx="10993549" cy="1428750"/>
-          </a:xfrm>
-        </p:spPr>
-        <p:txBody>
-          <a:bodyPr vert="horz" lIns="91440" tIns="45720" rIns="91440" bIns="45720" rtlCol="0" anchor="b">
-            <a:normAutofit/>
-          </a:bodyPr>
-          <a:lstStyle/>
-          <a:p>
-            <a:r>
-              <a:rPr lang="en-US" sz="3600" dirty="0" err="1">
-                <a:solidFill>
-                  <a:schemeClr val="accent1"/>
-                </a:solidFill>
-              </a:rPr>
-              <a:t>Userstorymap</a:t>
-            </a:r>
-            <a:r>
-              <a:rPr lang="en-US" sz="3600" dirty="0">
-                <a:solidFill>
-                  <a:schemeClr val="accent1"/>
-                </a:solidFill>
-              </a:rPr>
-              <a:t> – </a:t>
-            </a:r>
-            <a:r>
-              <a:rPr lang="en-US" sz="3600" dirty="0" err="1">
-                <a:solidFill>
-                  <a:schemeClr val="accent1"/>
-                </a:solidFill>
-              </a:rPr>
-              <a:t>Benutzer</a:t>
-            </a:r>
-            <a:endParaRPr lang="en-US" sz="3600" dirty="0">
-              <a:solidFill>
-                <a:schemeClr val="accent1"/>
-              </a:solidFill>
-            </a:endParaRPr>
-          </a:p>
-        </p:txBody>
-      </p:sp>
-      <p:pic>
-        <p:nvPicPr>
-          <p:cNvPr id="3" name="Inhaltsplatzhalter 2">
-            <a:extLst>
-              <a:ext uri="{FF2B5EF4-FFF2-40B4-BE49-F238E27FC236}">
-                <a16:creationId xmlns:a16="http://schemas.microsoft.com/office/drawing/2014/main" id="{1676FA26-2532-40E9-8C9B-BB1D72313BA4}"/>
-              </a:ext>
-            </a:extLst>
-          </p:cNvPr>
-          <p:cNvPicPr>
-            <a:picLocks noGrp="1" noChangeAspect="1"/>
-          </p:cNvPicPr>
-          <p:nvPr>
-            <p:ph idx="1"/>
-          </p:nvPr>
-        </p:nvPicPr>
-        <p:blipFill>
-          <a:blip r:embed="rId2"/>
-          <a:stretch>
-            <a:fillRect/>
-          </a:stretch>
-        </p:blipFill>
-        <p:spPr>
-          <a:xfrm>
-            <a:off x="635457" y="2790605"/>
-            <a:ext cx="10916463" cy="3138483"/>
-          </a:xfrm>
-          <a:prstGeom prst="rect">
-            <a:avLst/>
-          </a:prstGeom>
-        </p:spPr>
-      </p:pic>
-      <p:sp>
-        <p:nvSpPr>
-          <p:cNvPr id="5" name="Fußzeilenplatzhalter 4">
-            <a:extLst>
-              <a:ext uri="{FF2B5EF4-FFF2-40B4-BE49-F238E27FC236}">
-                <a16:creationId xmlns:a16="http://schemas.microsoft.com/office/drawing/2014/main" id="{2C1AE7F6-BAA4-4EFF-9F1E-1B92FC8B1E66}"/>
-              </a:ext>
-            </a:extLst>
-          </p:cNvPr>
-          <p:cNvSpPr>
-            <a:spLocks noGrp="1"/>
-          </p:cNvSpPr>
-          <p:nvPr>
-            <p:ph type="ftr" sz="quarter" idx="11"/>
-          </p:nvPr>
-        </p:nvSpPr>
-        <p:spPr/>
-        <p:txBody>
-          <a:bodyPr/>
-          <a:lstStyle/>
-          <a:p>
-            <a:r>
-              <a:rPr lang="de-DE"/>
-              <a:t>Gilgenreiner, Kleinegger, Sonnek | Gruppe 6 | 2019/20</a:t>
-            </a:r>
-            <a:endParaRPr lang="de-AT"/>
-          </a:p>
-        </p:txBody>
-      </p:sp>
-      <p:sp>
-        <p:nvSpPr>
-          <p:cNvPr id="6" name="Foliennummernplatzhalter 5">
-            <a:extLst>
-              <a:ext uri="{FF2B5EF4-FFF2-40B4-BE49-F238E27FC236}">
-                <a16:creationId xmlns:a16="http://schemas.microsoft.com/office/drawing/2014/main" id="{5C7B26F1-9265-4E33-AE81-A738B12094D3}"/>
-              </a:ext>
-            </a:extLst>
-          </p:cNvPr>
-          <p:cNvSpPr>
-            <a:spLocks noGrp="1"/>
-          </p:cNvSpPr>
-          <p:nvPr>
-            <p:ph type="sldNum" sz="quarter" idx="12"/>
-          </p:nvPr>
-        </p:nvSpPr>
-        <p:spPr/>
-        <p:txBody>
-          <a:bodyPr/>
-          <a:lstStyle/>
-          <a:p>
-            <a:fld id="{940FB58F-067A-413C-9BD8-45C981AB8339}" type="slidenum">
-              <a:rPr lang="de-AT" smtClean="0"/>
-              <a:t>9</a:t>
-            </a:fld>
-            <a:endParaRPr lang="de-AT"/>
-          </a:p>
-        </p:txBody>
-      </p:sp>
-    </p:spTree>
-    <p:extLst>
-      <p:ext uri="{BB962C8B-B14F-4D97-AF65-F5344CB8AC3E}">
-        <p14:creationId xmlns:p14="http://schemas.microsoft.com/office/powerpoint/2010/main" val="2942385291"/>
       </p:ext>
     </p:extLst>
   </p:cSld>
